--- a/MOD04-Introduccion_a_Java/01 Presentacion/INFO1_MOD4-Algoritmos_y_Diagramas.pptx
+++ b/MOD04-Introduccion_a_Java/01 Presentacion/INFO1_MOD4-Algoritmos_y_Diagramas.pptx
@@ -10,52 +10,54 @@
     <p:sldId id="258" r:id="rId4"/>
     <p:sldId id="259" r:id="rId5"/>
     <p:sldId id="264" r:id="rId6"/>
-    <p:sldId id="265" r:id="rId7"/>
-    <p:sldId id="266" r:id="rId8"/>
-    <p:sldId id="267" r:id="rId9"/>
-    <p:sldId id="268" r:id="rId10"/>
-    <p:sldId id="269" r:id="rId11"/>
-    <p:sldId id="270" r:id="rId12"/>
-    <p:sldId id="271" r:id="rId13"/>
-    <p:sldId id="272" r:id="rId14"/>
-    <p:sldId id="274" r:id="rId15"/>
-    <p:sldId id="273" r:id="rId16"/>
-    <p:sldId id="275" r:id="rId17"/>
-    <p:sldId id="276" r:id="rId18"/>
-    <p:sldId id="277" r:id="rId19"/>
-    <p:sldId id="278" r:id="rId20"/>
-    <p:sldId id="279" r:id="rId21"/>
-    <p:sldId id="280" r:id="rId22"/>
-    <p:sldId id="281" r:id="rId23"/>
-    <p:sldId id="282" r:id="rId24"/>
-    <p:sldId id="283" r:id="rId25"/>
-    <p:sldId id="284" r:id="rId26"/>
-    <p:sldId id="285" r:id="rId27"/>
-    <p:sldId id="286" r:id="rId28"/>
-    <p:sldId id="287" r:id="rId29"/>
-    <p:sldId id="288" r:id="rId30"/>
-    <p:sldId id="289" r:id="rId31"/>
-    <p:sldId id="290" r:id="rId32"/>
-    <p:sldId id="291" r:id="rId33"/>
-    <p:sldId id="292" r:id="rId34"/>
-    <p:sldId id="294" r:id="rId35"/>
-    <p:sldId id="299" r:id="rId36"/>
-    <p:sldId id="300" r:id="rId37"/>
-    <p:sldId id="293" r:id="rId38"/>
-    <p:sldId id="295" r:id="rId39"/>
-    <p:sldId id="296" r:id="rId40"/>
-    <p:sldId id="297" r:id="rId41"/>
-    <p:sldId id="298" r:id="rId42"/>
+    <p:sldId id="270" r:id="rId7"/>
+    <p:sldId id="301" r:id="rId8"/>
+    <p:sldId id="265" r:id="rId9"/>
+    <p:sldId id="266" r:id="rId10"/>
+    <p:sldId id="267" r:id="rId11"/>
+    <p:sldId id="268" r:id="rId12"/>
+    <p:sldId id="269" r:id="rId13"/>
+    <p:sldId id="271" r:id="rId14"/>
+    <p:sldId id="272" r:id="rId15"/>
+    <p:sldId id="274" r:id="rId16"/>
+    <p:sldId id="273" r:id="rId17"/>
+    <p:sldId id="275" r:id="rId18"/>
+    <p:sldId id="276" r:id="rId19"/>
+    <p:sldId id="277" r:id="rId20"/>
+    <p:sldId id="278" r:id="rId21"/>
+    <p:sldId id="279" r:id="rId22"/>
+    <p:sldId id="280" r:id="rId23"/>
+    <p:sldId id="281" r:id="rId24"/>
+    <p:sldId id="282" r:id="rId25"/>
+    <p:sldId id="283" r:id="rId26"/>
+    <p:sldId id="284" r:id="rId27"/>
+    <p:sldId id="285" r:id="rId28"/>
+    <p:sldId id="286" r:id="rId29"/>
+    <p:sldId id="287" r:id="rId30"/>
+    <p:sldId id="288" r:id="rId31"/>
+    <p:sldId id="289" r:id="rId32"/>
+    <p:sldId id="290" r:id="rId33"/>
+    <p:sldId id="291" r:id="rId34"/>
+    <p:sldId id="292" r:id="rId35"/>
+    <p:sldId id="294" r:id="rId36"/>
+    <p:sldId id="299" r:id="rId37"/>
+    <p:sldId id="300" r:id="rId38"/>
+    <p:sldId id="293" r:id="rId39"/>
+    <p:sldId id="295" r:id="rId40"/>
+    <p:sldId id="296" r:id="rId41"/>
+    <p:sldId id="297" r:id="rId42"/>
+    <p:sldId id="298" r:id="rId43"/>
+    <p:sldId id="302" r:id="rId44"/>
   </p:sldIdLst>
   <p:sldSz cx="12192000" cy="6858000"/>
   <p:notesSz cx="6858000" cy="9144000"/>
   <p:embeddedFontLst>
     <p:embeddedFont>
-      <p:font typeface="Ubuntu" panose="020B0604020202020204" charset="0"/>
-      <p:regular r:id="rId43"/>
-      <p:bold r:id="rId44"/>
-      <p:italic r:id="rId45"/>
-      <p:boldItalic r:id="rId46"/>
+      <p:font typeface="Ubuntu" panose="020B0504030602030204" pitchFamily="34" charset="0"/>
+      <p:regular r:id="rId45"/>
+      <p:bold r:id="rId46"/>
+      <p:italic r:id="rId47"/>
+      <p:boldItalic r:id="rId48"/>
     </p:embeddedFont>
   </p:embeddedFontLst>
   <p:defaultTextStyle>
@@ -167,12 +169,13 @@
             <p14:sldId id="258"/>
             <p14:sldId id="259"/>
             <p14:sldId id="264"/>
+            <p14:sldId id="270"/>
+            <p14:sldId id="301"/>
             <p14:sldId id="265"/>
             <p14:sldId id="266"/>
             <p14:sldId id="267"/>
             <p14:sldId id="268"/>
             <p14:sldId id="269"/>
-            <p14:sldId id="270"/>
             <p14:sldId id="271"/>
           </p14:sldIdLst>
         </p14:section>
@@ -211,6 +214,7 @@
             <p14:sldId id="296"/>
             <p14:sldId id="297"/>
             <p14:sldId id="298"/>
+            <p14:sldId id="302"/>
           </p14:sldIdLst>
         </p14:section>
       </p14:sectionLst>
@@ -387,7 +391,7 @@
             <a:fld id="{A8CFC892-7674-4263-9B21-5444F469832B}" type="datetimeFigureOut">
               <a:rPr lang="en-US" smtClean="0"/>
               <a:pPr/>
-              <a:t>9/10/2020</a:t>
+              <a:t>9/5/2021</a:t>
             </a:fld>
             <a:endParaRPr lang="en-US"/>
           </a:p>
@@ -954,7 +958,7 @@
           <a:p>
             <a:fld id="{A8CFC892-7674-4263-9B21-5444F469832B}" type="datetimeFigureOut">
               <a:rPr lang="en-US" smtClean="0"/>
-              <a:t>9/10/2020</a:t>
+              <a:t>9/5/2021</a:t>
             </a:fld>
             <a:endParaRPr lang="en-US"/>
           </a:p>
@@ -1421,7 +1425,7 @@
             <a:fld id="{A8CFC892-7674-4263-9B21-5444F469832B}" type="datetimeFigureOut">
               <a:rPr lang="en-US" smtClean="0"/>
               <a:pPr/>
-              <a:t>9/10/2020</a:t>
+              <a:t>9/5/2021</a:t>
             </a:fld>
             <a:endParaRPr lang="en-US"/>
           </a:p>
@@ -1990,6 +1994,709 @@
 </file>
 
 <file path=ppt/slides/slide10.xml><?xml version="1.0" encoding="utf-8"?>
+<p:sld xmlns:a="http://schemas.openxmlformats.org/drawingml/2006/main" xmlns:r="http://schemas.openxmlformats.org/officeDocument/2006/relationships" xmlns:p="http://schemas.openxmlformats.org/presentationml/2006/main">
+  <p:cSld>
+    <p:spTree>
+      <p:nvGrpSpPr>
+        <p:cNvPr id="1" name=""/>
+        <p:cNvGrpSpPr/>
+        <p:nvPr/>
+      </p:nvGrpSpPr>
+      <p:grpSpPr>
+        <a:xfrm>
+          <a:off x="0" y="0"/>
+          <a:ext cx="0" cy="0"/>
+          <a:chOff x="0" y="0"/>
+          <a:chExt cx="0" cy="0"/>
+        </a:xfrm>
+      </p:grpSpPr>
+      <p:sp>
+        <p:nvSpPr>
+          <p:cNvPr id="2" name="Title 1">
+            <a:extLst>
+              <a:ext uri="{FF2B5EF4-FFF2-40B4-BE49-F238E27FC236}">
+                <a16:creationId xmlns:a16="http://schemas.microsoft.com/office/drawing/2014/main" id="{4A5C6FCB-25E6-482A-B57D-42C7CF742006}"/>
+              </a:ext>
+            </a:extLst>
+          </p:cNvPr>
+          <p:cNvSpPr>
+            <a:spLocks noGrp="1"/>
+          </p:cNvSpPr>
+          <p:nvPr>
+            <p:ph type="title"/>
+          </p:nvPr>
+        </p:nvSpPr>
+        <p:spPr/>
+        <p:txBody>
+          <a:bodyPr/>
+          <a:lstStyle/>
+          <a:p>
+            <a:r>
+              <a:rPr lang="es-MX" dirty="0"/>
+              <a:t>Diseño de algoritmos</a:t>
+            </a:r>
+            <a:endParaRPr lang="en-US" dirty="0"/>
+          </a:p>
+        </p:txBody>
+      </p:sp>
+      <p:sp>
+        <p:nvSpPr>
+          <p:cNvPr id="3" name="Content Placeholder 2">
+            <a:extLst>
+              <a:ext uri="{FF2B5EF4-FFF2-40B4-BE49-F238E27FC236}">
+                <a16:creationId xmlns:a16="http://schemas.microsoft.com/office/drawing/2014/main" id="{B61A62DC-6504-480F-95F2-41A42B880CF6}"/>
+              </a:ext>
+            </a:extLst>
+          </p:cNvPr>
+          <p:cNvSpPr>
+            <a:spLocks noGrp="1"/>
+          </p:cNvSpPr>
+          <p:nvPr>
+            <p:ph idx="1"/>
+          </p:nvPr>
+        </p:nvSpPr>
+        <p:spPr>
+          <a:xfrm>
+            <a:off x="838199" y="1158114"/>
+            <a:ext cx="11095381" cy="5329771"/>
+          </a:xfrm>
+        </p:spPr>
+        <p:txBody>
+          <a:bodyPr>
+            <a:normAutofit/>
+          </a:bodyPr>
+          <a:lstStyle/>
+          <a:p>
+            <a:pPr marL="0" indent="0">
+              <a:buNone/>
+            </a:pPr>
+            <a:r>
+              <a:rPr lang="es-MX" sz="3600" dirty="0"/>
+              <a:t>La computadora no debe entender el algoritmo, mientras pueda ejecutarlo. </a:t>
+            </a:r>
+          </a:p>
+          <a:p>
+            <a:pPr marL="0" indent="0">
+              <a:buNone/>
+            </a:pPr>
+            <a:endParaRPr lang="es-MX" sz="3600" dirty="0"/>
+          </a:p>
+          <a:p>
+            <a:pPr marL="0" indent="0">
+              <a:buNone/>
+            </a:pPr>
+            <a:r>
+              <a:rPr lang="es-MX" sz="3600" dirty="0"/>
+              <a:t>Un buen </a:t>
+            </a:r>
+            <a:r>
+              <a:rPr lang="es-MX" sz="3600" b="1" dirty="0">
+                <a:solidFill>
+                  <a:schemeClr val="accent1"/>
+                </a:solidFill>
+              </a:rPr>
+              <a:t>programador</a:t>
+            </a:r>
+            <a:r>
+              <a:rPr lang="es-MX" sz="3600" dirty="0">
+                <a:solidFill>
+                  <a:schemeClr val="accent1"/>
+                </a:solidFill>
+              </a:rPr>
+              <a:t> </a:t>
+            </a:r>
+            <a:r>
+              <a:rPr lang="es-MX" sz="3600" dirty="0"/>
+              <a:t>debe dominar todos los aspectos y detalles del algoritmo para poderlo programar.</a:t>
+            </a:r>
+            <a:endParaRPr lang="en-US" sz="3600" dirty="0"/>
+          </a:p>
+          <a:p>
+            <a:pPr marL="0" indent="0">
+              <a:buNone/>
+            </a:pPr>
+            <a:endParaRPr lang="es-MX" sz="3600" dirty="0"/>
+          </a:p>
+          <a:p>
+            <a:pPr marL="0" indent="0">
+              <a:buNone/>
+            </a:pPr>
+            <a:r>
+              <a:rPr lang="es-MX" sz="3600" dirty="0"/>
+              <a:t>El trabajo de un programador es </a:t>
+            </a:r>
+            <a:r>
+              <a:rPr lang="es-MX" sz="3600" b="1" dirty="0">
+                <a:solidFill>
+                  <a:schemeClr val="accent1"/>
+                </a:solidFill>
+              </a:rPr>
+              <a:t>convertir las instrucciones de un algoritmo en código.</a:t>
+            </a:r>
+            <a:endParaRPr lang="es-MX" sz="3600" b="1" dirty="0"/>
+          </a:p>
+        </p:txBody>
+      </p:sp>
+    </p:spTree>
+    <p:extLst>
+      <p:ext uri="{BB962C8B-B14F-4D97-AF65-F5344CB8AC3E}">
+        <p14:creationId xmlns:p14="http://schemas.microsoft.com/office/powerpoint/2010/main" val="997814641"/>
+      </p:ext>
+    </p:extLst>
+  </p:cSld>
+  <p:clrMapOvr>
+    <a:masterClrMapping/>
+  </p:clrMapOvr>
+  <p:timing>
+    <p:tnLst>
+      <p:par>
+        <p:cTn id="1" dur="indefinite" restart="never" nodeType="tmRoot">
+          <p:childTnLst>
+            <p:seq concurrent="1" nextAc="seek">
+              <p:cTn id="2" dur="indefinite" nodeType="mainSeq">
+                <p:childTnLst>
+                  <p:par>
+                    <p:cTn id="3" fill="hold">
+                      <p:stCondLst>
+                        <p:cond delay="indefinite"/>
+                      </p:stCondLst>
+                      <p:childTnLst>
+                        <p:par>
+                          <p:cTn id="4" fill="hold">
+                            <p:stCondLst>
+                              <p:cond delay="0"/>
+                            </p:stCondLst>
+                            <p:childTnLst>
+                              <p:par>
+                                <p:cTn id="5" presetID="1" presetClass="entr" presetSubtype="0" fill="hold" nodeType="clickEffect">
+                                  <p:stCondLst>
+                                    <p:cond delay="0"/>
+                                  </p:stCondLst>
+                                  <p:childTnLst>
+                                    <p:set>
+                                      <p:cBhvr>
+                                        <p:cTn id="6" dur="1" fill="hold">
+                                          <p:stCondLst>
+                                            <p:cond delay="0"/>
+                                          </p:stCondLst>
+                                        </p:cTn>
+                                        <p:tgtEl>
+                                          <p:spTgt spid="3">
+                                            <p:txEl>
+                                              <p:pRg st="0" end="0"/>
+                                            </p:txEl>
+                                          </p:spTgt>
+                                        </p:tgtEl>
+                                        <p:attrNameLst>
+                                          <p:attrName>style.visibility</p:attrName>
+                                        </p:attrNameLst>
+                                      </p:cBhvr>
+                                      <p:to>
+                                        <p:strVal val="visible"/>
+                                      </p:to>
+                                    </p:set>
+                                  </p:childTnLst>
+                                </p:cTn>
+                              </p:par>
+                            </p:childTnLst>
+                          </p:cTn>
+                        </p:par>
+                      </p:childTnLst>
+                    </p:cTn>
+                  </p:par>
+                  <p:par>
+                    <p:cTn id="7" fill="hold">
+                      <p:stCondLst>
+                        <p:cond delay="indefinite"/>
+                      </p:stCondLst>
+                      <p:childTnLst>
+                        <p:par>
+                          <p:cTn id="8" fill="hold">
+                            <p:stCondLst>
+                              <p:cond delay="0"/>
+                            </p:stCondLst>
+                            <p:childTnLst>
+                              <p:par>
+                                <p:cTn id="9" presetID="1" presetClass="entr" presetSubtype="0" fill="hold" nodeType="clickEffect">
+                                  <p:stCondLst>
+                                    <p:cond delay="0"/>
+                                  </p:stCondLst>
+                                  <p:childTnLst>
+                                    <p:set>
+                                      <p:cBhvr>
+                                        <p:cTn id="10" dur="1" fill="hold">
+                                          <p:stCondLst>
+                                            <p:cond delay="0"/>
+                                          </p:stCondLst>
+                                        </p:cTn>
+                                        <p:tgtEl>
+                                          <p:spTgt spid="3">
+                                            <p:txEl>
+                                              <p:pRg st="2" end="2"/>
+                                            </p:txEl>
+                                          </p:spTgt>
+                                        </p:tgtEl>
+                                        <p:attrNameLst>
+                                          <p:attrName>style.visibility</p:attrName>
+                                        </p:attrNameLst>
+                                      </p:cBhvr>
+                                      <p:to>
+                                        <p:strVal val="visible"/>
+                                      </p:to>
+                                    </p:set>
+                                  </p:childTnLst>
+                                </p:cTn>
+                              </p:par>
+                            </p:childTnLst>
+                          </p:cTn>
+                        </p:par>
+                      </p:childTnLst>
+                    </p:cTn>
+                  </p:par>
+                  <p:par>
+                    <p:cTn id="11" fill="hold">
+                      <p:stCondLst>
+                        <p:cond delay="indefinite"/>
+                      </p:stCondLst>
+                      <p:childTnLst>
+                        <p:par>
+                          <p:cTn id="12" fill="hold">
+                            <p:stCondLst>
+                              <p:cond delay="0"/>
+                            </p:stCondLst>
+                            <p:childTnLst>
+                              <p:par>
+                                <p:cTn id="13" presetID="1" presetClass="entr" presetSubtype="0" fill="hold" nodeType="clickEffect">
+                                  <p:stCondLst>
+                                    <p:cond delay="0"/>
+                                  </p:stCondLst>
+                                  <p:childTnLst>
+                                    <p:set>
+                                      <p:cBhvr>
+                                        <p:cTn id="14" dur="1" fill="hold">
+                                          <p:stCondLst>
+                                            <p:cond delay="0"/>
+                                          </p:stCondLst>
+                                        </p:cTn>
+                                        <p:tgtEl>
+                                          <p:spTgt spid="3">
+                                            <p:txEl>
+                                              <p:pRg st="4" end="4"/>
+                                            </p:txEl>
+                                          </p:spTgt>
+                                        </p:tgtEl>
+                                        <p:attrNameLst>
+                                          <p:attrName>style.visibility</p:attrName>
+                                        </p:attrNameLst>
+                                      </p:cBhvr>
+                                      <p:to>
+                                        <p:strVal val="visible"/>
+                                      </p:to>
+                                    </p:set>
+                                  </p:childTnLst>
+                                </p:cTn>
+                              </p:par>
+                            </p:childTnLst>
+                          </p:cTn>
+                        </p:par>
+                      </p:childTnLst>
+                    </p:cTn>
+                  </p:par>
+                </p:childTnLst>
+              </p:cTn>
+              <p:prevCondLst>
+                <p:cond evt="onPrev" delay="0">
+                  <p:tgtEl>
+                    <p:sldTgt/>
+                  </p:tgtEl>
+                </p:cond>
+              </p:prevCondLst>
+              <p:nextCondLst>
+                <p:cond evt="onNext" delay="0">
+                  <p:tgtEl>
+                    <p:sldTgt/>
+                  </p:tgtEl>
+                </p:cond>
+              </p:nextCondLst>
+            </p:seq>
+          </p:childTnLst>
+        </p:cTn>
+      </p:par>
+    </p:tnLst>
+  </p:timing>
+</p:sld>
+</file>
+
+<file path=ppt/slides/slide11.xml><?xml version="1.0" encoding="utf-8"?>
+<p:sld xmlns:a="http://schemas.openxmlformats.org/drawingml/2006/main" xmlns:r="http://schemas.openxmlformats.org/officeDocument/2006/relationships" xmlns:p="http://schemas.openxmlformats.org/presentationml/2006/main">
+  <p:cSld>
+    <p:spTree>
+      <p:nvGrpSpPr>
+        <p:cNvPr id="1" name=""/>
+        <p:cNvGrpSpPr/>
+        <p:nvPr/>
+      </p:nvGrpSpPr>
+      <p:grpSpPr>
+        <a:xfrm>
+          <a:off x="0" y="0"/>
+          <a:ext cx="0" cy="0"/>
+          <a:chOff x="0" y="0"/>
+          <a:chExt cx="0" cy="0"/>
+        </a:xfrm>
+      </p:grpSpPr>
+      <p:pic>
+        <p:nvPicPr>
+          <p:cNvPr id="1026" name="Picture 2" descr="Image result for creativo">
+            <a:extLst>
+              <a:ext uri="{FF2B5EF4-FFF2-40B4-BE49-F238E27FC236}">
+                <a16:creationId xmlns:a16="http://schemas.microsoft.com/office/drawing/2014/main" id="{22536C4F-6F7F-4804-923F-95A1D46255EF}"/>
+              </a:ext>
+            </a:extLst>
+          </p:cNvPr>
+          <p:cNvPicPr>
+            <a:picLocks noChangeAspect="1" noChangeArrowheads="1"/>
+          </p:cNvPicPr>
+          <p:nvPr/>
+        </p:nvPicPr>
+        <p:blipFill rotWithShape="1">
+          <a:blip r:embed="rId2">
+            <a:extLst>
+              <a:ext uri="{28A0092B-C50C-407E-A947-70E740481C1C}">
+                <a14:useLocalDpi xmlns:a14="http://schemas.microsoft.com/office/drawing/2010/main" val="0"/>
+              </a:ext>
+            </a:extLst>
+          </a:blip>
+          <a:srcRect l="44019" t="9941" r="14999" b="14454"/>
+          <a:stretch/>
+        </p:blipFill>
+        <p:spPr bwMode="auto">
+          <a:xfrm flipH="1">
+            <a:off x="751116" y="1360713"/>
+            <a:ext cx="4996541" cy="4376057"/>
+          </a:xfrm>
+          <a:prstGeom prst="rect">
+            <a:avLst/>
+          </a:prstGeom>
+          <a:noFill/>
+          <a:extLst>
+            <a:ext uri="{909E8E84-426E-40DD-AFC4-6F175D3DCCD1}">
+              <a14:hiddenFill xmlns:a14="http://schemas.microsoft.com/office/drawing/2010/main">
+                <a:solidFill>
+                  <a:srgbClr val="FFFFFF"/>
+                </a:solidFill>
+              </a14:hiddenFill>
+            </a:ext>
+          </a:extLst>
+        </p:spPr>
+      </p:pic>
+      <p:sp>
+        <p:nvSpPr>
+          <p:cNvPr id="4" name="Title 1">
+            <a:extLst>
+              <a:ext uri="{FF2B5EF4-FFF2-40B4-BE49-F238E27FC236}">
+                <a16:creationId xmlns:a16="http://schemas.microsoft.com/office/drawing/2014/main" id="{7D4EDFB4-267B-47D0-B6F9-542BD156FA16}"/>
+              </a:ext>
+            </a:extLst>
+          </p:cNvPr>
+          <p:cNvSpPr txBox="1">
+            <a:spLocks/>
+          </p:cNvSpPr>
+          <p:nvPr/>
+        </p:nvSpPr>
+        <p:spPr>
+          <a:xfrm>
+            <a:off x="5889170" y="192537"/>
+            <a:ext cx="6302829" cy="3236463"/>
+          </a:xfrm>
+          <a:prstGeom prst="rect">
+            <a:avLst/>
+          </a:prstGeom>
+        </p:spPr>
+        <p:txBody>
+          <a:bodyPr/>
+          <a:lstStyle>
+            <a:lvl1pPr algn="l" defTabSz="914400" rtl="0" eaLnBrk="1" latinLnBrk="0" hangingPunct="1">
+              <a:lnSpc>
+                <a:spcPct val="90000"/>
+              </a:lnSpc>
+              <a:spcBef>
+                <a:spcPct val="0"/>
+              </a:spcBef>
+              <a:buNone/>
+              <a:defRPr sz="4400" b="1" kern="1200">
+                <a:solidFill>
+                  <a:schemeClr val="accent2"/>
+                </a:solidFill>
+                <a:latin typeface="Ubuntu" panose="020B0504030602030204" pitchFamily="34" charset="0"/>
+                <a:ea typeface="+mj-ea"/>
+                <a:cs typeface="Arial" panose="020B0604020202020204" pitchFamily="34" charset="0"/>
+              </a:defRPr>
+            </a:lvl1pPr>
+          </a:lstStyle>
+          <a:p>
+            <a:pPr algn="ctr"/>
+            <a:r>
+              <a:rPr lang="es-MX" sz="5400" i="1" dirty="0"/>
+              <a:t>Diseñar un algoritmo es trabajo altamente creativo</a:t>
+            </a:r>
+            <a:endParaRPr lang="en-US" sz="5400" i="1" dirty="0"/>
+          </a:p>
+        </p:txBody>
+      </p:sp>
+      <p:sp>
+        <p:nvSpPr>
+          <p:cNvPr id="5" name="Title 1">
+            <a:extLst>
+              <a:ext uri="{FF2B5EF4-FFF2-40B4-BE49-F238E27FC236}">
+                <a16:creationId xmlns:a16="http://schemas.microsoft.com/office/drawing/2014/main" id="{CC4C4BA6-34AC-4EF9-8375-5FA141498484}"/>
+              </a:ext>
+            </a:extLst>
+          </p:cNvPr>
+          <p:cNvSpPr txBox="1">
+            <a:spLocks/>
+          </p:cNvSpPr>
+          <p:nvPr/>
+        </p:nvSpPr>
+        <p:spPr>
+          <a:xfrm>
+            <a:off x="5638799" y="3429000"/>
+            <a:ext cx="6444343" cy="3236463"/>
+          </a:xfrm>
+          <a:prstGeom prst="rect">
+            <a:avLst/>
+          </a:prstGeom>
+        </p:spPr>
+        <p:txBody>
+          <a:bodyPr/>
+          <a:lstStyle>
+            <a:lvl1pPr algn="l" defTabSz="914400" rtl="0" eaLnBrk="1" latinLnBrk="0" hangingPunct="1">
+              <a:lnSpc>
+                <a:spcPct val="90000"/>
+              </a:lnSpc>
+              <a:spcBef>
+                <a:spcPct val="0"/>
+              </a:spcBef>
+              <a:buNone/>
+              <a:defRPr sz="4400" b="1" kern="1200">
+                <a:solidFill>
+                  <a:schemeClr val="accent2"/>
+                </a:solidFill>
+                <a:latin typeface="Ubuntu" panose="020B0504030602030204" pitchFamily="34" charset="0"/>
+                <a:ea typeface="+mj-ea"/>
+                <a:cs typeface="Arial" panose="020B0604020202020204" pitchFamily="34" charset="0"/>
+              </a:defRPr>
+            </a:lvl1pPr>
+          </a:lstStyle>
+          <a:p>
+            <a:pPr algn="ctr"/>
+            <a:endParaRPr lang="en-US" sz="5400" i="1" dirty="0">
+              <a:solidFill>
+                <a:schemeClr val="accent1"/>
+              </a:solidFill>
+            </a:endParaRPr>
+          </a:p>
+        </p:txBody>
+      </p:sp>
+      <p:sp>
+        <p:nvSpPr>
+          <p:cNvPr id="6" name="Title 1">
+            <a:extLst>
+              <a:ext uri="{FF2B5EF4-FFF2-40B4-BE49-F238E27FC236}">
+                <a16:creationId xmlns:a16="http://schemas.microsoft.com/office/drawing/2014/main" id="{59C04B33-709A-4588-A750-17794F1A21F9}"/>
+              </a:ext>
+            </a:extLst>
+          </p:cNvPr>
+          <p:cNvSpPr txBox="1">
+            <a:spLocks/>
+          </p:cNvSpPr>
+          <p:nvPr/>
+        </p:nvSpPr>
+        <p:spPr>
+          <a:xfrm>
+            <a:off x="5834741" y="4078737"/>
+            <a:ext cx="6302829" cy="2779263"/>
+          </a:xfrm>
+          <a:prstGeom prst="rect">
+            <a:avLst/>
+          </a:prstGeom>
+        </p:spPr>
+        <p:txBody>
+          <a:bodyPr/>
+          <a:lstStyle>
+            <a:lvl1pPr algn="l" defTabSz="914400" rtl="0" eaLnBrk="1" latinLnBrk="0" hangingPunct="1">
+              <a:lnSpc>
+                <a:spcPct val="90000"/>
+              </a:lnSpc>
+              <a:spcBef>
+                <a:spcPct val="0"/>
+              </a:spcBef>
+              <a:buNone/>
+              <a:defRPr sz="4400" b="1" kern="1200">
+                <a:solidFill>
+                  <a:schemeClr val="accent2"/>
+                </a:solidFill>
+                <a:latin typeface="Ubuntu" panose="020B0504030602030204" pitchFamily="34" charset="0"/>
+                <a:ea typeface="+mj-ea"/>
+                <a:cs typeface="Arial" panose="020B0604020202020204" pitchFamily="34" charset="0"/>
+              </a:defRPr>
+            </a:lvl1pPr>
+          </a:lstStyle>
+          <a:p>
+            <a:pPr algn="ctr"/>
+            <a:r>
+              <a:rPr lang="es-MX" sz="4800" i="1" dirty="0">
+                <a:solidFill>
+                  <a:schemeClr val="accent1"/>
+                </a:solidFill>
+              </a:rPr>
+              <a:t>¡Es detallar algo complicado de una forma lógica y sencilla!</a:t>
+            </a:r>
+            <a:endParaRPr lang="en-US" sz="4800" i="1" dirty="0">
+              <a:solidFill>
+                <a:schemeClr val="accent1"/>
+              </a:solidFill>
+            </a:endParaRPr>
+          </a:p>
+        </p:txBody>
+      </p:sp>
+    </p:spTree>
+    <p:extLst>
+      <p:ext uri="{BB962C8B-B14F-4D97-AF65-F5344CB8AC3E}">
+        <p14:creationId xmlns:p14="http://schemas.microsoft.com/office/powerpoint/2010/main" val="3206956812"/>
+      </p:ext>
+    </p:extLst>
+  </p:cSld>
+  <p:clrMapOvr>
+    <a:masterClrMapping/>
+  </p:clrMapOvr>
+  <p:timing>
+    <p:tnLst>
+      <p:par>
+        <p:cTn id="1" dur="indefinite" restart="never" nodeType="tmRoot">
+          <p:childTnLst>
+            <p:seq concurrent="1" nextAc="seek">
+              <p:cTn id="2" dur="indefinite" nodeType="mainSeq">
+                <p:childTnLst>
+                  <p:par>
+                    <p:cTn id="3" fill="hold">
+                      <p:stCondLst>
+                        <p:cond delay="indefinite"/>
+                      </p:stCondLst>
+                      <p:childTnLst>
+                        <p:par>
+                          <p:cTn id="4" fill="hold">
+                            <p:stCondLst>
+                              <p:cond delay="0"/>
+                            </p:stCondLst>
+                            <p:childTnLst>
+                              <p:par>
+                                <p:cTn id="5" presetID="2" presetClass="entr" presetSubtype="4" fill="hold" grpId="0" nodeType="clickEffect">
+                                  <p:stCondLst>
+                                    <p:cond delay="0"/>
+                                  </p:stCondLst>
+                                  <p:childTnLst>
+                                    <p:set>
+                                      <p:cBhvr>
+                                        <p:cTn id="6" dur="1" fill="hold">
+                                          <p:stCondLst>
+                                            <p:cond delay="0"/>
+                                          </p:stCondLst>
+                                        </p:cTn>
+                                        <p:tgtEl>
+                                          <p:spTgt spid="6"/>
+                                        </p:tgtEl>
+                                        <p:attrNameLst>
+                                          <p:attrName>style.visibility</p:attrName>
+                                        </p:attrNameLst>
+                                      </p:cBhvr>
+                                      <p:to>
+                                        <p:strVal val="visible"/>
+                                      </p:to>
+                                    </p:set>
+                                    <p:anim calcmode="lin" valueType="num">
+                                      <p:cBhvr additive="base">
+                                        <p:cTn id="7" dur="500" fill="hold"/>
+                                        <p:tgtEl>
+                                          <p:spTgt spid="6"/>
+                                        </p:tgtEl>
+                                        <p:attrNameLst>
+                                          <p:attrName>ppt_x</p:attrName>
+                                        </p:attrNameLst>
+                                      </p:cBhvr>
+                                      <p:tavLst>
+                                        <p:tav tm="0">
+                                          <p:val>
+                                            <p:strVal val="#ppt_x"/>
+                                          </p:val>
+                                        </p:tav>
+                                        <p:tav tm="100000">
+                                          <p:val>
+                                            <p:strVal val="#ppt_x"/>
+                                          </p:val>
+                                        </p:tav>
+                                      </p:tavLst>
+                                    </p:anim>
+                                    <p:anim calcmode="lin" valueType="num">
+                                      <p:cBhvr additive="base">
+                                        <p:cTn id="8" dur="500" fill="hold"/>
+                                        <p:tgtEl>
+                                          <p:spTgt spid="6"/>
+                                        </p:tgtEl>
+                                        <p:attrNameLst>
+                                          <p:attrName>ppt_y</p:attrName>
+                                        </p:attrNameLst>
+                                      </p:cBhvr>
+                                      <p:tavLst>
+                                        <p:tav tm="0">
+                                          <p:val>
+                                            <p:strVal val="1+#ppt_h/2"/>
+                                          </p:val>
+                                        </p:tav>
+                                        <p:tav tm="100000">
+                                          <p:val>
+                                            <p:strVal val="#ppt_y"/>
+                                          </p:val>
+                                        </p:tav>
+                                      </p:tavLst>
+                                    </p:anim>
+                                  </p:childTnLst>
+                                </p:cTn>
+                              </p:par>
+                            </p:childTnLst>
+                          </p:cTn>
+                        </p:par>
+                      </p:childTnLst>
+                    </p:cTn>
+                  </p:par>
+                </p:childTnLst>
+              </p:cTn>
+              <p:prevCondLst>
+                <p:cond evt="onPrev" delay="0">
+                  <p:tgtEl>
+                    <p:sldTgt/>
+                  </p:tgtEl>
+                </p:cond>
+              </p:prevCondLst>
+              <p:nextCondLst>
+                <p:cond evt="onNext" delay="0">
+                  <p:tgtEl>
+                    <p:sldTgt/>
+                  </p:tgtEl>
+                </p:cond>
+              </p:nextCondLst>
+            </p:seq>
+          </p:childTnLst>
+        </p:cTn>
+      </p:par>
+    </p:tnLst>
+    <p:bldLst>
+      <p:bldP spid="6" grpId="0"/>
+    </p:bldLst>
+  </p:timing>
+</p:sld>
+</file>
+
+<file path=ppt/slides/slide12.xml><?xml version="1.0" encoding="utf-8"?>
 <p:sld xmlns:a="http://schemas.openxmlformats.org/drawingml/2006/main" xmlns:r="http://schemas.openxmlformats.org/officeDocument/2006/relationships" xmlns:p="http://schemas.openxmlformats.org/presentationml/2006/main">
   <p:cSld>
     <p:spTree>
@@ -2812,147 +3519,7 @@
 </p:sld>
 </file>
 
-<file path=ppt/slides/slide11.xml><?xml version="1.0" encoding="utf-8"?>
-<p:sld xmlns:a="http://schemas.openxmlformats.org/drawingml/2006/main" xmlns:r="http://schemas.openxmlformats.org/officeDocument/2006/relationships" xmlns:p="http://schemas.openxmlformats.org/presentationml/2006/main">
-  <p:cSld>
-    <p:spTree>
-      <p:nvGrpSpPr>
-        <p:cNvPr id="1" name=""/>
-        <p:cNvGrpSpPr/>
-        <p:nvPr/>
-      </p:nvGrpSpPr>
-      <p:grpSpPr>
-        <a:xfrm>
-          <a:off x="0" y="0"/>
-          <a:ext cx="0" cy="0"/>
-          <a:chOff x="0" y="0"/>
-          <a:chExt cx="0" cy="0"/>
-        </a:xfrm>
-      </p:grpSpPr>
-      <p:pic>
-        <p:nvPicPr>
-          <p:cNvPr id="2" name="Online Media 1">
-            <a:hlinkClick r:id="" action="ppaction://media"/>
-            <a:extLst>
-              <a:ext uri="{FF2B5EF4-FFF2-40B4-BE49-F238E27FC236}">
-                <a16:creationId xmlns:a16="http://schemas.microsoft.com/office/drawing/2014/main" id="{7F41DECB-E06D-4102-8F08-6BE32856CE03}"/>
-              </a:ext>
-            </a:extLst>
-          </p:cNvPr>
-          <p:cNvPicPr>
-            <a:picLocks noRot="1" noChangeAspect="1"/>
-          </p:cNvPicPr>
-          <p:nvPr>
-            <a:videoFile r:link="rId1"/>
-          </p:nvPr>
-        </p:nvPicPr>
-        <p:blipFill>
-          <a:blip r:embed="rId3"/>
-          <a:stretch>
-            <a:fillRect/>
-          </a:stretch>
-        </p:blipFill>
-        <p:spPr>
-          <a:xfrm>
-            <a:off x="1656653" y="1158115"/>
-            <a:ext cx="9458475" cy="5320392"/>
-          </a:xfrm>
-          <a:prstGeom prst="rect">
-            <a:avLst/>
-          </a:prstGeom>
-        </p:spPr>
-      </p:pic>
-      <p:sp>
-        <p:nvSpPr>
-          <p:cNvPr id="3" name="Title 1">
-            <a:extLst>
-              <a:ext uri="{FF2B5EF4-FFF2-40B4-BE49-F238E27FC236}">
-                <a16:creationId xmlns:a16="http://schemas.microsoft.com/office/drawing/2014/main" id="{452CB2C8-1D8F-4303-B119-CF779468E66C}"/>
-              </a:ext>
-            </a:extLst>
-          </p:cNvPr>
-          <p:cNvSpPr txBox="1">
-            <a:spLocks/>
-          </p:cNvSpPr>
-          <p:nvPr/>
-        </p:nvSpPr>
-        <p:spPr>
-          <a:xfrm>
-            <a:off x="838200" y="203958"/>
-            <a:ext cx="11095382" cy="954157"/>
-          </a:xfrm>
-          <a:prstGeom prst="rect">
-            <a:avLst/>
-          </a:prstGeom>
-        </p:spPr>
-        <p:txBody>
-          <a:bodyPr/>
-          <a:lstStyle>
-            <a:lvl1pPr algn="l" defTabSz="914400" rtl="0" eaLnBrk="1" latinLnBrk="0" hangingPunct="1">
-              <a:lnSpc>
-                <a:spcPct val="90000"/>
-              </a:lnSpc>
-              <a:spcBef>
-                <a:spcPct val="0"/>
-              </a:spcBef>
-              <a:buNone/>
-              <a:defRPr sz="4400" b="1" kern="1200">
-                <a:solidFill>
-                  <a:schemeClr val="accent2"/>
-                </a:solidFill>
-                <a:latin typeface="Ubuntu" panose="020B0504030602030204" pitchFamily="34" charset="0"/>
-                <a:ea typeface="+mj-ea"/>
-                <a:cs typeface="Arial" panose="020B0604020202020204" pitchFamily="34" charset="0"/>
-              </a:defRPr>
-            </a:lvl1pPr>
-          </a:lstStyle>
-          <a:p>
-            <a:r>
-              <a:rPr lang="es-MX" dirty="0"/>
-              <a:t>Robot </a:t>
-            </a:r>
-            <a:r>
-              <a:rPr lang="es-MX" dirty="0" err="1"/>
-              <a:t>makes</a:t>
-            </a:r>
-            <a:r>
-              <a:rPr lang="es-MX" dirty="0"/>
-              <a:t> </a:t>
-            </a:r>
-            <a:r>
-              <a:rPr lang="es-MX" dirty="0" err="1"/>
-              <a:t>The</a:t>
-            </a:r>
-            <a:r>
-              <a:rPr lang="es-MX" dirty="0"/>
-              <a:t> </a:t>
-            </a:r>
-            <a:r>
-              <a:rPr lang="es-MX" dirty="0" err="1"/>
-              <a:t>Perfect</a:t>
-            </a:r>
-            <a:r>
-              <a:rPr lang="es-MX" dirty="0"/>
-              <a:t> Burger?</a:t>
-            </a:r>
-            <a:endParaRPr lang="en-US" dirty="0"/>
-          </a:p>
-        </p:txBody>
-      </p:sp>
-    </p:spTree>
-    <p:extLst>
-      <p:ext uri="{BB962C8B-B14F-4D97-AF65-F5344CB8AC3E}">
-        <p14:creationId xmlns:p14="http://schemas.microsoft.com/office/powerpoint/2010/main" val="1785723525"/>
-      </p:ext>
-    </p:extLst>
-  </p:cSld>
-  <p:clrMapOvr>
-    <a:masterClrMapping/>
-  </p:clrMapOvr>
-</p:sld>
-</file>
-
-<file path=ppt/slides/slide12.xml><?xml version="1.0" encoding="utf-8"?>
+<file path=ppt/slides/slide13.xml><?xml version="1.0" encoding="utf-8"?>
 <p:sld xmlns:a="http://schemas.openxmlformats.org/drawingml/2006/main" xmlns:r="http://schemas.openxmlformats.org/officeDocument/2006/relationships" xmlns:p="http://schemas.openxmlformats.org/presentationml/2006/main">
   <p:cSld>
     <p:spTree>
@@ -3398,7 +3965,7 @@
 </p:sld>
 </file>
 
-<file path=ppt/slides/slide13.xml><?xml version="1.0" encoding="utf-8"?>
+<file path=ppt/slides/slide14.xml><?xml version="1.0" encoding="utf-8"?>
 <p:sld xmlns:a="http://schemas.openxmlformats.org/drawingml/2006/main" xmlns:r="http://schemas.openxmlformats.org/officeDocument/2006/relationships" xmlns:p="http://schemas.openxmlformats.org/presentationml/2006/main">
   <p:cSld>
     <p:spTree>
@@ -3457,7 +4024,7 @@
 </p:sld>
 </file>
 
-<file path=ppt/slides/slide14.xml><?xml version="1.0" encoding="utf-8"?>
+<file path=ppt/slides/slide15.xml><?xml version="1.0" encoding="utf-8"?>
 <p:sld xmlns:a="http://schemas.openxmlformats.org/drawingml/2006/main" xmlns:r="http://schemas.openxmlformats.org/officeDocument/2006/relationships" xmlns:p="http://schemas.openxmlformats.org/presentationml/2006/main">
   <p:cSld>
     <p:spTree>
@@ -3534,7 +4101,7 @@
 </p:sld>
 </file>
 
-<file path=ppt/slides/slide15.xml><?xml version="1.0" encoding="utf-8"?>
+<file path=ppt/slides/slide16.xml><?xml version="1.0" encoding="utf-8"?>
 <p:sld xmlns:a="http://schemas.openxmlformats.org/drawingml/2006/main" xmlns:r="http://schemas.openxmlformats.org/officeDocument/2006/relationships" xmlns:p="http://schemas.openxmlformats.org/presentationml/2006/main">
   <p:cSld>
     <p:spTree>
@@ -3929,7 +4496,7 @@
 </p:sld>
 </file>
 
-<file path=ppt/slides/slide16.xml><?xml version="1.0" encoding="utf-8"?>
+<file path=ppt/slides/slide17.xml><?xml version="1.0" encoding="utf-8"?>
 <p:sld xmlns:a="http://schemas.openxmlformats.org/drawingml/2006/main" xmlns:r="http://schemas.openxmlformats.org/officeDocument/2006/relationships" xmlns:p="http://schemas.openxmlformats.org/presentationml/2006/main">
   <p:cSld>
     <p:spTree>
@@ -4454,7 +5021,7 @@
 </p:sld>
 </file>
 
-<file path=ppt/slides/slide17.xml><?xml version="1.0" encoding="utf-8"?>
+<file path=ppt/slides/slide18.xml><?xml version="1.0" encoding="utf-8"?>
 <p:sld xmlns:a="http://schemas.openxmlformats.org/drawingml/2006/main" xmlns:r="http://schemas.openxmlformats.org/officeDocument/2006/relationships" xmlns:p="http://schemas.openxmlformats.org/presentationml/2006/main">
   <p:cSld>
     <p:spTree>
@@ -5064,7 +5631,7 @@
 </p:sld>
 </file>
 
-<file path=ppt/slides/slide18.xml><?xml version="1.0" encoding="utf-8"?>
+<file path=ppt/slides/slide19.xml><?xml version="1.0" encoding="utf-8"?>
 <p:sld xmlns:a="http://schemas.openxmlformats.org/drawingml/2006/main" xmlns:r="http://schemas.openxmlformats.org/officeDocument/2006/relationships" xmlns:p="http://schemas.openxmlformats.org/presentationml/2006/main">
   <p:cSld>
     <p:spTree>
@@ -5625,7 +6192,74 @@
 </p:sld>
 </file>
 
-<file path=ppt/slides/slide19.xml><?xml version="1.0" encoding="utf-8"?>
+<file path=ppt/slides/slide2.xml><?xml version="1.0" encoding="utf-8"?>
+<p:sld xmlns:a="http://schemas.openxmlformats.org/drawingml/2006/main" xmlns:r="http://schemas.openxmlformats.org/officeDocument/2006/relationships" xmlns:p="http://schemas.openxmlformats.org/presentationml/2006/main">
+  <p:cSld>
+    <p:spTree>
+      <p:nvGrpSpPr>
+        <p:cNvPr id="1" name=""/>
+        <p:cNvGrpSpPr/>
+        <p:nvPr/>
+      </p:nvGrpSpPr>
+      <p:grpSpPr>
+        <a:xfrm>
+          <a:off x="0" y="0"/>
+          <a:ext cx="0" cy="0"/>
+          <a:chOff x="0" y="0"/>
+          <a:chExt cx="0" cy="0"/>
+        </a:xfrm>
+      </p:grpSpPr>
+      <p:sp>
+        <p:nvSpPr>
+          <p:cNvPr id="2" name="Title 1">
+            <a:extLst>
+              <a:ext uri="{FF2B5EF4-FFF2-40B4-BE49-F238E27FC236}">
+                <a16:creationId xmlns:a16="http://schemas.microsoft.com/office/drawing/2014/main" id="{845983A4-FD68-4C26-A962-2856D4CDC028}"/>
+              </a:ext>
+            </a:extLst>
+          </p:cNvPr>
+          <p:cNvSpPr>
+            <a:spLocks noGrp="1"/>
+          </p:cNvSpPr>
+          <p:nvPr>
+            <p:ph type="title"/>
+          </p:nvPr>
+        </p:nvSpPr>
+        <p:spPr/>
+        <p:txBody>
+          <a:bodyPr/>
+          <a:lstStyle/>
+          <a:p>
+            <a:r>
+              <a:rPr lang="es-MX" sz="8000" dirty="0">
+                <a:solidFill>
+                  <a:schemeClr val="accent2"/>
+                </a:solidFill>
+              </a:rPr>
+              <a:t>¿Qué es un algoritmo?</a:t>
+            </a:r>
+            <a:endParaRPr lang="en-US" sz="8000" dirty="0">
+              <a:solidFill>
+                <a:schemeClr val="accent2"/>
+              </a:solidFill>
+            </a:endParaRPr>
+          </a:p>
+        </p:txBody>
+      </p:sp>
+    </p:spTree>
+    <p:extLst>
+      <p:ext uri="{BB962C8B-B14F-4D97-AF65-F5344CB8AC3E}">
+        <p14:creationId xmlns:p14="http://schemas.microsoft.com/office/powerpoint/2010/main" val="3365043028"/>
+      </p:ext>
+    </p:extLst>
+  </p:cSld>
+  <p:clrMapOvr>
+    <a:masterClrMapping/>
+  </p:clrMapOvr>
+</p:sld>
+</file>
+
+<file path=ppt/slides/slide20.xml><?xml version="1.0" encoding="utf-8"?>
 <p:sld xmlns:a="http://schemas.openxmlformats.org/drawingml/2006/main" xmlns:r="http://schemas.openxmlformats.org/officeDocument/2006/relationships" xmlns:p="http://schemas.openxmlformats.org/presentationml/2006/main">
   <p:cSld>
     <p:spTree>
@@ -6253,74 +6887,7 @@
 </p:sld>
 </file>
 
-<file path=ppt/slides/slide2.xml><?xml version="1.0" encoding="utf-8"?>
-<p:sld xmlns:a="http://schemas.openxmlformats.org/drawingml/2006/main" xmlns:r="http://schemas.openxmlformats.org/officeDocument/2006/relationships" xmlns:p="http://schemas.openxmlformats.org/presentationml/2006/main">
-  <p:cSld>
-    <p:spTree>
-      <p:nvGrpSpPr>
-        <p:cNvPr id="1" name=""/>
-        <p:cNvGrpSpPr/>
-        <p:nvPr/>
-      </p:nvGrpSpPr>
-      <p:grpSpPr>
-        <a:xfrm>
-          <a:off x="0" y="0"/>
-          <a:ext cx="0" cy="0"/>
-          <a:chOff x="0" y="0"/>
-          <a:chExt cx="0" cy="0"/>
-        </a:xfrm>
-      </p:grpSpPr>
-      <p:sp>
-        <p:nvSpPr>
-          <p:cNvPr id="2" name="Title 1">
-            <a:extLst>
-              <a:ext uri="{FF2B5EF4-FFF2-40B4-BE49-F238E27FC236}">
-                <a16:creationId xmlns:a16="http://schemas.microsoft.com/office/drawing/2014/main" id="{845983A4-FD68-4C26-A962-2856D4CDC028}"/>
-              </a:ext>
-            </a:extLst>
-          </p:cNvPr>
-          <p:cNvSpPr>
-            <a:spLocks noGrp="1"/>
-          </p:cNvSpPr>
-          <p:nvPr>
-            <p:ph type="title"/>
-          </p:nvPr>
-        </p:nvSpPr>
-        <p:spPr/>
-        <p:txBody>
-          <a:bodyPr/>
-          <a:lstStyle/>
-          <a:p>
-            <a:r>
-              <a:rPr lang="es-MX" sz="8000" dirty="0">
-                <a:solidFill>
-                  <a:schemeClr val="accent2"/>
-                </a:solidFill>
-              </a:rPr>
-              <a:t>¿Qué es un algoritmo?</a:t>
-            </a:r>
-            <a:endParaRPr lang="en-US" sz="8000" dirty="0">
-              <a:solidFill>
-                <a:schemeClr val="accent2"/>
-              </a:solidFill>
-            </a:endParaRPr>
-          </a:p>
-        </p:txBody>
-      </p:sp>
-    </p:spTree>
-    <p:extLst>
-      <p:ext uri="{BB962C8B-B14F-4D97-AF65-F5344CB8AC3E}">
-        <p14:creationId xmlns:p14="http://schemas.microsoft.com/office/powerpoint/2010/main" val="3365043028"/>
-      </p:ext>
-    </p:extLst>
-  </p:cSld>
-  <p:clrMapOvr>
-    <a:masterClrMapping/>
-  </p:clrMapOvr>
-</p:sld>
-</file>
-
-<file path=ppt/slides/slide20.xml><?xml version="1.0" encoding="utf-8"?>
+<file path=ppt/slides/slide21.xml><?xml version="1.0" encoding="utf-8"?>
 <p:sld xmlns:a="http://schemas.openxmlformats.org/drawingml/2006/main" xmlns:r="http://schemas.openxmlformats.org/officeDocument/2006/relationships" xmlns:p="http://schemas.openxmlformats.org/presentationml/2006/main">
   <p:cSld>
     <p:spTree>
@@ -7024,7 +7591,7 @@
 </p:sld>
 </file>
 
-<file path=ppt/slides/slide21.xml><?xml version="1.0" encoding="utf-8"?>
+<file path=ppt/slides/slide22.xml><?xml version="1.0" encoding="utf-8"?>
 <p:sld xmlns:a="http://schemas.openxmlformats.org/drawingml/2006/main" xmlns:r="http://schemas.openxmlformats.org/officeDocument/2006/relationships" xmlns:p="http://schemas.openxmlformats.org/presentationml/2006/main">
   <p:cSld>
     <p:spTree>
@@ -7474,7 +8041,7 @@
 </p:sld>
 </file>
 
-<file path=ppt/slides/slide22.xml><?xml version="1.0" encoding="utf-8"?>
+<file path=ppt/slides/slide23.xml><?xml version="1.0" encoding="utf-8"?>
 <p:sld xmlns:a="http://schemas.openxmlformats.org/drawingml/2006/main" xmlns:r="http://schemas.openxmlformats.org/officeDocument/2006/relationships" xmlns:p="http://schemas.openxmlformats.org/presentationml/2006/main">
   <p:cSld>
     <p:spTree>
@@ -7947,7 +8514,7 @@
 </p:sld>
 </file>
 
-<file path=ppt/slides/slide23.xml><?xml version="1.0" encoding="utf-8"?>
+<file path=ppt/slides/slide24.xml><?xml version="1.0" encoding="utf-8"?>
 <p:sld xmlns:a="http://schemas.openxmlformats.org/drawingml/2006/main" xmlns:r="http://schemas.openxmlformats.org/officeDocument/2006/relationships" xmlns:p="http://schemas.openxmlformats.org/presentationml/2006/main">
   <p:cSld>
     <p:spTree>
@@ -8448,7 +9015,7 @@
 </p:sld>
 </file>
 
-<file path=ppt/slides/slide24.xml><?xml version="1.0" encoding="utf-8"?>
+<file path=ppt/slides/slide25.xml><?xml version="1.0" encoding="utf-8"?>
 <p:sld xmlns:a="http://schemas.openxmlformats.org/drawingml/2006/main" xmlns:r="http://schemas.openxmlformats.org/officeDocument/2006/relationships" xmlns:p="http://schemas.openxmlformats.org/presentationml/2006/main">
   <p:cSld>
     <p:spTree>
@@ -8975,7 +9542,7 @@
 </p:sld>
 </file>
 
-<file path=ppt/slides/slide25.xml><?xml version="1.0" encoding="utf-8"?>
+<file path=ppt/slides/slide26.xml><?xml version="1.0" encoding="utf-8"?>
 <p:sld xmlns:a="http://schemas.openxmlformats.org/drawingml/2006/main" xmlns:r="http://schemas.openxmlformats.org/officeDocument/2006/relationships" xmlns:p="http://schemas.openxmlformats.org/presentationml/2006/main">
   <p:cSld>
     <p:spTree>
@@ -9455,7 +10022,7 @@
 </p:sld>
 </file>
 
-<file path=ppt/slides/slide26.xml><?xml version="1.0" encoding="utf-8"?>
+<file path=ppt/slides/slide27.xml><?xml version="1.0" encoding="utf-8"?>
 <p:sld xmlns:a="http://schemas.openxmlformats.org/drawingml/2006/main" xmlns:r="http://schemas.openxmlformats.org/officeDocument/2006/relationships" xmlns:p="http://schemas.openxmlformats.org/presentationml/2006/main">
   <p:cSld>
     <p:spTree>
@@ -10015,7 +10582,7 @@
 </p:sld>
 </file>
 
-<file path=ppt/slides/slide27.xml><?xml version="1.0" encoding="utf-8"?>
+<file path=ppt/slides/slide28.xml><?xml version="1.0" encoding="utf-8"?>
 <p:sld xmlns:a="http://schemas.openxmlformats.org/drawingml/2006/main" xmlns:r="http://schemas.openxmlformats.org/officeDocument/2006/relationships" xmlns:p="http://schemas.openxmlformats.org/presentationml/2006/main">
   <p:cSld>
     <p:spTree>
@@ -10500,7 +11067,7 @@
 </p:sld>
 </file>
 
-<file path=ppt/slides/slide28.xml><?xml version="1.0" encoding="utf-8"?>
+<file path=ppt/slides/slide29.xml><?xml version="1.0" encoding="utf-8"?>
 <p:sld xmlns:a="http://schemas.openxmlformats.org/drawingml/2006/main" xmlns:r="http://schemas.openxmlformats.org/officeDocument/2006/relationships" xmlns:p="http://schemas.openxmlformats.org/presentationml/2006/main">
   <p:cSld>
     <p:spTree>
@@ -11786,695 +12353,6 @@
 </p:sld>
 </file>
 
-<file path=ppt/slides/slide29.xml><?xml version="1.0" encoding="utf-8"?>
-<p:sld xmlns:a="http://schemas.openxmlformats.org/drawingml/2006/main" xmlns:r="http://schemas.openxmlformats.org/officeDocument/2006/relationships" xmlns:p="http://schemas.openxmlformats.org/presentationml/2006/main">
-  <p:cSld>
-    <p:spTree>
-      <p:nvGrpSpPr>
-        <p:cNvPr id="1" name=""/>
-        <p:cNvGrpSpPr/>
-        <p:nvPr/>
-      </p:nvGrpSpPr>
-      <p:grpSpPr>
-        <a:xfrm>
-          <a:off x="0" y="0"/>
-          <a:ext cx="0" cy="0"/>
-          <a:chOff x="0" y="0"/>
-          <a:chExt cx="0" cy="0"/>
-        </a:xfrm>
-      </p:grpSpPr>
-      <p:sp>
-        <p:nvSpPr>
-          <p:cNvPr id="2" name="Title 1">
-            <a:extLst>
-              <a:ext uri="{FF2B5EF4-FFF2-40B4-BE49-F238E27FC236}">
-                <a16:creationId xmlns:a16="http://schemas.microsoft.com/office/drawing/2014/main" id="{E93460B0-53F5-47AD-955A-8544DB343C2E}"/>
-              </a:ext>
-            </a:extLst>
-          </p:cNvPr>
-          <p:cNvSpPr>
-            <a:spLocks noGrp="1"/>
-          </p:cNvSpPr>
-          <p:nvPr>
-            <p:ph type="title"/>
-          </p:nvPr>
-        </p:nvSpPr>
-        <p:spPr/>
-        <p:txBody>
-          <a:bodyPr/>
-          <a:lstStyle/>
-          <a:p>
-            <a:r>
-              <a:rPr lang="es-MX" dirty="0"/>
-              <a:t>Ejemplo</a:t>
-            </a:r>
-            <a:endParaRPr lang="en-US" dirty="0"/>
-          </a:p>
-        </p:txBody>
-      </p:sp>
-      <p:sp>
-        <p:nvSpPr>
-          <p:cNvPr id="3" name="Text Placeholder 2">
-            <a:extLst>
-              <a:ext uri="{FF2B5EF4-FFF2-40B4-BE49-F238E27FC236}">
-                <a16:creationId xmlns:a16="http://schemas.microsoft.com/office/drawing/2014/main" id="{910F6585-7A17-4EDC-924F-BE89485BDECA}"/>
-              </a:ext>
-            </a:extLst>
-          </p:cNvPr>
-          <p:cNvSpPr>
-            <a:spLocks noGrp="1"/>
-          </p:cNvSpPr>
-          <p:nvPr>
-            <p:ph type="body" sz="quarter" idx="10"/>
-          </p:nvPr>
-        </p:nvSpPr>
-        <p:spPr>
-          <a:xfrm>
-            <a:off x="838200" y="1328738"/>
-            <a:ext cx="5435600" cy="4022908"/>
-          </a:xfrm>
-        </p:spPr>
-        <p:txBody>
-          <a:bodyPr/>
-          <a:lstStyle/>
-          <a:p>
-            <a:pPr marL="0" indent="0">
-              <a:buNone/>
-            </a:pPr>
-            <a:r>
-              <a:rPr lang="es-MX" dirty="0"/>
-              <a:t>Calcular la nómina de un trabajador que trabaja por horas.</a:t>
-            </a:r>
-          </a:p>
-          <a:p>
-            <a:pPr marL="0" indent="0">
-              <a:buNone/>
-            </a:pPr>
-            <a:r>
-              <a:rPr lang="es-MX" b="1" dirty="0">
-                <a:sym typeface="Wingdings" panose="05000000000000000000" pitchFamily="2" charset="2"/>
-              </a:rPr>
-              <a:t>Entradas:</a:t>
-            </a:r>
-          </a:p>
-          <a:p>
-            <a:pPr>
-              <a:buFont typeface="Wingdings" panose="05000000000000000000" pitchFamily="2" charset="2"/>
-              <a:buChar char="à"/>
-            </a:pPr>
-            <a:r>
-              <a:rPr lang="es-MX" b="1" dirty="0">
-                <a:solidFill>
-                  <a:schemeClr val="accent1"/>
-                </a:solidFill>
-                <a:sym typeface="Wingdings" panose="05000000000000000000" pitchFamily="2" charset="2"/>
-              </a:rPr>
-              <a:t>Sueldo por hora</a:t>
-            </a:r>
-          </a:p>
-          <a:p>
-            <a:pPr>
-              <a:buFont typeface="Wingdings" panose="05000000000000000000" pitchFamily="2" charset="2"/>
-              <a:buChar char="à"/>
-            </a:pPr>
-            <a:r>
-              <a:rPr lang="en-US" b="1" dirty="0">
-                <a:solidFill>
-                  <a:schemeClr val="accent1"/>
-                </a:solidFill>
-              </a:rPr>
-              <a:t>Horas </a:t>
-            </a:r>
-            <a:r>
-              <a:rPr lang="en-US" b="1" dirty="0" err="1">
-                <a:solidFill>
-                  <a:schemeClr val="accent1"/>
-                </a:solidFill>
-              </a:rPr>
-              <a:t>trabajadas</a:t>
-            </a:r>
-            <a:endParaRPr lang="en-US" b="1" dirty="0">
-              <a:solidFill>
-                <a:schemeClr val="accent1"/>
-              </a:solidFill>
-            </a:endParaRPr>
-          </a:p>
-          <a:p>
-            <a:pPr marL="0" indent="0">
-              <a:buNone/>
-            </a:pPr>
-            <a:r>
-              <a:rPr lang="en-US" b="1" dirty="0" err="1"/>
-              <a:t>Salidas</a:t>
-            </a:r>
-            <a:r>
-              <a:rPr lang="en-US" b="1" dirty="0"/>
-              <a:t>:</a:t>
-            </a:r>
-          </a:p>
-          <a:p>
-            <a:pPr>
-              <a:buFont typeface="Wingdings" panose="05000000000000000000" pitchFamily="2" charset="2"/>
-              <a:buChar char="ß"/>
-            </a:pPr>
-            <a:r>
-              <a:rPr lang="en-US" b="1" dirty="0">
-                <a:solidFill>
-                  <a:schemeClr val="accent1"/>
-                </a:solidFill>
-                <a:sym typeface="Wingdings" panose="05000000000000000000" pitchFamily="2" charset="2"/>
-              </a:rPr>
-              <a:t>Monto a </a:t>
-            </a:r>
-            <a:r>
-              <a:rPr lang="en-US" b="1" dirty="0" err="1">
-                <a:solidFill>
-                  <a:schemeClr val="accent1"/>
-                </a:solidFill>
-                <a:sym typeface="Wingdings" panose="05000000000000000000" pitchFamily="2" charset="2"/>
-              </a:rPr>
-              <a:t>pagar</a:t>
-            </a:r>
-            <a:endParaRPr lang="en-US" b="1" dirty="0">
-              <a:solidFill>
-                <a:schemeClr val="accent1"/>
-              </a:solidFill>
-              <a:sym typeface="Wingdings" panose="05000000000000000000" pitchFamily="2" charset="2"/>
-            </a:endParaRPr>
-          </a:p>
-          <a:p>
-            <a:pPr>
-              <a:buFont typeface="Wingdings" panose="05000000000000000000" pitchFamily="2" charset="2"/>
-              <a:buChar char="ß"/>
-            </a:pPr>
-            <a:endParaRPr lang="en-US" b="1" dirty="0">
-              <a:solidFill>
-                <a:schemeClr val="accent1"/>
-              </a:solidFill>
-              <a:sym typeface="Wingdings" panose="05000000000000000000" pitchFamily="2" charset="2"/>
-            </a:endParaRPr>
-          </a:p>
-          <a:p>
-            <a:pPr marL="0" indent="0">
-              <a:buNone/>
-            </a:pPr>
-            <a:endParaRPr lang="en-US" b="1" dirty="0">
-              <a:solidFill>
-                <a:schemeClr val="accent1"/>
-              </a:solidFill>
-            </a:endParaRPr>
-          </a:p>
-        </p:txBody>
-      </p:sp>
-      <p:pic>
-        <p:nvPicPr>
-          <p:cNvPr id="4098" name="Picture 2" descr="Image result for work">
-            <a:extLst>
-              <a:ext uri="{FF2B5EF4-FFF2-40B4-BE49-F238E27FC236}">
-                <a16:creationId xmlns:a16="http://schemas.microsoft.com/office/drawing/2014/main" id="{977DB59E-C6B4-4357-B8B0-54437E436F29}"/>
-              </a:ext>
-            </a:extLst>
-          </p:cNvPr>
-          <p:cNvPicPr>
-            <a:picLocks noChangeAspect="1" noChangeArrowheads="1"/>
-          </p:cNvPicPr>
-          <p:nvPr/>
-        </p:nvPicPr>
-        <p:blipFill rotWithShape="1">
-          <a:blip r:embed="rId2">
-            <a:extLst>
-              <a:ext uri="{28A0092B-C50C-407E-A947-70E740481C1C}">
-                <a14:useLocalDpi xmlns:a14="http://schemas.microsoft.com/office/drawing/2010/main" val="0"/>
-              </a:ext>
-            </a:extLst>
-          </a:blip>
-          <a:srcRect r="20013"/>
-          <a:stretch/>
-        </p:blipFill>
-        <p:spPr bwMode="auto">
-          <a:xfrm>
-            <a:off x="6699184" y="513222"/>
-            <a:ext cx="4854184" cy="4045832"/>
-          </a:xfrm>
-          <a:prstGeom prst="rect">
-            <a:avLst/>
-          </a:prstGeom>
-          <a:noFill/>
-          <a:extLst>
-            <a:ext uri="{909E8E84-426E-40DD-AFC4-6F175D3DCCD1}">
-              <a14:hiddenFill xmlns:a14="http://schemas.microsoft.com/office/drawing/2010/main">
-                <a:solidFill>
-                  <a:srgbClr val="FFFFFF"/>
-                </a:solidFill>
-              </a14:hiddenFill>
-            </a:ext>
-          </a:extLst>
-        </p:spPr>
-      </p:pic>
-      <p:sp>
-        <p:nvSpPr>
-          <p:cNvPr id="5" name="Text Placeholder 2">
-            <a:extLst>
-              <a:ext uri="{FF2B5EF4-FFF2-40B4-BE49-F238E27FC236}">
-                <a16:creationId xmlns:a16="http://schemas.microsoft.com/office/drawing/2014/main" id="{20D42890-5119-457B-83D5-00A43570D7D7}"/>
-              </a:ext>
-            </a:extLst>
-          </p:cNvPr>
-          <p:cNvSpPr txBox="1">
-            <a:spLocks/>
-          </p:cNvSpPr>
-          <p:nvPr/>
-        </p:nvSpPr>
-        <p:spPr>
-          <a:xfrm>
-            <a:off x="961724" y="5272363"/>
-            <a:ext cx="10591644" cy="1381679"/>
-          </a:xfrm>
-          <a:prstGeom prst="rect">
-            <a:avLst/>
-          </a:prstGeom>
-          <a:solidFill>
-            <a:schemeClr val="accent2"/>
-          </a:solidFill>
-          <a:ln w="38100"/>
-        </p:spPr>
-        <p:style>
-          <a:lnRef idx="2">
-            <a:schemeClr val="accent2"/>
-          </a:lnRef>
-          <a:fillRef idx="1">
-            <a:schemeClr val="lt1"/>
-          </a:fillRef>
-          <a:effectRef idx="0">
-            <a:schemeClr val="accent2"/>
-          </a:effectRef>
-          <a:fontRef idx="minor">
-            <a:schemeClr val="dk1"/>
-          </a:fontRef>
-        </p:style>
-        <p:txBody>
-          <a:bodyPr vert="horz" lIns="91440" tIns="45720" rIns="91440" bIns="45720" rtlCol="0">
-            <a:normAutofit/>
-          </a:bodyPr>
-          <a:lstStyle>
-            <a:lvl1pPr marL="228600" indent="-228600" algn="l" defTabSz="914400" rtl="0" eaLnBrk="1" latinLnBrk="0" hangingPunct="1">
-              <a:lnSpc>
-                <a:spcPct val="90000"/>
-              </a:lnSpc>
-              <a:spcBef>
-                <a:spcPts val="1000"/>
-              </a:spcBef>
-              <a:buFont typeface="Arial" panose="020B0604020202020204" pitchFamily="34" charset="0"/>
-              <a:buChar char="•"/>
-              <a:defRPr sz="2800" kern="1200">
-                <a:solidFill>
-                  <a:schemeClr val="tx1"/>
-                </a:solidFill>
-                <a:latin typeface="Ubuntu" panose="020B0504030602030204" pitchFamily="34" charset="0"/>
-                <a:ea typeface="+mn-ea"/>
-                <a:cs typeface="Arial" panose="020B0604020202020204" pitchFamily="34" charset="0"/>
-              </a:defRPr>
-            </a:lvl1pPr>
-            <a:lvl2pPr marL="685800" indent="-228600" algn="l" defTabSz="914400" rtl="0" eaLnBrk="1" latinLnBrk="0" hangingPunct="1">
-              <a:lnSpc>
-                <a:spcPct val="90000"/>
-              </a:lnSpc>
-              <a:spcBef>
-                <a:spcPts val="500"/>
-              </a:spcBef>
-              <a:buFont typeface="Arial" panose="020B0604020202020204" pitchFamily="34" charset="0"/>
-              <a:buChar char="•"/>
-              <a:defRPr sz="2400" kern="1200">
-                <a:solidFill>
-                  <a:schemeClr val="tx1"/>
-                </a:solidFill>
-                <a:latin typeface="Ubuntu" panose="020B0504030602030204" pitchFamily="34" charset="0"/>
-                <a:ea typeface="+mn-ea"/>
-                <a:cs typeface="Arial" panose="020B0604020202020204" pitchFamily="34" charset="0"/>
-              </a:defRPr>
-            </a:lvl2pPr>
-            <a:lvl3pPr marL="1143000" indent="-228600" algn="l" defTabSz="914400" rtl="0" eaLnBrk="1" latinLnBrk="0" hangingPunct="1">
-              <a:lnSpc>
-                <a:spcPct val="90000"/>
-              </a:lnSpc>
-              <a:spcBef>
-                <a:spcPts val="500"/>
-              </a:spcBef>
-              <a:buFont typeface="Arial" panose="020B0604020202020204" pitchFamily="34" charset="0"/>
-              <a:buChar char="•"/>
-              <a:defRPr sz="2000" kern="1200">
-                <a:solidFill>
-                  <a:schemeClr val="tx1"/>
-                </a:solidFill>
-                <a:latin typeface="Ubuntu" panose="020B0504030602030204" pitchFamily="34" charset="0"/>
-                <a:ea typeface="+mn-ea"/>
-                <a:cs typeface="Arial" panose="020B0604020202020204" pitchFamily="34" charset="0"/>
-              </a:defRPr>
-            </a:lvl3pPr>
-            <a:lvl4pPr marL="1600200" indent="-228600" algn="l" defTabSz="914400" rtl="0" eaLnBrk="1" latinLnBrk="0" hangingPunct="1">
-              <a:lnSpc>
-                <a:spcPct val="90000"/>
-              </a:lnSpc>
-              <a:spcBef>
-                <a:spcPts val="500"/>
-              </a:spcBef>
-              <a:buFont typeface="Arial" panose="020B0604020202020204" pitchFamily="34" charset="0"/>
-              <a:buChar char="•"/>
-              <a:defRPr sz="1800" kern="1200">
-                <a:solidFill>
-                  <a:schemeClr val="tx1"/>
-                </a:solidFill>
-                <a:latin typeface="Ubuntu" panose="020B0504030602030204" pitchFamily="34" charset="0"/>
-                <a:ea typeface="+mn-ea"/>
-                <a:cs typeface="Arial" panose="020B0604020202020204" pitchFamily="34" charset="0"/>
-              </a:defRPr>
-            </a:lvl4pPr>
-            <a:lvl5pPr marL="2057400" indent="-228600" algn="l" defTabSz="914400" rtl="0" eaLnBrk="1" latinLnBrk="0" hangingPunct="1">
-              <a:lnSpc>
-                <a:spcPct val="90000"/>
-              </a:lnSpc>
-              <a:spcBef>
-                <a:spcPts val="500"/>
-              </a:spcBef>
-              <a:buFont typeface="Arial" panose="020B0604020202020204" pitchFamily="34" charset="0"/>
-              <a:buChar char="•"/>
-              <a:defRPr sz="1800" kern="1200">
-                <a:solidFill>
-                  <a:schemeClr val="tx1"/>
-                </a:solidFill>
-                <a:latin typeface="Ubuntu" panose="020B0504030602030204" pitchFamily="34" charset="0"/>
-                <a:ea typeface="+mn-ea"/>
-                <a:cs typeface="Arial" panose="020B0604020202020204" pitchFamily="34" charset="0"/>
-              </a:defRPr>
-            </a:lvl5pPr>
-            <a:lvl6pPr marL="2514600" indent="-228600" algn="l" defTabSz="914400" rtl="0" eaLnBrk="1" latinLnBrk="0" hangingPunct="1">
-              <a:lnSpc>
-                <a:spcPct val="90000"/>
-              </a:lnSpc>
-              <a:spcBef>
-                <a:spcPts val="500"/>
-              </a:spcBef>
-              <a:buFont typeface="Arial" panose="020B0604020202020204" pitchFamily="34" charset="0"/>
-              <a:buChar char="•"/>
-              <a:defRPr sz="1800" kern="1200">
-                <a:solidFill>
-                  <a:schemeClr val="tx1"/>
-                </a:solidFill>
-                <a:latin typeface="+mn-lt"/>
-                <a:ea typeface="+mn-ea"/>
-                <a:cs typeface="+mn-cs"/>
-              </a:defRPr>
-            </a:lvl6pPr>
-            <a:lvl7pPr marL="2971800" indent="-228600" algn="l" defTabSz="914400" rtl="0" eaLnBrk="1" latinLnBrk="0" hangingPunct="1">
-              <a:lnSpc>
-                <a:spcPct val="90000"/>
-              </a:lnSpc>
-              <a:spcBef>
-                <a:spcPts val="500"/>
-              </a:spcBef>
-              <a:buFont typeface="Arial" panose="020B0604020202020204" pitchFamily="34" charset="0"/>
-              <a:buChar char="•"/>
-              <a:defRPr sz="1800" kern="1200">
-                <a:solidFill>
-                  <a:schemeClr val="tx1"/>
-                </a:solidFill>
-                <a:latin typeface="+mn-lt"/>
-                <a:ea typeface="+mn-ea"/>
-                <a:cs typeface="+mn-cs"/>
-              </a:defRPr>
-            </a:lvl7pPr>
-            <a:lvl8pPr marL="3429000" indent="-228600" algn="l" defTabSz="914400" rtl="0" eaLnBrk="1" latinLnBrk="0" hangingPunct="1">
-              <a:lnSpc>
-                <a:spcPct val="90000"/>
-              </a:lnSpc>
-              <a:spcBef>
-                <a:spcPts val="500"/>
-              </a:spcBef>
-              <a:buFont typeface="Arial" panose="020B0604020202020204" pitchFamily="34" charset="0"/>
-              <a:buChar char="•"/>
-              <a:defRPr sz="1800" kern="1200">
-                <a:solidFill>
-                  <a:schemeClr val="tx1"/>
-                </a:solidFill>
-                <a:latin typeface="+mn-lt"/>
-                <a:ea typeface="+mn-ea"/>
-                <a:cs typeface="+mn-cs"/>
-              </a:defRPr>
-            </a:lvl8pPr>
-            <a:lvl9pPr marL="3886200" indent="-228600" algn="l" defTabSz="914400" rtl="0" eaLnBrk="1" latinLnBrk="0" hangingPunct="1">
-              <a:lnSpc>
-                <a:spcPct val="90000"/>
-              </a:lnSpc>
-              <a:spcBef>
-                <a:spcPts val="500"/>
-              </a:spcBef>
-              <a:buFont typeface="Arial" panose="020B0604020202020204" pitchFamily="34" charset="0"/>
-              <a:buChar char="•"/>
-              <a:defRPr sz="1800" kern="1200">
-                <a:solidFill>
-                  <a:schemeClr val="tx1"/>
-                </a:solidFill>
-                <a:latin typeface="+mn-lt"/>
-                <a:ea typeface="+mn-ea"/>
-                <a:cs typeface="+mn-cs"/>
-              </a:defRPr>
-            </a:lvl9pPr>
-          </a:lstStyle>
-          <a:p>
-            <a:pPr marL="0" indent="0" algn="ctr">
-              <a:buFont typeface="Arial" panose="020B0604020202020204" pitchFamily="34" charset="0"/>
-              <a:buNone/>
-            </a:pPr>
-            <a:r>
-              <a:rPr lang="en-US" b="1" dirty="0">
-                <a:solidFill>
-                  <a:schemeClr val="bg1"/>
-                </a:solidFill>
-              </a:rPr>
-              <a:t>¡NUEVA REGLA!</a:t>
-            </a:r>
-          </a:p>
-          <a:p>
-            <a:pPr marL="0" indent="0">
-              <a:buFont typeface="Arial" panose="020B0604020202020204" pitchFamily="34" charset="0"/>
-              <a:buNone/>
-            </a:pPr>
-            <a:r>
-              <a:rPr lang="en-US" b="1" dirty="0">
-                <a:solidFill>
-                  <a:schemeClr val="bg1"/>
-                </a:solidFill>
-              </a:rPr>
-              <a:t>Si la persona </a:t>
-            </a:r>
-            <a:r>
-              <a:rPr lang="en-US" b="1" dirty="0" err="1">
-                <a:solidFill>
-                  <a:schemeClr val="bg1"/>
-                </a:solidFill>
-              </a:rPr>
-              <a:t>trabaja</a:t>
-            </a:r>
-            <a:r>
-              <a:rPr lang="en-US" b="1" dirty="0">
-                <a:solidFill>
-                  <a:schemeClr val="bg1"/>
-                </a:solidFill>
-              </a:rPr>
-              <a:t> mas de 40 horas, </a:t>
-            </a:r>
-            <a:r>
-              <a:rPr lang="en-US" b="1" dirty="0" err="1">
-                <a:solidFill>
-                  <a:schemeClr val="bg1"/>
-                </a:solidFill>
-              </a:rPr>
-              <a:t>ganar</a:t>
-            </a:r>
-            <a:r>
-              <a:rPr lang="es-MX" b="1" dirty="0">
-                <a:solidFill>
-                  <a:schemeClr val="bg1"/>
-                </a:solidFill>
-              </a:rPr>
-              <a:t>á un bono de 100 pesos.</a:t>
-            </a:r>
-            <a:endParaRPr lang="en-US" b="1" dirty="0">
-              <a:solidFill>
-                <a:schemeClr val="bg1"/>
-              </a:solidFill>
-            </a:endParaRPr>
-          </a:p>
-        </p:txBody>
-      </p:sp>
-    </p:spTree>
-    <p:extLst>
-      <p:ext uri="{BB962C8B-B14F-4D97-AF65-F5344CB8AC3E}">
-        <p14:creationId xmlns:p14="http://schemas.microsoft.com/office/powerpoint/2010/main" val="2895048295"/>
-      </p:ext>
-    </p:extLst>
-  </p:cSld>
-  <p:clrMapOvr>
-    <a:masterClrMapping/>
-  </p:clrMapOvr>
-  <p:timing>
-    <p:tnLst>
-      <p:par>
-        <p:cTn id="1" dur="indefinite" restart="never" nodeType="tmRoot">
-          <p:childTnLst>
-            <p:seq concurrent="1" nextAc="seek">
-              <p:cTn id="2" dur="indefinite" nodeType="mainSeq">
-                <p:childTnLst>
-                  <p:par>
-                    <p:cTn id="3" fill="hold">
-                      <p:stCondLst>
-                        <p:cond delay="indefinite"/>
-                      </p:stCondLst>
-                      <p:childTnLst>
-                        <p:par>
-                          <p:cTn id="4" fill="hold">
-                            <p:stCondLst>
-                              <p:cond delay="0"/>
-                            </p:stCondLst>
-                            <p:childTnLst>
-                              <p:par>
-                                <p:cTn id="5" presetID="31" presetClass="entr" presetSubtype="0" fill="hold" grpId="0" nodeType="clickEffect">
-                                  <p:stCondLst>
-                                    <p:cond delay="0"/>
-                                  </p:stCondLst>
-                                  <p:childTnLst>
-                                    <p:set>
-                                      <p:cBhvr>
-                                        <p:cTn id="6" dur="1" fill="hold">
-                                          <p:stCondLst>
-                                            <p:cond delay="0"/>
-                                          </p:stCondLst>
-                                        </p:cTn>
-                                        <p:tgtEl>
-                                          <p:spTgt spid="5"/>
-                                        </p:tgtEl>
-                                        <p:attrNameLst>
-                                          <p:attrName>style.visibility</p:attrName>
-                                        </p:attrNameLst>
-                                      </p:cBhvr>
-                                      <p:to>
-                                        <p:strVal val="visible"/>
-                                      </p:to>
-                                    </p:set>
-                                    <p:anim calcmode="lin" valueType="num">
-                                      <p:cBhvr>
-                                        <p:cTn id="7" dur="1000" fill="hold"/>
-                                        <p:tgtEl>
-                                          <p:spTgt spid="5"/>
-                                        </p:tgtEl>
-                                        <p:attrNameLst>
-                                          <p:attrName>ppt_w</p:attrName>
-                                        </p:attrNameLst>
-                                      </p:cBhvr>
-                                      <p:tavLst>
-                                        <p:tav tm="0">
-                                          <p:val>
-                                            <p:fltVal val="0"/>
-                                          </p:val>
-                                        </p:tav>
-                                        <p:tav tm="100000">
-                                          <p:val>
-                                            <p:strVal val="#ppt_w"/>
-                                          </p:val>
-                                        </p:tav>
-                                      </p:tavLst>
-                                    </p:anim>
-                                    <p:anim calcmode="lin" valueType="num">
-                                      <p:cBhvr>
-                                        <p:cTn id="8" dur="1000" fill="hold"/>
-                                        <p:tgtEl>
-                                          <p:spTgt spid="5"/>
-                                        </p:tgtEl>
-                                        <p:attrNameLst>
-                                          <p:attrName>ppt_h</p:attrName>
-                                        </p:attrNameLst>
-                                      </p:cBhvr>
-                                      <p:tavLst>
-                                        <p:tav tm="0">
-                                          <p:val>
-                                            <p:fltVal val="0"/>
-                                          </p:val>
-                                        </p:tav>
-                                        <p:tav tm="100000">
-                                          <p:val>
-                                            <p:strVal val="#ppt_h"/>
-                                          </p:val>
-                                        </p:tav>
-                                      </p:tavLst>
-                                    </p:anim>
-                                    <p:anim calcmode="lin" valueType="num">
-                                      <p:cBhvr>
-                                        <p:cTn id="9" dur="1000" fill="hold"/>
-                                        <p:tgtEl>
-                                          <p:spTgt spid="5"/>
-                                        </p:tgtEl>
-                                        <p:attrNameLst>
-                                          <p:attrName>style.rotation</p:attrName>
-                                        </p:attrNameLst>
-                                      </p:cBhvr>
-                                      <p:tavLst>
-                                        <p:tav tm="0">
-                                          <p:val>
-                                            <p:fltVal val="90"/>
-                                          </p:val>
-                                        </p:tav>
-                                        <p:tav tm="100000">
-                                          <p:val>
-                                            <p:fltVal val="0"/>
-                                          </p:val>
-                                        </p:tav>
-                                      </p:tavLst>
-                                    </p:anim>
-                                    <p:animEffect transition="in" filter="fade">
-                                      <p:cBhvr>
-                                        <p:cTn id="10" dur="1000"/>
-                                        <p:tgtEl>
-                                          <p:spTgt spid="5"/>
-                                        </p:tgtEl>
-                                      </p:cBhvr>
-                                    </p:animEffect>
-                                  </p:childTnLst>
-                                </p:cTn>
-                              </p:par>
-                            </p:childTnLst>
-                          </p:cTn>
-                        </p:par>
-                      </p:childTnLst>
-                    </p:cTn>
-                  </p:par>
-                </p:childTnLst>
-              </p:cTn>
-              <p:prevCondLst>
-                <p:cond evt="onPrev" delay="0">
-                  <p:tgtEl>
-                    <p:sldTgt/>
-                  </p:tgtEl>
-                </p:cond>
-              </p:prevCondLst>
-              <p:nextCondLst>
-                <p:cond evt="onNext" delay="0">
-                  <p:tgtEl>
-                    <p:sldTgt/>
-                  </p:tgtEl>
-                </p:cond>
-              </p:nextCondLst>
-            </p:seq>
-          </p:childTnLst>
-        </p:cTn>
-      </p:par>
-    </p:tnLst>
-    <p:bldLst>
-      <p:bldP spid="5" grpId="0" animBg="1"/>
-    </p:bldLst>
-  </p:timing>
-</p:sld>
-</file>
-
 <file path=ppt/slides/slide3.xml><?xml version="1.0" encoding="utf-8"?>
 <p:sld xmlns:a="http://schemas.openxmlformats.org/drawingml/2006/main" xmlns:r="http://schemas.openxmlformats.org/officeDocument/2006/relationships" xmlns:p="http://schemas.openxmlformats.org/presentationml/2006/main">
   <p:cSld>
@@ -12725,10 +12603,10 @@
       </p:pic>
       <p:pic>
         <p:nvPicPr>
-          <p:cNvPr id="7" name="Picture 2" descr="Image result for waze icon">
+          <p:cNvPr id="2" name="Picture 2" descr="Cómo funciona el algoritmo de TikTok | Luces y sombras de las marcas">
             <a:extLst>
               <a:ext uri="{FF2B5EF4-FFF2-40B4-BE49-F238E27FC236}">
-                <a16:creationId xmlns:a16="http://schemas.microsoft.com/office/drawing/2014/main" id="{07BDC244-95C8-495F-8AFA-0EF68FCA363B}"/>
+                <a16:creationId xmlns:a16="http://schemas.microsoft.com/office/drawing/2014/main" id="{77F03A30-0C69-44A6-AE8F-B05C45EBF34A}"/>
               </a:ext>
             </a:extLst>
           </p:cNvPr>
@@ -12752,8 +12630,8 @@
         </p:blipFill>
         <p:spPr bwMode="auto">
           <a:xfrm>
-            <a:off x="3961677" y="4694818"/>
-            <a:ext cx="1918079" cy="1856205"/>
+            <a:off x="4463143" y="4652918"/>
+            <a:ext cx="1796144" cy="1796144"/>
           </a:xfrm>
           <a:prstGeom prst="rect">
             <a:avLst/>
@@ -13087,7 +12965,7 @@
                                           </p:stCondLst>
                                         </p:cTn>
                                         <p:tgtEl>
-                                          <p:spTgt spid="7"/>
+                                          <p:spTgt spid="4"/>
                                         </p:tgtEl>
                                         <p:attrNameLst>
                                           <p:attrName>style.visibility</p:attrName>
@@ -13101,7 +12979,7 @@
                                       <p:cBhvr additive="base">
                                         <p:cTn id="25" dur="500" fill="hold"/>
                                         <p:tgtEl>
-                                          <p:spTgt spid="7"/>
+                                          <p:spTgt spid="4"/>
                                         </p:tgtEl>
                                         <p:attrNameLst>
                                           <p:attrName>ppt_x</p:attrName>
@@ -13124,7 +13002,7 @@
                                       <p:cBhvr additive="base">
                                         <p:cTn id="26" dur="500" fill="hold"/>
                                         <p:tgtEl>
-                                          <p:spTgt spid="7"/>
+                                          <p:spTgt spid="4"/>
                                         </p:tgtEl>
                                         <p:attrNameLst>
                                           <p:attrName>ppt_y</p:attrName>
@@ -13178,7 +13056,7 @@
                                           </p:stCondLst>
                                         </p:cTn>
                                         <p:tgtEl>
-                                          <p:spTgt spid="4"/>
+                                          <p:spTgt spid="5"/>
                                         </p:tgtEl>
                                         <p:attrNameLst>
                                           <p:attrName>style.visibility</p:attrName>
@@ -13191,97 +13069,6 @@
                                     <p:anim calcmode="lin" valueType="num">
                                       <p:cBhvr additive="base">
                                         <p:cTn id="31" dur="500" fill="hold"/>
-                                        <p:tgtEl>
-                                          <p:spTgt spid="4"/>
-                                        </p:tgtEl>
-                                        <p:attrNameLst>
-                                          <p:attrName>ppt_x</p:attrName>
-                                        </p:attrNameLst>
-                                      </p:cBhvr>
-                                      <p:tavLst>
-                                        <p:tav tm="0">
-                                          <p:val>
-                                            <p:strVal val="#ppt_x"/>
-                                          </p:val>
-                                        </p:tav>
-                                        <p:tav tm="100000">
-                                          <p:val>
-                                            <p:strVal val="#ppt_x"/>
-                                          </p:val>
-                                        </p:tav>
-                                      </p:tavLst>
-                                    </p:anim>
-                                    <p:anim calcmode="lin" valueType="num">
-                                      <p:cBhvr additive="base">
-                                        <p:cTn id="32" dur="500" fill="hold"/>
-                                        <p:tgtEl>
-                                          <p:spTgt spid="4"/>
-                                        </p:tgtEl>
-                                        <p:attrNameLst>
-                                          <p:attrName>ppt_y</p:attrName>
-                                        </p:attrNameLst>
-                                      </p:cBhvr>
-                                      <p:tavLst>
-                                        <p:tav tm="0">
-                                          <p:val>
-                                            <p:strVal val="1+#ppt_h/2"/>
-                                          </p:val>
-                                        </p:tav>
-                                        <p:tav tm="100000">
-                                          <p:val>
-                                            <p:strVal val="#ppt_y"/>
-                                          </p:val>
-                                        </p:tav>
-                                      </p:tavLst>
-                                    </p:anim>
-                                  </p:childTnLst>
-                                </p:cTn>
-                              </p:par>
-                            </p:childTnLst>
-                          </p:cTn>
-                        </p:par>
-                      </p:childTnLst>
-                    </p:cTn>
-                  </p:par>
-                  <p:par>
-                    <p:cTn id="33" fill="hold">
-                      <p:stCondLst>
-                        <p:cond delay="indefinite"/>
-                      </p:stCondLst>
-                      <p:childTnLst>
-                        <p:par>
-                          <p:cTn id="34" fill="hold">
-                            <p:stCondLst>
-                              <p:cond delay="0"/>
-                            </p:stCondLst>
-                            <p:childTnLst>
-                              <p:par>
-                                <p:cTn id="35" presetID="2" presetClass="entr" presetSubtype="4" fill="hold" nodeType="clickEffect">
-                                  <p:stCondLst>
-                                    <p:cond delay="0"/>
-                                  </p:stCondLst>
-                                  <p:childTnLst>
-                                    <p:set>
-                                      <p:cBhvr>
-                                        <p:cTn id="36" dur="1" fill="hold">
-                                          <p:stCondLst>
-                                            <p:cond delay="0"/>
-                                          </p:stCondLst>
-                                        </p:cTn>
-                                        <p:tgtEl>
-                                          <p:spTgt spid="5"/>
-                                        </p:tgtEl>
-                                        <p:attrNameLst>
-                                          <p:attrName>style.visibility</p:attrName>
-                                        </p:attrNameLst>
-                                      </p:cBhvr>
-                                      <p:to>
-                                        <p:strVal val="visible"/>
-                                      </p:to>
-                                    </p:set>
-                                    <p:anim calcmode="lin" valueType="num">
-                                      <p:cBhvr additive="base">
-                                        <p:cTn id="37" dur="500" fill="hold"/>
                                         <p:tgtEl>
                                           <p:spTgt spid="5"/>
                                         </p:tgtEl>
@@ -13304,7 +13091,7 @@
                                     </p:anim>
                                     <p:anim calcmode="lin" valueType="num">
                                       <p:cBhvr additive="base">
-                                        <p:cTn id="38" dur="500" fill="hold"/>
+                                        <p:cTn id="32" dur="500" fill="hold"/>
                                         <p:tgtEl>
                                           <p:spTgt spid="5"/>
                                         </p:tgtEl>
@@ -13378,6 +13165,695 @@
       </p:grpSpPr>
       <p:sp>
         <p:nvSpPr>
+          <p:cNvPr id="2" name="Title 1">
+            <a:extLst>
+              <a:ext uri="{FF2B5EF4-FFF2-40B4-BE49-F238E27FC236}">
+                <a16:creationId xmlns:a16="http://schemas.microsoft.com/office/drawing/2014/main" id="{E93460B0-53F5-47AD-955A-8544DB343C2E}"/>
+              </a:ext>
+            </a:extLst>
+          </p:cNvPr>
+          <p:cNvSpPr>
+            <a:spLocks noGrp="1"/>
+          </p:cNvSpPr>
+          <p:nvPr>
+            <p:ph type="title"/>
+          </p:nvPr>
+        </p:nvSpPr>
+        <p:spPr/>
+        <p:txBody>
+          <a:bodyPr/>
+          <a:lstStyle/>
+          <a:p>
+            <a:r>
+              <a:rPr lang="es-MX" dirty="0"/>
+              <a:t>Ejemplo</a:t>
+            </a:r>
+            <a:endParaRPr lang="en-US" dirty="0"/>
+          </a:p>
+        </p:txBody>
+      </p:sp>
+      <p:sp>
+        <p:nvSpPr>
+          <p:cNvPr id="3" name="Text Placeholder 2">
+            <a:extLst>
+              <a:ext uri="{FF2B5EF4-FFF2-40B4-BE49-F238E27FC236}">
+                <a16:creationId xmlns:a16="http://schemas.microsoft.com/office/drawing/2014/main" id="{910F6585-7A17-4EDC-924F-BE89485BDECA}"/>
+              </a:ext>
+            </a:extLst>
+          </p:cNvPr>
+          <p:cNvSpPr>
+            <a:spLocks noGrp="1"/>
+          </p:cNvSpPr>
+          <p:nvPr>
+            <p:ph type="body" sz="quarter" idx="10"/>
+          </p:nvPr>
+        </p:nvSpPr>
+        <p:spPr>
+          <a:xfrm>
+            <a:off x="838200" y="1328738"/>
+            <a:ext cx="5435600" cy="4022908"/>
+          </a:xfrm>
+        </p:spPr>
+        <p:txBody>
+          <a:bodyPr/>
+          <a:lstStyle/>
+          <a:p>
+            <a:pPr marL="0" indent="0">
+              <a:buNone/>
+            </a:pPr>
+            <a:r>
+              <a:rPr lang="es-MX" dirty="0"/>
+              <a:t>Calcular la nómina de un trabajador que trabaja por horas.</a:t>
+            </a:r>
+          </a:p>
+          <a:p>
+            <a:pPr marL="0" indent="0">
+              <a:buNone/>
+            </a:pPr>
+            <a:r>
+              <a:rPr lang="es-MX" b="1" dirty="0">
+                <a:sym typeface="Wingdings" panose="05000000000000000000" pitchFamily="2" charset="2"/>
+              </a:rPr>
+              <a:t>Entradas:</a:t>
+            </a:r>
+          </a:p>
+          <a:p>
+            <a:pPr>
+              <a:buFont typeface="Wingdings" panose="05000000000000000000" pitchFamily="2" charset="2"/>
+              <a:buChar char="à"/>
+            </a:pPr>
+            <a:r>
+              <a:rPr lang="es-MX" b="1" dirty="0">
+                <a:solidFill>
+                  <a:schemeClr val="accent1"/>
+                </a:solidFill>
+                <a:sym typeface="Wingdings" panose="05000000000000000000" pitchFamily="2" charset="2"/>
+              </a:rPr>
+              <a:t>Sueldo por hora</a:t>
+            </a:r>
+          </a:p>
+          <a:p>
+            <a:pPr>
+              <a:buFont typeface="Wingdings" panose="05000000000000000000" pitchFamily="2" charset="2"/>
+              <a:buChar char="à"/>
+            </a:pPr>
+            <a:r>
+              <a:rPr lang="en-US" b="1" dirty="0">
+                <a:solidFill>
+                  <a:schemeClr val="accent1"/>
+                </a:solidFill>
+              </a:rPr>
+              <a:t>Horas </a:t>
+            </a:r>
+            <a:r>
+              <a:rPr lang="en-US" b="1" dirty="0" err="1">
+                <a:solidFill>
+                  <a:schemeClr val="accent1"/>
+                </a:solidFill>
+              </a:rPr>
+              <a:t>trabajadas</a:t>
+            </a:r>
+            <a:endParaRPr lang="en-US" b="1" dirty="0">
+              <a:solidFill>
+                <a:schemeClr val="accent1"/>
+              </a:solidFill>
+            </a:endParaRPr>
+          </a:p>
+          <a:p>
+            <a:pPr marL="0" indent="0">
+              <a:buNone/>
+            </a:pPr>
+            <a:r>
+              <a:rPr lang="en-US" b="1" dirty="0" err="1"/>
+              <a:t>Salidas</a:t>
+            </a:r>
+            <a:r>
+              <a:rPr lang="en-US" b="1" dirty="0"/>
+              <a:t>:</a:t>
+            </a:r>
+          </a:p>
+          <a:p>
+            <a:pPr>
+              <a:buFont typeface="Wingdings" panose="05000000000000000000" pitchFamily="2" charset="2"/>
+              <a:buChar char="ß"/>
+            </a:pPr>
+            <a:r>
+              <a:rPr lang="en-US" b="1" dirty="0">
+                <a:solidFill>
+                  <a:schemeClr val="accent1"/>
+                </a:solidFill>
+                <a:sym typeface="Wingdings" panose="05000000000000000000" pitchFamily="2" charset="2"/>
+              </a:rPr>
+              <a:t>Monto a </a:t>
+            </a:r>
+            <a:r>
+              <a:rPr lang="en-US" b="1" dirty="0" err="1">
+                <a:solidFill>
+                  <a:schemeClr val="accent1"/>
+                </a:solidFill>
+                <a:sym typeface="Wingdings" panose="05000000000000000000" pitchFamily="2" charset="2"/>
+              </a:rPr>
+              <a:t>pagar</a:t>
+            </a:r>
+            <a:endParaRPr lang="en-US" b="1" dirty="0">
+              <a:solidFill>
+                <a:schemeClr val="accent1"/>
+              </a:solidFill>
+              <a:sym typeface="Wingdings" panose="05000000000000000000" pitchFamily="2" charset="2"/>
+            </a:endParaRPr>
+          </a:p>
+          <a:p>
+            <a:pPr>
+              <a:buFont typeface="Wingdings" panose="05000000000000000000" pitchFamily="2" charset="2"/>
+              <a:buChar char="ß"/>
+            </a:pPr>
+            <a:endParaRPr lang="en-US" b="1" dirty="0">
+              <a:solidFill>
+                <a:schemeClr val="accent1"/>
+              </a:solidFill>
+              <a:sym typeface="Wingdings" panose="05000000000000000000" pitchFamily="2" charset="2"/>
+            </a:endParaRPr>
+          </a:p>
+          <a:p>
+            <a:pPr marL="0" indent="0">
+              <a:buNone/>
+            </a:pPr>
+            <a:endParaRPr lang="en-US" b="1" dirty="0">
+              <a:solidFill>
+                <a:schemeClr val="accent1"/>
+              </a:solidFill>
+            </a:endParaRPr>
+          </a:p>
+        </p:txBody>
+      </p:sp>
+      <p:pic>
+        <p:nvPicPr>
+          <p:cNvPr id="4098" name="Picture 2" descr="Image result for work">
+            <a:extLst>
+              <a:ext uri="{FF2B5EF4-FFF2-40B4-BE49-F238E27FC236}">
+                <a16:creationId xmlns:a16="http://schemas.microsoft.com/office/drawing/2014/main" id="{977DB59E-C6B4-4357-B8B0-54437E436F29}"/>
+              </a:ext>
+            </a:extLst>
+          </p:cNvPr>
+          <p:cNvPicPr>
+            <a:picLocks noChangeAspect="1" noChangeArrowheads="1"/>
+          </p:cNvPicPr>
+          <p:nvPr/>
+        </p:nvPicPr>
+        <p:blipFill rotWithShape="1">
+          <a:blip r:embed="rId2">
+            <a:extLst>
+              <a:ext uri="{28A0092B-C50C-407E-A947-70E740481C1C}">
+                <a14:useLocalDpi xmlns:a14="http://schemas.microsoft.com/office/drawing/2010/main" val="0"/>
+              </a:ext>
+            </a:extLst>
+          </a:blip>
+          <a:srcRect r="20013"/>
+          <a:stretch/>
+        </p:blipFill>
+        <p:spPr bwMode="auto">
+          <a:xfrm>
+            <a:off x="6699184" y="513222"/>
+            <a:ext cx="4854184" cy="4045832"/>
+          </a:xfrm>
+          <a:prstGeom prst="rect">
+            <a:avLst/>
+          </a:prstGeom>
+          <a:noFill/>
+          <a:extLst>
+            <a:ext uri="{909E8E84-426E-40DD-AFC4-6F175D3DCCD1}">
+              <a14:hiddenFill xmlns:a14="http://schemas.microsoft.com/office/drawing/2010/main">
+                <a:solidFill>
+                  <a:srgbClr val="FFFFFF"/>
+                </a:solidFill>
+              </a14:hiddenFill>
+            </a:ext>
+          </a:extLst>
+        </p:spPr>
+      </p:pic>
+      <p:sp>
+        <p:nvSpPr>
+          <p:cNvPr id="5" name="Text Placeholder 2">
+            <a:extLst>
+              <a:ext uri="{FF2B5EF4-FFF2-40B4-BE49-F238E27FC236}">
+                <a16:creationId xmlns:a16="http://schemas.microsoft.com/office/drawing/2014/main" id="{20D42890-5119-457B-83D5-00A43570D7D7}"/>
+              </a:ext>
+            </a:extLst>
+          </p:cNvPr>
+          <p:cNvSpPr txBox="1">
+            <a:spLocks/>
+          </p:cNvSpPr>
+          <p:nvPr/>
+        </p:nvSpPr>
+        <p:spPr>
+          <a:xfrm>
+            <a:off x="961724" y="5272363"/>
+            <a:ext cx="10591644" cy="1381679"/>
+          </a:xfrm>
+          <a:prstGeom prst="rect">
+            <a:avLst/>
+          </a:prstGeom>
+          <a:solidFill>
+            <a:schemeClr val="accent2"/>
+          </a:solidFill>
+          <a:ln w="38100"/>
+        </p:spPr>
+        <p:style>
+          <a:lnRef idx="2">
+            <a:schemeClr val="accent2"/>
+          </a:lnRef>
+          <a:fillRef idx="1">
+            <a:schemeClr val="lt1"/>
+          </a:fillRef>
+          <a:effectRef idx="0">
+            <a:schemeClr val="accent2"/>
+          </a:effectRef>
+          <a:fontRef idx="minor">
+            <a:schemeClr val="dk1"/>
+          </a:fontRef>
+        </p:style>
+        <p:txBody>
+          <a:bodyPr vert="horz" lIns="91440" tIns="45720" rIns="91440" bIns="45720" rtlCol="0">
+            <a:normAutofit/>
+          </a:bodyPr>
+          <a:lstStyle>
+            <a:lvl1pPr marL="228600" indent="-228600" algn="l" defTabSz="914400" rtl="0" eaLnBrk="1" latinLnBrk="0" hangingPunct="1">
+              <a:lnSpc>
+                <a:spcPct val="90000"/>
+              </a:lnSpc>
+              <a:spcBef>
+                <a:spcPts val="1000"/>
+              </a:spcBef>
+              <a:buFont typeface="Arial" panose="020B0604020202020204" pitchFamily="34" charset="0"/>
+              <a:buChar char="•"/>
+              <a:defRPr sz="2800" kern="1200">
+                <a:solidFill>
+                  <a:schemeClr val="tx1"/>
+                </a:solidFill>
+                <a:latin typeface="Ubuntu" panose="020B0504030602030204" pitchFamily="34" charset="0"/>
+                <a:ea typeface="+mn-ea"/>
+                <a:cs typeface="Arial" panose="020B0604020202020204" pitchFamily="34" charset="0"/>
+              </a:defRPr>
+            </a:lvl1pPr>
+            <a:lvl2pPr marL="685800" indent="-228600" algn="l" defTabSz="914400" rtl="0" eaLnBrk="1" latinLnBrk="0" hangingPunct="1">
+              <a:lnSpc>
+                <a:spcPct val="90000"/>
+              </a:lnSpc>
+              <a:spcBef>
+                <a:spcPts val="500"/>
+              </a:spcBef>
+              <a:buFont typeface="Arial" panose="020B0604020202020204" pitchFamily="34" charset="0"/>
+              <a:buChar char="•"/>
+              <a:defRPr sz="2400" kern="1200">
+                <a:solidFill>
+                  <a:schemeClr val="tx1"/>
+                </a:solidFill>
+                <a:latin typeface="Ubuntu" panose="020B0504030602030204" pitchFamily="34" charset="0"/>
+                <a:ea typeface="+mn-ea"/>
+                <a:cs typeface="Arial" panose="020B0604020202020204" pitchFamily="34" charset="0"/>
+              </a:defRPr>
+            </a:lvl2pPr>
+            <a:lvl3pPr marL="1143000" indent="-228600" algn="l" defTabSz="914400" rtl="0" eaLnBrk="1" latinLnBrk="0" hangingPunct="1">
+              <a:lnSpc>
+                <a:spcPct val="90000"/>
+              </a:lnSpc>
+              <a:spcBef>
+                <a:spcPts val="500"/>
+              </a:spcBef>
+              <a:buFont typeface="Arial" panose="020B0604020202020204" pitchFamily="34" charset="0"/>
+              <a:buChar char="•"/>
+              <a:defRPr sz="2000" kern="1200">
+                <a:solidFill>
+                  <a:schemeClr val="tx1"/>
+                </a:solidFill>
+                <a:latin typeface="Ubuntu" panose="020B0504030602030204" pitchFamily="34" charset="0"/>
+                <a:ea typeface="+mn-ea"/>
+                <a:cs typeface="Arial" panose="020B0604020202020204" pitchFamily="34" charset="0"/>
+              </a:defRPr>
+            </a:lvl3pPr>
+            <a:lvl4pPr marL="1600200" indent="-228600" algn="l" defTabSz="914400" rtl="0" eaLnBrk="1" latinLnBrk="0" hangingPunct="1">
+              <a:lnSpc>
+                <a:spcPct val="90000"/>
+              </a:lnSpc>
+              <a:spcBef>
+                <a:spcPts val="500"/>
+              </a:spcBef>
+              <a:buFont typeface="Arial" panose="020B0604020202020204" pitchFamily="34" charset="0"/>
+              <a:buChar char="•"/>
+              <a:defRPr sz="1800" kern="1200">
+                <a:solidFill>
+                  <a:schemeClr val="tx1"/>
+                </a:solidFill>
+                <a:latin typeface="Ubuntu" panose="020B0504030602030204" pitchFamily="34" charset="0"/>
+                <a:ea typeface="+mn-ea"/>
+                <a:cs typeface="Arial" panose="020B0604020202020204" pitchFamily="34" charset="0"/>
+              </a:defRPr>
+            </a:lvl4pPr>
+            <a:lvl5pPr marL="2057400" indent="-228600" algn="l" defTabSz="914400" rtl="0" eaLnBrk="1" latinLnBrk="0" hangingPunct="1">
+              <a:lnSpc>
+                <a:spcPct val="90000"/>
+              </a:lnSpc>
+              <a:spcBef>
+                <a:spcPts val="500"/>
+              </a:spcBef>
+              <a:buFont typeface="Arial" panose="020B0604020202020204" pitchFamily="34" charset="0"/>
+              <a:buChar char="•"/>
+              <a:defRPr sz="1800" kern="1200">
+                <a:solidFill>
+                  <a:schemeClr val="tx1"/>
+                </a:solidFill>
+                <a:latin typeface="Ubuntu" panose="020B0504030602030204" pitchFamily="34" charset="0"/>
+                <a:ea typeface="+mn-ea"/>
+                <a:cs typeface="Arial" panose="020B0604020202020204" pitchFamily="34" charset="0"/>
+              </a:defRPr>
+            </a:lvl5pPr>
+            <a:lvl6pPr marL="2514600" indent="-228600" algn="l" defTabSz="914400" rtl="0" eaLnBrk="1" latinLnBrk="0" hangingPunct="1">
+              <a:lnSpc>
+                <a:spcPct val="90000"/>
+              </a:lnSpc>
+              <a:spcBef>
+                <a:spcPts val="500"/>
+              </a:spcBef>
+              <a:buFont typeface="Arial" panose="020B0604020202020204" pitchFamily="34" charset="0"/>
+              <a:buChar char="•"/>
+              <a:defRPr sz="1800" kern="1200">
+                <a:solidFill>
+                  <a:schemeClr val="tx1"/>
+                </a:solidFill>
+                <a:latin typeface="+mn-lt"/>
+                <a:ea typeface="+mn-ea"/>
+                <a:cs typeface="+mn-cs"/>
+              </a:defRPr>
+            </a:lvl6pPr>
+            <a:lvl7pPr marL="2971800" indent="-228600" algn="l" defTabSz="914400" rtl="0" eaLnBrk="1" latinLnBrk="0" hangingPunct="1">
+              <a:lnSpc>
+                <a:spcPct val="90000"/>
+              </a:lnSpc>
+              <a:spcBef>
+                <a:spcPts val="500"/>
+              </a:spcBef>
+              <a:buFont typeface="Arial" panose="020B0604020202020204" pitchFamily="34" charset="0"/>
+              <a:buChar char="•"/>
+              <a:defRPr sz="1800" kern="1200">
+                <a:solidFill>
+                  <a:schemeClr val="tx1"/>
+                </a:solidFill>
+                <a:latin typeface="+mn-lt"/>
+                <a:ea typeface="+mn-ea"/>
+                <a:cs typeface="+mn-cs"/>
+              </a:defRPr>
+            </a:lvl7pPr>
+            <a:lvl8pPr marL="3429000" indent="-228600" algn="l" defTabSz="914400" rtl="0" eaLnBrk="1" latinLnBrk="0" hangingPunct="1">
+              <a:lnSpc>
+                <a:spcPct val="90000"/>
+              </a:lnSpc>
+              <a:spcBef>
+                <a:spcPts val="500"/>
+              </a:spcBef>
+              <a:buFont typeface="Arial" panose="020B0604020202020204" pitchFamily="34" charset="0"/>
+              <a:buChar char="•"/>
+              <a:defRPr sz="1800" kern="1200">
+                <a:solidFill>
+                  <a:schemeClr val="tx1"/>
+                </a:solidFill>
+                <a:latin typeface="+mn-lt"/>
+                <a:ea typeface="+mn-ea"/>
+                <a:cs typeface="+mn-cs"/>
+              </a:defRPr>
+            </a:lvl8pPr>
+            <a:lvl9pPr marL="3886200" indent="-228600" algn="l" defTabSz="914400" rtl="0" eaLnBrk="1" latinLnBrk="0" hangingPunct="1">
+              <a:lnSpc>
+                <a:spcPct val="90000"/>
+              </a:lnSpc>
+              <a:spcBef>
+                <a:spcPts val="500"/>
+              </a:spcBef>
+              <a:buFont typeface="Arial" panose="020B0604020202020204" pitchFamily="34" charset="0"/>
+              <a:buChar char="•"/>
+              <a:defRPr sz="1800" kern="1200">
+                <a:solidFill>
+                  <a:schemeClr val="tx1"/>
+                </a:solidFill>
+                <a:latin typeface="+mn-lt"/>
+                <a:ea typeface="+mn-ea"/>
+                <a:cs typeface="+mn-cs"/>
+              </a:defRPr>
+            </a:lvl9pPr>
+          </a:lstStyle>
+          <a:p>
+            <a:pPr marL="0" indent="0" algn="ctr">
+              <a:buFont typeface="Arial" panose="020B0604020202020204" pitchFamily="34" charset="0"/>
+              <a:buNone/>
+            </a:pPr>
+            <a:r>
+              <a:rPr lang="en-US" b="1" dirty="0">
+                <a:solidFill>
+                  <a:schemeClr val="bg1"/>
+                </a:solidFill>
+              </a:rPr>
+              <a:t>¡NUEVA REGLA!</a:t>
+            </a:r>
+          </a:p>
+          <a:p>
+            <a:pPr marL="0" indent="0">
+              <a:buFont typeface="Arial" panose="020B0604020202020204" pitchFamily="34" charset="0"/>
+              <a:buNone/>
+            </a:pPr>
+            <a:r>
+              <a:rPr lang="en-US" b="1" dirty="0">
+                <a:solidFill>
+                  <a:schemeClr val="bg1"/>
+                </a:solidFill>
+              </a:rPr>
+              <a:t>Si la persona </a:t>
+            </a:r>
+            <a:r>
+              <a:rPr lang="en-US" b="1" dirty="0" err="1">
+                <a:solidFill>
+                  <a:schemeClr val="bg1"/>
+                </a:solidFill>
+              </a:rPr>
+              <a:t>trabaja</a:t>
+            </a:r>
+            <a:r>
+              <a:rPr lang="en-US" b="1" dirty="0">
+                <a:solidFill>
+                  <a:schemeClr val="bg1"/>
+                </a:solidFill>
+              </a:rPr>
+              <a:t> mas de 40 horas, </a:t>
+            </a:r>
+            <a:r>
+              <a:rPr lang="en-US" b="1" dirty="0" err="1">
+                <a:solidFill>
+                  <a:schemeClr val="bg1"/>
+                </a:solidFill>
+              </a:rPr>
+              <a:t>ganar</a:t>
+            </a:r>
+            <a:r>
+              <a:rPr lang="es-MX" b="1" dirty="0">
+                <a:solidFill>
+                  <a:schemeClr val="bg1"/>
+                </a:solidFill>
+              </a:rPr>
+              <a:t>á un bono de 100 pesos.</a:t>
+            </a:r>
+            <a:endParaRPr lang="en-US" b="1" dirty="0">
+              <a:solidFill>
+                <a:schemeClr val="bg1"/>
+              </a:solidFill>
+            </a:endParaRPr>
+          </a:p>
+        </p:txBody>
+      </p:sp>
+    </p:spTree>
+    <p:extLst>
+      <p:ext uri="{BB962C8B-B14F-4D97-AF65-F5344CB8AC3E}">
+        <p14:creationId xmlns:p14="http://schemas.microsoft.com/office/powerpoint/2010/main" val="2895048295"/>
+      </p:ext>
+    </p:extLst>
+  </p:cSld>
+  <p:clrMapOvr>
+    <a:masterClrMapping/>
+  </p:clrMapOvr>
+  <p:timing>
+    <p:tnLst>
+      <p:par>
+        <p:cTn id="1" dur="indefinite" restart="never" nodeType="tmRoot">
+          <p:childTnLst>
+            <p:seq concurrent="1" nextAc="seek">
+              <p:cTn id="2" dur="indefinite" nodeType="mainSeq">
+                <p:childTnLst>
+                  <p:par>
+                    <p:cTn id="3" fill="hold">
+                      <p:stCondLst>
+                        <p:cond delay="indefinite"/>
+                      </p:stCondLst>
+                      <p:childTnLst>
+                        <p:par>
+                          <p:cTn id="4" fill="hold">
+                            <p:stCondLst>
+                              <p:cond delay="0"/>
+                            </p:stCondLst>
+                            <p:childTnLst>
+                              <p:par>
+                                <p:cTn id="5" presetID="31" presetClass="entr" presetSubtype="0" fill="hold" grpId="0" nodeType="clickEffect">
+                                  <p:stCondLst>
+                                    <p:cond delay="0"/>
+                                  </p:stCondLst>
+                                  <p:childTnLst>
+                                    <p:set>
+                                      <p:cBhvr>
+                                        <p:cTn id="6" dur="1" fill="hold">
+                                          <p:stCondLst>
+                                            <p:cond delay="0"/>
+                                          </p:stCondLst>
+                                        </p:cTn>
+                                        <p:tgtEl>
+                                          <p:spTgt spid="5"/>
+                                        </p:tgtEl>
+                                        <p:attrNameLst>
+                                          <p:attrName>style.visibility</p:attrName>
+                                        </p:attrNameLst>
+                                      </p:cBhvr>
+                                      <p:to>
+                                        <p:strVal val="visible"/>
+                                      </p:to>
+                                    </p:set>
+                                    <p:anim calcmode="lin" valueType="num">
+                                      <p:cBhvr>
+                                        <p:cTn id="7" dur="1000" fill="hold"/>
+                                        <p:tgtEl>
+                                          <p:spTgt spid="5"/>
+                                        </p:tgtEl>
+                                        <p:attrNameLst>
+                                          <p:attrName>ppt_w</p:attrName>
+                                        </p:attrNameLst>
+                                      </p:cBhvr>
+                                      <p:tavLst>
+                                        <p:tav tm="0">
+                                          <p:val>
+                                            <p:fltVal val="0"/>
+                                          </p:val>
+                                        </p:tav>
+                                        <p:tav tm="100000">
+                                          <p:val>
+                                            <p:strVal val="#ppt_w"/>
+                                          </p:val>
+                                        </p:tav>
+                                      </p:tavLst>
+                                    </p:anim>
+                                    <p:anim calcmode="lin" valueType="num">
+                                      <p:cBhvr>
+                                        <p:cTn id="8" dur="1000" fill="hold"/>
+                                        <p:tgtEl>
+                                          <p:spTgt spid="5"/>
+                                        </p:tgtEl>
+                                        <p:attrNameLst>
+                                          <p:attrName>ppt_h</p:attrName>
+                                        </p:attrNameLst>
+                                      </p:cBhvr>
+                                      <p:tavLst>
+                                        <p:tav tm="0">
+                                          <p:val>
+                                            <p:fltVal val="0"/>
+                                          </p:val>
+                                        </p:tav>
+                                        <p:tav tm="100000">
+                                          <p:val>
+                                            <p:strVal val="#ppt_h"/>
+                                          </p:val>
+                                        </p:tav>
+                                      </p:tavLst>
+                                    </p:anim>
+                                    <p:anim calcmode="lin" valueType="num">
+                                      <p:cBhvr>
+                                        <p:cTn id="9" dur="1000" fill="hold"/>
+                                        <p:tgtEl>
+                                          <p:spTgt spid="5"/>
+                                        </p:tgtEl>
+                                        <p:attrNameLst>
+                                          <p:attrName>style.rotation</p:attrName>
+                                        </p:attrNameLst>
+                                      </p:cBhvr>
+                                      <p:tavLst>
+                                        <p:tav tm="0">
+                                          <p:val>
+                                            <p:fltVal val="90"/>
+                                          </p:val>
+                                        </p:tav>
+                                        <p:tav tm="100000">
+                                          <p:val>
+                                            <p:fltVal val="0"/>
+                                          </p:val>
+                                        </p:tav>
+                                      </p:tavLst>
+                                    </p:anim>
+                                    <p:animEffect transition="in" filter="fade">
+                                      <p:cBhvr>
+                                        <p:cTn id="10" dur="1000"/>
+                                        <p:tgtEl>
+                                          <p:spTgt spid="5"/>
+                                        </p:tgtEl>
+                                      </p:cBhvr>
+                                    </p:animEffect>
+                                  </p:childTnLst>
+                                </p:cTn>
+                              </p:par>
+                            </p:childTnLst>
+                          </p:cTn>
+                        </p:par>
+                      </p:childTnLst>
+                    </p:cTn>
+                  </p:par>
+                </p:childTnLst>
+              </p:cTn>
+              <p:prevCondLst>
+                <p:cond evt="onPrev" delay="0">
+                  <p:tgtEl>
+                    <p:sldTgt/>
+                  </p:tgtEl>
+                </p:cond>
+              </p:prevCondLst>
+              <p:nextCondLst>
+                <p:cond evt="onNext" delay="0">
+                  <p:tgtEl>
+                    <p:sldTgt/>
+                  </p:tgtEl>
+                </p:cond>
+              </p:nextCondLst>
+            </p:seq>
+          </p:childTnLst>
+        </p:cTn>
+      </p:par>
+    </p:tnLst>
+    <p:bldLst>
+      <p:bldP spid="5" grpId="0" animBg="1"/>
+    </p:bldLst>
+  </p:timing>
+</p:sld>
+</file>
+
+<file path=ppt/slides/slide31.xml><?xml version="1.0" encoding="utf-8"?>
+<p:sld xmlns:a="http://schemas.openxmlformats.org/drawingml/2006/main" xmlns:r="http://schemas.openxmlformats.org/officeDocument/2006/relationships" xmlns:p="http://schemas.openxmlformats.org/presentationml/2006/main">
+  <p:cSld>
+    <p:spTree>
+      <p:nvGrpSpPr>
+        <p:cNvPr id="1" name=""/>
+        <p:cNvGrpSpPr/>
+        <p:nvPr/>
+      </p:nvGrpSpPr>
+      <p:grpSpPr>
+        <a:xfrm>
+          <a:off x="0" y="0"/>
+          <a:ext cx="0" cy="0"/>
+          <a:chOff x="0" y="0"/>
+          <a:chExt cx="0" cy="0"/>
+        </a:xfrm>
+      </p:grpSpPr>
+      <p:sp>
+        <p:nvSpPr>
           <p:cNvPr id="3" name="Text Placeholder 2">
             <a:extLst>
               <a:ext uri="{FF2B5EF4-FFF2-40B4-BE49-F238E27FC236}">
@@ -13477,7 +13953,7 @@
 </p:sld>
 </file>
 
-<file path=ppt/slides/slide31.xml><?xml version="1.0" encoding="utf-8"?>
+<file path=ppt/slides/slide32.xml><?xml version="1.0" encoding="utf-8"?>
 <p:sld xmlns:a="http://schemas.openxmlformats.org/drawingml/2006/main" xmlns:r="http://schemas.openxmlformats.org/officeDocument/2006/relationships" xmlns:p="http://schemas.openxmlformats.org/presentationml/2006/main">
   <p:cSld>
     <p:spTree>
@@ -13879,7 +14355,7 @@
 </p:sld>
 </file>
 
-<file path=ppt/slides/slide32.xml><?xml version="1.0" encoding="utf-8"?>
+<file path=ppt/slides/slide33.xml><?xml version="1.0" encoding="utf-8"?>
 <p:sld xmlns:a="http://schemas.openxmlformats.org/drawingml/2006/main" xmlns:r="http://schemas.openxmlformats.org/officeDocument/2006/relationships" xmlns:p="http://schemas.openxmlformats.org/presentationml/2006/main">
   <p:cSld>
     <p:spTree>
@@ -13980,7 +14456,7 @@
 </p:sld>
 </file>
 
-<file path=ppt/slides/slide33.xml><?xml version="1.0" encoding="utf-8"?>
+<file path=ppt/slides/slide34.xml><?xml version="1.0" encoding="utf-8"?>
 <p:sld xmlns:a="http://schemas.openxmlformats.org/drawingml/2006/main" xmlns:r="http://schemas.openxmlformats.org/officeDocument/2006/relationships" xmlns:p="http://schemas.openxmlformats.org/presentationml/2006/main">
   <p:cSld>
     <p:spTree>
@@ -14094,7 +14570,7 @@
 </p:sld>
 </file>
 
-<file path=ppt/slides/slide34.xml><?xml version="1.0" encoding="utf-8"?>
+<file path=ppt/slides/slide35.xml><?xml version="1.0" encoding="utf-8"?>
 <p:sld xmlns:a="http://schemas.openxmlformats.org/drawingml/2006/main" xmlns:r="http://schemas.openxmlformats.org/officeDocument/2006/relationships" xmlns:p="http://schemas.openxmlformats.org/presentationml/2006/main">
   <p:cSld>
     <p:spTree>
@@ -14829,7 +15305,7 @@
 </p:sld>
 </file>
 
-<file path=ppt/slides/slide35.xml><?xml version="1.0" encoding="utf-8"?>
+<file path=ppt/slides/slide36.xml><?xml version="1.0" encoding="utf-8"?>
 <p:sld xmlns:a="http://schemas.openxmlformats.org/drawingml/2006/main" xmlns:r="http://schemas.openxmlformats.org/officeDocument/2006/relationships" xmlns:p="http://schemas.openxmlformats.org/presentationml/2006/main">
   <p:cSld>
     <p:spTree>
@@ -15536,7 +16012,7 @@
 </p:sld>
 </file>
 
-<file path=ppt/slides/slide36.xml><?xml version="1.0" encoding="utf-8"?>
+<file path=ppt/slides/slide37.xml><?xml version="1.0" encoding="utf-8"?>
 <p:sld xmlns:a="http://schemas.openxmlformats.org/drawingml/2006/main" xmlns:r="http://schemas.openxmlformats.org/officeDocument/2006/relationships" xmlns:p="http://schemas.openxmlformats.org/presentationml/2006/main">
   <p:cSld>
     <p:spTree>
@@ -16117,7 +16593,7 @@
 </p:sld>
 </file>
 
-<file path=ppt/slides/slide37.xml><?xml version="1.0" encoding="utf-8"?>
+<file path=ppt/slides/slide38.xml><?xml version="1.0" encoding="utf-8"?>
 <p:sld xmlns:a="http://schemas.openxmlformats.org/drawingml/2006/main" xmlns:r="http://schemas.openxmlformats.org/officeDocument/2006/relationships" xmlns:p="http://schemas.openxmlformats.org/presentationml/2006/main">
   <p:cSld>
     <p:spTree>
@@ -16192,7 +16668,7 @@
 </p:sld>
 </file>
 
-<file path=ppt/slides/slide38.xml><?xml version="1.0" encoding="utf-8"?>
+<file path=ppt/slides/slide39.xml><?xml version="1.0" encoding="utf-8"?>
 <p:sld xmlns:a="http://schemas.openxmlformats.org/drawingml/2006/main" xmlns:r="http://schemas.openxmlformats.org/officeDocument/2006/relationships" xmlns:p="http://schemas.openxmlformats.org/presentationml/2006/main">
   <p:cSld>
     <p:spTree>
@@ -16248,579 +16724,6 @@
   <p:clrMapOvr>
     <a:masterClrMapping/>
   </p:clrMapOvr>
-</p:sld>
-</file>
-
-<file path=ppt/slides/slide39.xml><?xml version="1.0" encoding="utf-8"?>
-<p:sld xmlns:a="http://schemas.openxmlformats.org/drawingml/2006/main" xmlns:r="http://schemas.openxmlformats.org/officeDocument/2006/relationships" xmlns:p="http://schemas.openxmlformats.org/presentationml/2006/main">
-  <p:cSld>
-    <p:spTree>
-      <p:nvGrpSpPr>
-        <p:cNvPr id="1" name=""/>
-        <p:cNvGrpSpPr/>
-        <p:nvPr/>
-      </p:nvGrpSpPr>
-      <p:grpSpPr>
-        <a:xfrm>
-          <a:off x="0" y="0"/>
-          <a:ext cx="0" cy="0"/>
-          <a:chOff x="0" y="0"/>
-          <a:chExt cx="0" cy="0"/>
-        </a:xfrm>
-      </p:grpSpPr>
-      <p:sp>
-        <p:nvSpPr>
-          <p:cNvPr id="2" name="Title 1">
-            <a:extLst>
-              <a:ext uri="{FF2B5EF4-FFF2-40B4-BE49-F238E27FC236}">
-                <a16:creationId xmlns:a16="http://schemas.microsoft.com/office/drawing/2014/main" id="{D3F297B5-4DAA-4350-84A2-D2ECF9AD3762}"/>
-              </a:ext>
-            </a:extLst>
-          </p:cNvPr>
-          <p:cNvSpPr>
-            <a:spLocks noGrp="1"/>
-          </p:cNvSpPr>
-          <p:nvPr>
-            <p:ph type="title"/>
-          </p:nvPr>
-        </p:nvSpPr>
-        <p:spPr/>
-        <p:txBody>
-          <a:bodyPr/>
-          <a:lstStyle/>
-          <a:p>
-            <a:r>
-              <a:rPr lang="es-MX" dirty="0"/>
-              <a:t>Pseudocódigo</a:t>
-            </a:r>
-            <a:endParaRPr lang="en-US" dirty="0"/>
-          </a:p>
-        </p:txBody>
-      </p:sp>
-      <p:sp>
-        <p:nvSpPr>
-          <p:cNvPr id="3" name="Content Placeholder 2">
-            <a:extLst>
-              <a:ext uri="{FF2B5EF4-FFF2-40B4-BE49-F238E27FC236}">
-                <a16:creationId xmlns:a16="http://schemas.microsoft.com/office/drawing/2014/main" id="{CD9FF62F-B660-4422-A583-29A719C1BEC8}"/>
-              </a:ext>
-            </a:extLst>
-          </p:cNvPr>
-          <p:cNvSpPr>
-            <a:spLocks noGrp="1"/>
-          </p:cNvSpPr>
-          <p:nvPr>
-            <p:ph idx="1"/>
-          </p:nvPr>
-        </p:nvSpPr>
-        <p:spPr/>
-        <p:txBody>
-          <a:bodyPr/>
-          <a:lstStyle/>
-          <a:p>
-            <a:pPr marL="0" indent="0">
-              <a:buNone/>
-            </a:pPr>
-            <a:r>
-              <a:rPr lang="es-MX" dirty="0"/>
-              <a:t>El pseudocódigo es una descripción de alto nivel de un algoritmo. Utiliza ciertas convenciones de la programación, pero la intención es que sea </a:t>
-            </a:r>
-            <a:r>
-              <a:rPr lang="es-MX" b="1" dirty="0">
-                <a:solidFill>
-                  <a:schemeClr val="accent1"/>
-                </a:solidFill>
-              </a:rPr>
-              <a:t>entendible para los humanos.</a:t>
-            </a:r>
-            <a:endParaRPr lang="es-MX" dirty="0">
-              <a:solidFill>
-                <a:schemeClr val="accent1"/>
-              </a:solidFill>
-            </a:endParaRPr>
-          </a:p>
-          <a:p>
-            <a:pPr marL="0" indent="0">
-              <a:buNone/>
-            </a:pPr>
-            <a:endParaRPr lang="es-MX" dirty="0"/>
-          </a:p>
-          <a:p>
-            <a:pPr marL="0" indent="0">
-              <a:buNone/>
-            </a:pPr>
-            <a:r>
-              <a:rPr lang="es-MX" dirty="0"/>
-              <a:t>El pseudocódigo generalmente se utiliza para:</a:t>
-            </a:r>
-          </a:p>
-          <a:p>
-            <a:r>
-              <a:rPr lang="es-MX" b="1" dirty="0">
-                <a:solidFill>
-                  <a:schemeClr val="accent1"/>
-                </a:solidFill>
-              </a:rPr>
-              <a:t>Describir cómo</a:t>
-            </a:r>
-            <a:r>
-              <a:rPr lang="es-MX" dirty="0">
-                <a:solidFill>
-                  <a:schemeClr val="accent1"/>
-                </a:solidFill>
-              </a:rPr>
-              <a:t> </a:t>
-            </a:r>
-            <a:r>
-              <a:rPr lang="es-MX" b="1" dirty="0">
-                <a:solidFill>
-                  <a:schemeClr val="accent1"/>
-                </a:solidFill>
-              </a:rPr>
-              <a:t>funciona</a:t>
-            </a:r>
-            <a:r>
-              <a:rPr lang="es-MX" dirty="0"/>
-              <a:t> un algoritmo. </a:t>
-            </a:r>
-            <a:br>
-              <a:rPr lang="es-MX" dirty="0"/>
-            </a:br>
-            <a:endParaRPr lang="es-MX" dirty="0"/>
-          </a:p>
-          <a:p>
-            <a:r>
-              <a:rPr lang="es-MX" dirty="0"/>
-              <a:t>Explicar un proceso computacional a </a:t>
-            </a:r>
-            <a:r>
-              <a:rPr lang="es-MX" b="1" dirty="0">
-                <a:solidFill>
-                  <a:schemeClr val="accent1"/>
-                </a:solidFill>
-              </a:rPr>
-              <a:t>gente no técnica</a:t>
-            </a:r>
-            <a:r>
-              <a:rPr lang="es-MX" dirty="0"/>
-              <a:t>.</a:t>
-            </a:r>
-            <a:br>
-              <a:rPr lang="es-MX" dirty="0"/>
-            </a:br>
-            <a:endParaRPr lang="es-MX" dirty="0"/>
-          </a:p>
-          <a:p>
-            <a:r>
-              <a:rPr lang="es-MX" dirty="0"/>
-              <a:t>Diseñar </a:t>
-            </a:r>
-            <a:r>
-              <a:rPr lang="es-MX" b="1" dirty="0">
-                <a:solidFill>
-                  <a:schemeClr val="accent1"/>
-                </a:solidFill>
-              </a:rPr>
-              <a:t>código en grupo</a:t>
-            </a:r>
-            <a:r>
-              <a:rPr lang="es-MX" dirty="0"/>
-              <a:t>.</a:t>
-            </a:r>
-          </a:p>
-          <a:p>
-            <a:pPr marL="0" indent="0">
-              <a:buNone/>
-            </a:pPr>
-            <a:endParaRPr lang="en-US" dirty="0"/>
-          </a:p>
-        </p:txBody>
-      </p:sp>
-      <p:pic>
-        <p:nvPicPr>
-          <p:cNvPr id="5" name="Graphic 4" descr="Checklist RTL">
-            <a:extLst>
-              <a:ext uri="{FF2B5EF4-FFF2-40B4-BE49-F238E27FC236}">
-                <a16:creationId xmlns:a16="http://schemas.microsoft.com/office/drawing/2014/main" id="{7621C025-4BD5-4BC8-A323-4F1C6AEDDE6B}"/>
-              </a:ext>
-            </a:extLst>
-          </p:cNvPr>
-          <p:cNvPicPr>
-            <a:picLocks noChangeAspect="1"/>
-          </p:cNvPicPr>
-          <p:nvPr/>
-        </p:nvPicPr>
-        <p:blipFill>
-          <a:blip r:embed="rId2">
-            <a:extLst>
-              <a:ext uri="{28A0092B-C50C-407E-A947-70E740481C1C}">
-                <a14:useLocalDpi xmlns:a14="http://schemas.microsoft.com/office/drawing/2010/main" val="0"/>
-              </a:ext>
-              <a:ext uri="{96DAC541-7B7A-43D3-8B79-37D633B846F1}">
-                <asvg:svgBlip xmlns:asvg="http://schemas.microsoft.com/office/drawing/2016/SVG/main" r:embed="rId3"/>
-              </a:ext>
-            </a:extLst>
-          </a:blip>
-          <a:stretch>
-            <a:fillRect/>
-          </a:stretch>
-        </p:blipFill>
-        <p:spPr>
-          <a:xfrm>
-            <a:off x="7726017" y="3429000"/>
-            <a:ext cx="914400" cy="914400"/>
-          </a:xfrm>
-          <a:prstGeom prst="rect">
-            <a:avLst/>
-          </a:prstGeom>
-        </p:spPr>
-      </p:pic>
-      <p:pic>
-        <p:nvPicPr>
-          <p:cNvPr id="7" name="Graphic 6" descr="Group brainstorm">
-            <a:extLst>
-              <a:ext uri="{FF2B5EF4-FFF2-40B4-BE49-F238E27FC236}">
-                <a16:creationId xmlns:a16="http://schemas.microsoft.com/office/drawing/2014/main" id="{8A98F84C-6D5D-459B-8E7B-B56E5187CB05}"/>
-              </a:ext>
-            </a:extLst>
-          </p:cNvPr>
-          <p:cNvPicPr>
-            <a:picLocks noChangeAspect="1"/>
-          </p:cNvPicPr>
-          <p:nvPr/>
-        </p:nvPicPr>
-        <p:blipFill>
-          <a:blip r:embed="rId4">
-            <a:extLst>
-              <a:ext uri="{28A0092B-C50C-407E-A947-70E740481C1C}">
-                <a14:useLocalDpi xmlns:a14="http://schemas.microsoft.com/office/drawing/2010/main" val="0"/>
-              </a:ext>
-              <a:ext uri="{96DAC541-7B7A-43D3-8B79-37D633B846F1}">
-                <asvg:svgBlip xmlns:asvg="http://schemas.microsoft.com/office/drawing/2016/SVG/main" r:embed="rId5"/>
-              </a:ext>
-            </a:extLst>
-          </a:blip>
-          <a:stretch>
-            <a:fillRect/>
-          </a:stretch>
-        </p:blipFill>
-        <p:spPr>
-          <a:xfrm>
-            <a:off x="5451613" y="5067631"/>
-            <a:ext cx="914400" cy="914400"/>
-          </a:xfrm>
-          <a:prstGeom prst="rect">
-            <a:avLst/>
-          </a:prstGeom>
-        </p:spPr>
-      </p:pic>
-      <p:pic>
-        <p:nvPicPr>
-          <p:cNvPr id="9" name="Graphic 8" descr="Graduation cap">
-            <a:extLst>
-              <a:ext uri="{FF2B5EF4-FFF2-40B4-BE49-F238E27FC236}">
-                <a16:creationId xmlns:a16="http://schemas.microsoft.com/office/drawing/2014/main" id="{86B2C2FA-CA6F-4E93-B838-5AB37E2CAEF9}"/>
-              </a:ext>
-            </a:extLst>
-          </p:cNvPr>
-          <p:cNvPicPr>
-            <a:picLocks noChangeAspect="1"/>
-          </p:cNvPicPr>
-          <p:nvPr/>
-        </p:nvPicPr>
-        <p:blipFill>
-          <a:blip r:embed="rId6">
-            <a:extLst>
-              <a:ext uri="{28A0092B-C50C-407E-A947-70E740481C1C}">
-                <a14:useLocalDpi xmlns:a14="http://schemas.microsoft.com/office/drawing/2010/main" val="0"/>
-              </a:ext>
-              <a:ext uri="{96DAC541-7B7A-43D3-8B79-37D633B846F1}">
-                <asvg:svgBlip xmlns:asvg="http://schemas.microsoft.com/office/drawing/2016/SVG/main" r:embed="rId7"/>
-              </a:ext>
-            </a:extLst>
-          </a:blip>
-          <a:stretch>
-            <a:fillRect/>
-          </a:stretch>
-        </p:blipFill>
-        <p:spPr>
-          <a:xfrm>
-            <a:off x="10307793" y="4153231"/>
-            <a:ext cx="914400" cy="914400"/>
-          </a:xfrm>
-          <a:prstGeom prst="rect">
-            <a:avLst/>
-          </a:prstGeom>
-        </p:spPr>
-      </p:pic>
-    </p:spTree>
-    <p:extLst>
-      <p:ext uri="{BB962C8B-B14F-4D97-AF65-F5344CB8AC3E}">
-        <p14:creationId xmlns:p14="http://schemas.microsoft.com/office/powerpoint/2010/main" val="2820512620"/>
-      </p:ext>
-    </p:extLst>
-  </p:cSld>
-  <p:clrMapOvr>
-    <a:masterClrMapping/>
-  </p:clrMapOvr>
-  <p:timing>
-    <p:tnLst>
-      <p:par>
-        <p:cTn id="1" dur="indefinite" restart="never" nodeType="tmRoot">
-          <p:childTnLst>
-            <p:seq concurrent="1" nextAc="seek">
-              <p:cTn id="2" dur="indefinite" nodeType="mainSeq">
-                <p:childTnLst>
-                  <p:par>
-                    <p:cTn id="3" fill="hold">
-                      <p:stCondLst>
-                        <p:cond delay="indefinite"/>
-                      </p:stCondLst>
-                      <p:childTnLst>
-                        <p:par>
-                          <p:cTn id="4" fill="hold">
-                            <p:stCondLst>
-                              <p:cond delay="0"/>
-                            </p:stCondLst>
-                            <p:childTnLst>
-                              <p:par>
-                                <p:cTn id="5" presetID="1" presetClass="entr" presetSubtype="0" fill="hold" nodeType="clickEffect">
-                                  <p:stCondLst>
-                                    <p:cond delay="0"/>
-                                  </p:stCondLst>
-                                  <p:childTnLst>
-                                    <p:set>
-                                      <p:cBhvr>
-                                        <p:cTn id="6" dur="1" fill="hold">
-                                          <p:stCondLst>
-                                            <p:cond delay="0"/>
-                                          </p:stCondLst>
-                                        </p:cTn>
-                                        <p:tgtEl>
-                                          <p:spTgt spid="3">
-                                            <p:txEl>
-                                              <p:pRg st="3" end="3"/>
-                                            </p:txEl>
-                                          </p:spTgt>
-                                        </p:tgtEl>
-                                        <p:attrNameLst>
-                                          <p:attrName>style.visibility</p:attrName>
-                                        </p:attrNameLst>
-                                      </p:cBhvr>
-                                      <p:to>
-                                        <p:strVal val="visible"/>
-                                      </p:to>
-                                    </p:set>
-                                  </p:childTnLst>
-                                </p:cTn>
-                              </p:par>
-                              <p:par>
-                                <p:cTn id="7" presetID="1" presetClass="entr" presetSubtype="0" fill="hold" nodeType="withEffect">
-                                  <p:stCondLst>
-                                    <p:cond delay="0"/>
-                                  </p:stCondLst>
-                                  <p:childTnLst>
-                                    <p:set>
-                                      <p:cBhvr>
-                                        <p:cTn id="8" dur="1" fill="hold">
-                                          <p:stCondLst>
-                                            <p:cond delay="0"/>
-                                          </p:stCondLst>
-                                        </p:cTn>
-                                        <p:tgtEl>
-                                          <p:spTgt spid="5"/>
-                                        </p:tgtEl>
-                                        <p:attrNameLst>
-                                          <p:attrName>style.visibility</p:attrName>
-                                        </p:attrNameLst>
-                                      </p:cBhvr>
-                                      <p:to>
-                                        <p:strVal val="visible"/>
-                                      </p:to>
-                                    </p:set>
-                                  </p:childTnLst>
-                                </p:cTn>
-                              </p:par>
-                            </p:childTnLst>
-                          </p:cTn>
-                        </p:par>
-                      </p:childTnLst>
-                    </p:cTn>
-                  </p:par>
-                  <p:par>
-                    <p:cTn id="9" fill="hold">
-                      <p:stCondLst>
-                        <p:cond delay="indefinite"/>
-                      </p:stCondLst>
-                      <p:childTnLst>
-                        <p:par>
-                          <p:cTn id="10" fill="hold">
-                            <p:stCondLst>
-                              <p:cond delay="0"/>
-                            </p:stCondLst>
-                            <p:childTnLst>
-                              <p:par>
-                                <p:cTn id="11" presetID="1" presetClass="entr" presetSubtype="0" fill="hold" nodeType="clickEffect">
-                                  <p:stCondLst>
-                                    <p:cond delay="0"/>
-                                  </p:stCondLst>
-                                  <p:childTnLst>
-                                    <p:set>
-                                      <p:cBhvr>
-                                        <p:cTn id="12" dur="1" fill="hold">
-                                          <p:stCondLst>
-                                            <p:cond delay="0"/>
-                                          </p:stCondLst>
-                                        </p:cTn>
-                                        <p:tgtEl>
-                                          <p:spTgt spid="3">
-                                            <p:txEl>
-                                              <p:pRg st="4" end="4"/>
-                                            </p:txEl>
-                                          </p:spTgt>
-                                        </p:tgtEl>
-                                        <p:attrNameLst>
-                                          <p:attrName>style.visibility</p:attrName>
-                                        </p:attrNameLst>
-                                      </p:cBhvr>
-                                      <p:to>
-                                        <p:strVal val="visible"/>
-                                      </p:to>
-                                    </p:set>
-                                  </p:childTnLst>
-                                </p:cTn>
-                              </p:par>
-                              <p:par>
-                                <p:cTn id="13" presetID="1" presetClass="entr" presetSubtype="0" fill="hold" nodeType="withEffect">
-                                  <p:stCondLst>
-                                    <p:cond delay="0"/>
-                                  </p:stCondLst>
-                                  <p:childTnLst>
-                                    <p:set>
-                                      <p:cBhvr>
-                                        <p:cTn id="14" dur="1" fill="hold">
-                                          <p:stCondLst>
-                                            <p:cond delay="0"/>
-                                          </p:stCondLst>
-                                        </p:cTn>
-                                        <p:tgtEl>
-                                          <p:spTgt spid="9"/>
-                                        </p:tgtEl>
-                                        <p:attrNameLst>
-                                          <p:attrName>style.visibility</p:attrName>
-                                        </p:attrNameLst>
-                                      </p:cBhvr>
-                                      <p:to>
-                                        <p:strVal val="visible"/>
-                                      </p:to>
-                                    </p:set>
-                                  </p:childTnLst>
-                                </p:cTn>
-                              </p:par>
-                            </p:childTnLst>
-                          </p:cTn>
-                        </p:par>
-                      </p:childTnLst>
-                    </p:cTn>
-                  </p:par>
-                  <p:par>
-                    <p:cTn id="15" fill="hold">
-                      <p:stCondLst>
-                        <p:cond delay="indefinite"/>
-                      </p:stCondLst>
-                      <p:childTnLst>
-                        <p:par>
-                          <p:cTn id="16" fill="hold">
-                            <p:stCondLst>
-                              <p:cond delay="0"/>
-                            </p:stCondLst>
-                            <p:childTnLst>
-                              <p:par>
-                                <p:cTn id="17" presetID="1" presetClass="entr" presetSubtype="0" fill="hold" nodeType="clickEffect">
-                                  <p:stCondLst>
-                                    <p:cond delay="0"/>
-                                  </p:stCondLst>
-                                  <p:childTnLst>
-                                    <p:set>
-                                      <p:cBhvr>
-                                        <p:cTn id="18" dur="1" fill="hold">
-                                          <p:stCondLst>
-                                            <p:cond delay="0"/>
-                                          </p:stCondLst>
-                                        </p:cTn>
-                                        <p:tgtEl>
-                                          <p:spTgt spid="3">
-                                            <p:txEl>
-                                              <p:pRg st="5" end="5"/>
-                                            </p:txEl>
-                                          </p:spTgt>
-                                        </p:tgtEl>
-                                        <p:attrNameLst>
-                                          <p:attrName>style.visibility</p:attrName>
-                                        </p:attrNameLst>
-                                      </p:cBhvr>
-                                      <p:to>
-                                        <p:strVal val="visible"/>
-                                      </p:to>
-                                    </p:set>
-                                  </p:childTnLst>
-                                </p:cTn>
-                              </p:par>
-                              <p:par>
-                                <p:cTn id="19" presetID="1" presetClass="entr" presetSubtype="0" fill="hold" nodeType="withEffect">
-                                  <p:stCondLst>
-                                    <p:cond delay="0"/>
-                                  </p:stCondLst>
-                                  <p:childTnLst>
-                                    <p:set>
-                                      <p:cBhvr>
-                                        <p:cTn id="20" dur="1" fill="hold">
-                                          <p:stCondLst>
-                                            <p:cond delay="0"/>
-                                          </p:stCondLst>
-                                        </p:cTn>
-                                        <p:tgtEl>
-                                          <p:spTgt spid="7"/>
-                                        </p:tgtEl>
-                                        <p:attrNameLst>
-                                          <p:attrName>style.visibility</p:attrName>
-                                        </p:attrNameLst>
-                                      </p:cBhvr>
-                                      <p:to>
-                                        <p:strVal val="visible"/>
-                                      </p:to>
-                                    </p:set>
-                                  </p:childTnLst>
-                                </p:cTn>
-                              </p:par>
-                            </p:childTnLst>
-                          </p:cTn>
-                        </p:par>
-                      </p:childTnLst>
-                    </p:cTn>
-                  </p:par>
-                </p:childTnLst>
-              </p:cTn>
-              <p:prevCondLst>
-                <p:cond evt="onPrev" delay="0">
-                  <p:tgtEl>
-                    <p:sldTgt/>
-                  </p:tgtEl>
-                </p:cond>
-              </p:prevCondLst>
-              <p:nextCondLst>
-                <p:cond evt="onNext" delay="0">
-                  <p:tgtEl>
-                    <p:sldTgt/>
-                  </p:tgtEl>
-                </p:cond>
-              </p:nextCondLst>
-            </p:seq>
-          </p:childTnLst>
-        </p:cTn>
-      </p:par>
-    </p:tnLst>
-  </p:timing>
 </p:sld>
 </file>
 
@@ -17381,6 +17284,579 @@
           <p:cNvPr id="2" name="Title 1">
             <a:extLst>
               <a:ext uri="{FF2B5EF4-FFF2-40B4-BE49-F238E27FC236}">
+                <a16:creationId xmlns:a16="http://schemas.microsoft.com/office/drawing/2014/main" id="{D3F297B5-4DAA-4350-84A2-D2ECF9AD3762}"/>
+              </a:ext>
+            </a:extLst>
+          </p:cNvPr>
+          <p:cNvSpPr>
+            <a:spLocks noGrp="1"/>
+          </p:cNvSpPr>
+          <p:nvPr>
+            <p:ph type="title"/>
+          </p:nvPr>
+        </p:nvSpPr>
+        <p:spPr/>
+        <p:txBody>
+          <a:bodyPr/>
+          <a:lstStyle/>
+          <a:p>
+            <a:r>
+              <a:rPr lang="es-MX" dirty="0"/>
+              <a:t>Pseudocódigo</a:t>
+            </a:r>
+            <a:endParaRPr lang="en-US" dirty="0"/>
+          </a:p>
+        </p:txBody>
+      </p:sp>
+      <p:sp>
+        <p:nvSpPr>
+          <p:cNvPr id="3" name="Content Placeholder 2">
+            <a:extLst>
+              <a:ext uri="{FF2B5EF4-FFF2-40B4-BE49-F238E27FC236}">
+                <a16:creationId xmlns:a16="http://schemas.microsoft.com/office/drawing/2014/main" id="{CD9FF62F-B660-4422-A583-29A719C1BEC8}"/>
+              </a:ext>
+            </a:extLst>
+          </p:cNvPr>
+          <p:cNvSpPr>
+            <a:spLocks noGrp="1"/>
+          </p:cNvSpPr>
+          <p:nvPr>
+            <p:ph idx="1"/>
+          </p:nvPr>
+        </p:nvSpPr>
+        <p:spPr/>
+        <p:txBody>
+          <a:bodyPr/>
+          <a:lstStyle/>
+          <a:p>
+            <a:pPr marL="0" indent="0">
+              <a:buNone/>
+            </a:pPr>
+            <a:r>
+              <a:rPr lang="es-MX" dirty="0"/>
+              <a:t>El pseudocódigo es una descripción de alto nivel de un algoritmo. Utiliza ciertas convenciones de la programación, pero la intención es que sea </a:t>
+            </a:r>
+            <a:r>
+              <a:rPr lang="es-MX" b="1" dirty="0">
+                <a:solidFill>
+                  <a:schemeClr val="accent1"/>
+                </a:solidFill>
+              </a:rPr>
+              <a:t>entendible para los humanos.</a:t>
+            </a:r>
+            <a:endParaRPr lang="es-MX" dirty="0">
+              <a:solidFill>
+                <a:schemeClr val="accent1"/>
+              </a:solidFill>
+            </a:endParaRPr>
+          </a:p>
+          <a:p>
+            <a:pPr marL="0" indent="0">
+              <a:buNone/>
+            </a:pPr>
+            <a:endParaRPr lang="es-MX" dirty="0"/>
+          </a:p>
+          <a:p>
+            <a:pPr marL="0" indent="0">
+              <a:buNone/>
+            </a:pPr>
+            <a:r>
+              <a:rPr lang="es-MX" dirty="0"/>
+              <a:t>El pseudocódigo generalmente se utiliza para:</a:t>
+            </a:r>
+          </a:p>
+          <a:p>
+            <a:r>
+              <a:rPr lang="es-MX" b="1" dirty="0">
+                <a:solidFill>
+                  <a:schemeClr val="accent1"/>
+                </a:solidFill>
+              </a:rPr>
+              <a:t>Describir cómo</a:t>
+            </a:r>
+            <a:r>
+              <a:rPr lang="es-MX" dirty="0">
+                <a:solidFill>
+                  <a:schemeClr val="accent1"/>
+                </a:solidFill>
+              </a:rPr>
+              <a:t> </a:t>
+            </a:r>
+            <a:r>
+              <a:rPr lang="es-MX" b="1" dirty="0">
+                <a:solidFill>
+                  <a:schemeClr val="accent1"/>
+                </a:solidFill>
+              </a:rPr>
+              <a:t>funciona</a:t>
+            </a:r>
+            <a:r>
+              <a:rPr lang="es-MX" dirty="0"/>
+              <a:t> un algoritmo. </a:t>
+            </a:r>
+            <a:br>
+              <a:rPr lang="es-MX" dirty="0"/>
+            </a:br>
+            <a:endParaRPr lang="es-MX" dirty="0"/>
+          </a:p>
+          <a:p>
+            <a:r>
+              <a:rPr lang="es-MX" dirty="0"/>
+              <a:t>Explicar un proceso computacional a </a:t>
+            </a:r>
+            <a:r>
+              <a:rPr lang="es-MX" b="1" dirty="0">
+                <a:solidFill>
+                  <a:schemeClr val="accent1"/>
+                </a:solidFill>
+              </a:rPr>
+              <a:t>gente no técnica</a:t>
+            </a:r>
+            <a:r>
+              <a:rPr lang="es-MX" dirty="0"/>
+              <a:t>.</a:t>
+            </a:r>
+            <a:br>
+              <a:rPr lang="es-MX" dirty="0"/>
+            </a:br>
+            <a:endParaRPr lang="es-MX" dirty="0"/>
+          </a:p>
+          <a:p>
+            <a:r>
+              <a:rPr lang="es-MX" dirty="0"/>
+              <a:t>Diseñar </a:t>
+            </a:r>
+            <a:r>
+              <a:rPr lang="es-MX" b="1" dirty="0">
+                <a:solidFill>
+                  <a:schemeClr val="accent1"/>
+                </a:solidFill>
+              </a:rPr>
+              <a:t>código en grupo</a:t>
+            </a:r>
+            <a:r>
+              <a:rPr lang="es-MX" dirty="0"/>
+              <a:t>.</a:t>
+            </a:r>
+          </a:p>
+          <a:p>
+            <a:pPr marL="0" indent="0">
+              <a:buNone/>
+            </a:pPr>
+            <a:endParaRPr lang="en-US" dirty="0"/>
+          </a:p>
+        </p:txBody>
+      </p:sp>
+      <p:pic>
+        <p:nvPicPr>
+          <p:cNvPr id="5" name="Graphic 4" descr="Checklist RTL">
+            <a:extLst>
+              <a:ext uri="{FF2B5EF4-FFF2-40B4-BE49-F238E27FC236}">
+                <a16:creationId xmlns:a16="http://schemas.microsoft.com/office/drawing/2014/main" id="{7621C025-4BD5-4BC8-A323-4F1C6AEDDE6B}"/>
+              </a:ext>
+            </a:extLst>
+          </p:cNvPr>
+          <p:cNvPicPr>
+            <a:picLocks noChangeAspect="1"/>
+          </p:cNvPicPr>
+          <p:nvPr/>
+        </p:nvPicPr>
+        <p:blipFill>
+          <a:blip r:embed="rId2">
+            <a:extLst>
+              <a:ext uri="{28A0092B-C50C-407E-A947-70E740481C1C}">
+                <a14:useLocalDpi xmlns:a14="http://schemas.microsoft.com/office/drawing/2010/main" val="0"/>
+              </a:ext>
+              <a:ext uri="{96DAC541-7B7A-43D3-8B79-37D633B846F1}">
+                <asvg:svgBlip xmlns:asvg="http://schemas.microsoft.com/office/drawing/2016/SVG/main" r:embed="rId3"/>
+              </a:ext>
+            </a:extLst>
+          </a:blip>
+          <a:stretch>
+            <a:fillRect/>
+          </a:stretch>
+        </p:blipFill>
+        <p:spPr>
+          <a:xfrm>
+            <a:off x="7726017" y="3429000"/>
+            <a:ext cx="914400" cy="914400"/>
+          </a:xfrm>
+          <a:prstGeom prst="rect">
+            <a:avLst/>
+          </a:prstGeom>
+        </p:spPr>
+      </p:pic>
+      <p:pic>
+        <p:nvPicPr>
+          <p:cNvPr id="7" name="Graphic 6" descr="Group brainstorm">
+            <a:extLst>
+              <a:ext uri="{FF2B5EF4-FFF2-40B4-BE49-F238E27FC236}">
+                <a16:creationId xmlns:a16="http://schemas.microsoft.com/office/drawing/2014/main" id="{8A98F84C-6D5D-459B-8E7B-B56E5187CB05}"/>
+              </a:ext>
+            </a:extLst>
+          </p:cNvPr>
+          <p:cNvPicPr>
+            <a:picLocks noChangeAspect="1"/>
+          </p:cNvPicPr>
+          <p:nvPr/>
+        </p:nvPicPr>
+        <p:blipFill>
+          <a:blip r:embed="rId4">
+            <a:extLst>
+              <a:ext uri="{28A0092B-C50C-407E-A947-70E740481C1C}">
+                <a14:useLocalDpi xmlns:a14="http://schemas.microsoft.com/office/drawing/2010/main" val="0"/>
+              </a:ext>
+              <a:ext uri="{96DAC541-7B7A-43D3-8B79-37D633B846F1}">
+                <asvg:svgBlip xmlns:asvg="http://schemas.microsoft.com/office/drawing/2016/SVG/main" r:embed="rId5"/>
+              </a:ext>
+            </a:extLst>
+          </a:blip>
+          <a:stretch>
+            <a:fillRect/>
+          </a:stretch>
+        </p:blipFill>
+        <p:spPr>
+          <a:xfrm>
+            <a:off x="5451613" y="5067631"/>
+            <a:ext cx="914400" cy="914400"/>
+          </a:xfrm>
+          <a:prstGeom prst="rect">
+            <a:avLst/>
+          </a:prstGeom>
+        </p:spPr>
+      </p:pic>
+      <p:pic>
+        <p:nvPicPr>
+          <p:cNvPr id="9" name="Graphic 8" descr="Graduation cap">
+            <a:extLst>
+              <a:ext uri="{FF2B5EF4-FFF2-40B4-BE49-F238E27FC236}">
+                <a16:creationId xmlns:a16="http://schemas.microsoft.com/office/drawing/2014/main" id="{86B2C2FA-CA6F-4E93-B838-5AB37E2CAEF9}"/>
+              </a:ext>
+            </a:extLst>
+          </p:cNvPr>
+          <p:cNvPicPr>
+            <a:picLocks noChangeAspect="1"/>
+          </p:cNvPicPr>
+          <p:nvPr/>
+        </p:nvPicPr>
+        <p:blipFill>
+          <a:blip r:embed="rId6">
+            <a:extLst>
+              <a:ext uri="{28A0092B-C50C-407E-A947-70E740481C1C}">
+                <a14:useLocalDpi xmlns:a14="http://schemas.microsoft.com/office/drawing/2010/main" val="0"/>
+              </a:ext>
+              <a:ext uri="{96DAC541-7B7A-43D3-8B79-37D633B846F1}">
+                <asvg:svgBlip xmlns:asvg="http://schemas.microsoft.com/office/drawing/2016/SVG/main" r:embed="rId7"/>
+              </a:ext>
+            </a:extLst>
+          </a:blip>
+          <a:stretch>
+            <a:fillRect/>
+          </a:stretch>
+        </p:blipFill>
+        <p:spPr>
+          <a:xfrm>
+            <a:off x="10307793" y="4153231"/>
+            <a:ext cx="914400" cy="914400"/>
+          </a:xfrm>
+          <a:prstGeom prst="rect">
+            <a:avLst/>
+          </a:prstGeom>
+        </p:spPr>
+      </p:pic>
+    </p:spTree>
+    <p:extLst>
+      <p:ext uri="{BB962C8B-B14F-4D97-AF65-F5344CB8AC3E}">
+        <p14:creationId xmlns:p14="http://schemas.microsoft.com/office/powerpoint/2010/main" val="2820512620"/>
+      </p:ext>
+    </p:extLst>
+  </p:cSld>
+  <p:clrMapOvr>
+    <a:masterClrMapping/>
+  </p:clrMapOvr>
+  <p:timing>
+    <p:tnLst>
+      <p:par>
+        <p:cTn id="1" dur="indefinite" restart="never" nodeType="tmRoot">
+          <p:childTnLst>
+            <p:seq concurrent="1" nextAc="seek">
+              <p:cTn id="2" dur="indefinite" nodeType="mainSeq">
+                <p:childTnLst>
+                  <p:par>
+                    <p:cTn id="3" fill="hold">
+                      <p:stCondLst>
+                        <p:cond delay="indefinite"/>
+                      </p:stCondLst>
+                      <p:childTnLst>
+                        <p:par>
+                          <p:cTn id="4" fill="hold">
+                            <p:stCondLst>
+                              <p:cond delay="0"/>
+                            </p:stCondLst>
+                            <p:childTnLst>
+                              <p:par>
+                                <p:cTn id="5" presetID="1" presetClass="entr" presetSubtype="0" fill="hold" nodeType="clickEffect">
+                                  <p:stCondLst>
+                                    <p:cond delay="0"/>
+                                  </p:stCondLst>
+                                  <p:childTnLst>
+                                    <p:set>
+                                      <p:cBhvr>
+                                        <p:cTn id="6" dur="1" fill="hold">
+                                          <p:stCondLst>
+                                            <p:cond delay="0"/>
+                                          </p:stCondLst>
+                                        </p:cTn>
+                                        <p:tgtEl>
+                                          <p:spTgt spid="3">
+                                            <p:txEl>
+                                              <p:pRg st="3" end="3"/>
+                                            </p:txEl>
+                                          </p:spTgt>
+                                        </p:tgtEl>
+                                        <p:attrNameLst>
+                                          <p:attrName>style.visibility</p:attrName>
+                                        </p:attrNameLst>
+                                      </p:cBhvr>
+                                      <p:to>
+                                        <p:strVal val="visible"/>
+                                      </p:to>
+                                    </p:set>
+                                  </p:childTnLst>
+                                </p:cTn>
+                              </p:par>
+                              <p:par>
+                                <p:cTn id="7" presetID="1" presetClass="entr" presetSubtype="0" fill="hold" nodeType="withEffect">
+                                  <p:stCondLst>
+                                    <p:cond delay="0"/>
+                                  </p:stCondLst>
+                                  <p:childTnLst>
+                                    <p:set>
+                                      <p:cBhvr>
+                                        <p:cTn id="8" dur="1" fill="hold">
+                                          <p:stCondLst>
+                                            <p:cond delay="0"/>
+                                          </p:stCondLst>
+                                        </p:cTn>
+                                        <p:tgtEl>
+                                          <p:spTgt spid="5"/>
+                                        </p:tgtEl>
+                                        <p:attrNameLst>
+                                          <p:attrName>style.visibility</p:attrName>
+                                        </p:attrNameLst>
+                                      </p:cBhvr>
+                                      <p:to>
+                                        <p:strVal val="visible"/>
+                                      </p:to>
+                                    </p:set>
+                                  </p:childTnLst>
+                                </p:cTn>
+                              </p:par>
+                            </p:childTnLst>
+                          </p:cTn>
+                        </p:par>
+                      </p:childTnLst>
+                    </p:cTn>
+                  </p:par>
+                  <p:par>
+                    <p:cTn id="9" fill="hold">
+                      <p:stCondLst>
+                        <p:cond delay="indefinite"/>
+                      </p:stCondLst>
+                      <p:childTnLst>
+                        <p:par>
+                          <p:cTn id="10" fill="hold">
+                            <p:stCondLst>
+                              <p:cond delay="0"/>
+                            </p:stCondLst>
+                            <p:childTnLst>
+                              <p:par>
+                                <p:cTn id="11" presetID="1" presetClass="entr" presetSubtype="0" fill="hold" nodeType="clickEffect">
+                                  <p:stCondLst>
+                                    <p:cond delay="0"/>
+                                  </p:stCondLst>
+                                  <p:childTnLst>
+                                    <p:set>
+                                      <p:cBhvr>
+                                        <p:cTn id="12" dur="1" fill="hold">
+                                          <p:stCondLst>
+                                            <p:cond delay="0"/>
+                                          </p:stCondLst>
+                                        </p:cTn>
+                                        <p:tgtEl>
+                                          <p:spTgt spid="3">
+                                            <p:txEl>
+                                              <p:pRg st="4" end="4"/>
+                                            </p:txEl>
+                                          </p:spTgt>
+                                        </p:tgtEl>
+                                        <p:attrNameLst>
+                                          <p:attrName>style.visibility</p:attrName>
+                                        </p:attrNameLst>
+                                      </p:cBhvr>
+                                      <p:to>
+                                        <p:strVal val="visible"/>
+                                      </p:to>
+                                    </p:set>
+                                  </p:childTnLst>
+                                </p:cTn>
+                              </p:par>
+                              <p:par>
+                                <p:cTn id="13" presetID="1" presetClass="entr" presetSubtype="0" fill="hold" nodeType="withEffect">
+                                  <p:stCondLst>
+                                    <p:cond delay="0"/>
+                                  </p:stCondLst>
+                                  <p:childTnLst>
+                                    <p:set>
+                                      <p:cBhvr>
+                                        <p:cTn id="14" dur="1" fill="hold">
+                                          <p:stCondLst>
+                                            <p:cond delay="0"/>
+                                          </p:stCondLst>
+                                        </p:cTn>
+                                        <p:tgtEl>
+                                          <p:spTgt spid="9"/>
+                                        </p:tgtEl>
+                                        <p:attrNameLst>
+                                          <p:attrName>style.visibility</p:attrName>
+                                        </p:attrNameLst>
+                                      </p:cBhvr>
+                                      <p:to>
+                                        <p:strVal val="visible"/>
+                                      </p:to>
+                                    </p:set>
+                                  </p:childTnLst>
+                                </p:cTn>
+                              </p:par>
+                            </p:childTnLst>
+                          </p:cTn>
+                        </p:par>
+                      </p:childTnLst>
+                    </p:cTn>
+                  </p:par>
+                  <p:par>
+                    <p:cTn id="15" fill="hold">
+                      <p:stCondLst>
+                        <p:cond delay="indefinite"/>
+                      </p:stCondLst>
+                      <p:childTnLst>
+                        <p:par>
+                          <p:cTn id="16" fill="hold">
+                            <p:stCondLst>
+                              <p:cond delay="0"/>
+                            </p:stCondLst>
+                            <p:childTnLst>
+                              <p:par>
+                                <p:cTn id="17" presetID="1" presetClass="entr" presetSubtype="0" fill="hold" nodeType="clickEffect">
+                                  <p:stCondLst>
+                                    <p:cond delay="0"/>
+                                  </p:stCondLst>
+                                  <p:childTnLst>
+                                    <p:set>
+                                      <p:cBhvr>
+                                        <p:cTn id="18" dur="1" fill="hold">
+                                          <p:stCondLst>
+                                            <p:cond delay="0"/>
+                                          </p:stCondLst>
+                                        </p:cTn>
+                                        <p:tgtEl>
+                                          <p:spTgt spid="3">
+                                            <p:txEl>
+                                              <p:pRg st="5" end="5"/>
+                                            </p:txEl>
+                                          </p:spTgt>
+                                        </p:tgtEl>
+                                        <p:attrNameLst>
+                                          <p:attrName>style.visibility</p:attrName>
+                                        </p:attrNameLst>
+                                      </p:cBhvr>
+                                      <p:to>
+                                        <p:strVal val="visible"/>
+                                      </p:to>
+                                    </p:set>
+                                  </p:childTnLst>
+                                </p:cTn>
+                              </p:par>
+                              <p:par>
+                                <p:cTn id="19" presetID="1" presetClass="entr" presetSubtype="0" fill="hold" nodeType="withEffect">
+                                  <p:stCondLst>
+                                    <p:cond delay="0"/>
+                                  </p:stCondLst>
+                                  <p:childTnLst>
+                                    <p:set>
+                                      <p:cBhvr>
+                                        <p:cTn id="20" dur="1" fill="hold">
+                                          <p:stCondLst>
+                                            <p:cond delay="0"/>
+                                          </p:stCondLst>
+                                        </p:cTn>
+                                        <p:tgtEl>
+                                          <p:spTgt spid="7"/>
+                                        </p:tgtEl>
+                                        <p:attrNameLst>
+                                          <p:attrName>style.visibility</p:attrName>
+                                        </p:attrNameLst>
+                                      </p:cBhvr>
+                                      <p:to>
+                                        <p:strVal val="visible"/>
+                                      </p:to>
+                                    </p:set>
+                                  </p:childTnLst>
+                                </p:cTn>
+                              </p:par>
+                            </p:childTnLst>
+                          </p:cTn>
+                        </p:par>
+                      </p:childTnLst>
+                    </p:cTn>
+                  </p:par>
+                </p:childTnLst>
+              </p:cTn>
+              <p:prevCondLst>
+                <p:cond evt="onPrev" delay="0">
+                  <p:tgtEl>
+                    <p:sldTgt/>
+                  </p:tgtEl>
+                </p:cond>
+              </p:prevCondLst>
+              <p:nextCondLst>
+                <p:cond evt="onNext" delay="0">
+                  <p:tgtEl>
+                    <p:sldTgt/>
+                  </p:tgtEl>
+                </p:cond>
+              </p:nextCondLst>
+            </p:seq>
+          </p:childTnLst>
+        </p:cTn>
+      </p:par>
+    </p:tnLst>
+  </p:timing>
+</p:sld>
+</file>
+
+<file path=ppt/slides/slide41.xml><?xml version="1.0" encoding="utf-8"?>
+<p:sld xmlns:a="http://schemas.openxmlformats.org/drawingml/2006/main" xmlns:r="http://schemas.openxmlformats.org/officeDocument/2006/relationships" xmlns:p="http://schemas.openxmlformats.org/presentationml/2006/main">
+  <p:cSld>
+    <p:spTree>
+      <p:nvGrpSpPr>
+        <p:cNvPr id="1" name=""/>
+        <p:cNvGrpSpPr/>
+        <p:nvPr/>
+      </p:nvGrpSpPr>
+      <p:grpSpPr>
+        <a:xfrm>
+          <a:off x="0" y="0"/>
+          <a:ext cx="0" cy="0"/>
+          <a:chOff x="0" y="0"/>
+          <a:chExt cx="0" cy="0"/>
+        </a:xfrm>
+      </p:grpSpPr>
+      <p:sp>
+        <p:nvSpPr>
+          <p:cNvPr id="2" name="Title 1">
+            <a:extLst>
+              <a:ext uri="{FF2B5EF4-FFF2-40B4-BE49-F238E27FC236}">
                 <a16:creationId xmlns:a16="http://schemas.microsoft.com/office/drawing/2014/main" id="{D155E3D4-EE19-4065-9790-F736E9A31EC2}"/>
               </a:ext>
             </a:extLst>
@@ -17570,7 +18046,7 @@
 </p:sld>
 </file>
 
-<file path=ppt/slides/slide41.xml><?xml version="1.0" encoding="utf-8"?>
+<file path=ppt/slides/slide42.xml><?xml version="1.0" encoding="utf-8"?>
 <p:sld xmlns:a="http://schemas.openxmlformats.org/drawingml/2006/main" xmlns:r="http://schemas.openxmlformats.org/officeDocument/2006/relationships" xmlns:p="http://schemas.openxmlformats.org/presentationml/2006/main">
   <p:cSld>
     <p:spTree>
@@ -18242,6 +18718,211 @@
 </p:sld>
 </file>
 
+<file path=ppt/slides/slide43.xml><?xml version="1.0" encoding="utf-8"?>
+<p:sld xmlns:a="http://schemas.openxmlformats.org/drawingml/2006/main" xmlns:r="http://schemas.openxmlformats.org/officeDocument/2006/relationships" xmlns:p="http://schemas.openxmlformats.org/presentationml/2006/main">
+  <p:cSld>
+    <p:spTree>
+      <p:nvGrpSpPr>
+        <p:cNvPr id="1" name=""/>
+        <p:cNvGrpSpPr/>
+        <p:nvPr/>
+      </p:nvGrpSpPr>
+      <p:grpSpPr>
+        <a:xfrm>
+          <a:off x="0" y="0"/>
+          <a:ext cx="0" cy="0"/>
+          <a:chOff x="0" y="0"/>
+          <a:chExt cx="0" cy="0"/>
+        </a:xfrm>
+      </p:grpSpPr>
+      <p:sp>
+        <p:nvSpPr>
+          <p:cNvPr id="3" name="Content Placeholder 2">
+            <a:extLst>
+              <a:ext uri="{FF2B5EF4-FFF2-40B4-BE49-F238E27FC236}">
+                <a16:creationId xmlns:a16="http://schemas.microsoft.com/office/drawing/2014/main" id="{E182FD4A-2711-43A8-A31F-F17D5C78F377}"/>
+              </a:ext>
+            </a:extLst>
+          </p:cNvPr>
+          <p:cNvSpPr>
+            <a:spLocks noGrp="1"/>
+          </p:cNvSpPr>
+          <p:nvPr>
+            <p:ph idx="1"/>
+          </p:nvPr>
+        </p:nvSpPr>
+        <p:spPr/>
+        <p:txBody>
+          <a:bodyPr/>
+          <a:lstStyle/>
+          <a:p>
+            <a:pPr marL="0" indent="0">
+              <a:buNone/>
+            </a:pPr>
+            <a:r>
+              <a:rPr lang="en-US" dirty="0"/>
+              <a:t>SET </a:t>
+            </a:r>
+            <a:r>
+              <a:rPr lang="en-US" dirty="0" err="1"/>
+              <a:t>volumen_vaso</a:t>
+            </a:r>
+            <a:r>
+              <a:rPr lang="en-US" dirty="0"/>
+              <a:t> TO 0</a:t>
+            </a:r>
+          </a:p>
+          <a:p>
+            <a:pPr marL="0" indent="0">
+              <a:buNone/>
+            </a:pPr>
+            <a:r>
+              <a:rPr lang="en-US" dirty="0"/>
+              <a:t>OUTPUT “Escribe el </a:t>
+            </a:r>
+            <a:r>
+              <a:rPr lang="en-US" dirty="0" err="1"/>
+              <a:t>tamaño</a:t>
+            </a:r>
+            <a:r>
+              <a:rPr lang="en-US" dirty="0"/>
+              <a:t> del </a:t>
+            </a:r>
+            <a:r>
+              <a:rPr lang="en-US" dirty="0" err="1"/>
+              <a:t>vaso</a:t>
+            </a:r>
+            <a:r>
+              <a:rPr lang="en-US" dirty="0"/>
+              <a:t> </a:t>
+            </a:r>
+            <a:r>
+              <a:rPr lang="en-US" dirty="0" err="1"/>
+              <a:t>en</a:t>
+            </a:r>
+            <a:r>
+              <a:rPr lang="en-US" dirty="0"/>
+              <a:t> </a:t>
+            </a:r>
+            <a:r>
+              <a:rPr lang="en-US" dirty="0" err="1"/>
+              <a:t>mililitros</a:t>
+            </a:r>
+            <a:r>
+              <a:rPr lang="en-US" dirty="0"/>
+              <a:t> (ml)”</a:t>
+            </a:r>
+          </a:p>
+          <a:p>
+            <a:pPr marL="0" indent="0">
+              <a:buNone/>
+            </a:pPr>
+            <a:r>
+              <a:rPr lang="en-US" dirty="0"/>
+              <a:t>READ </a:t>
+            </a:r>
+            <a:r>
+              <a:rPr lang="en-US" dirty="0" err="1"/>
+              <a:t>tamano_vaso</a:t>
+            </a:r>
+            <a:endParaRPr lang="en-US" dirty="0"/>
+          </a:p>
+          <a:p>
+            <a:pPr marL="0" indent="0">
+              <a:buNone/>
+            </a:pPr>
+            <a:r>
+              <a:rPr lang="en-US" dirty="0"/>
+              <a:t>REPEAT </a:t>
+            </a:r>
+            <a:r>
+              <a:rPr lang="en-US" dirty="0" err="1"/>
+              <a:t>tamano_vaso</a:t>
+            </a:r>
+            <a:r>
+              <a:rPr lang="en-US" dirty="0"/>
+              <a:t> TIMES</a:t>
+            </a:r>
+          </a:p>
+          <a:p>
+            <a:pPr marL="0" indent="0">
+              <a:buNone/>
+            </a:pPr>
+            <a:r>
+              <a:rPr lang="en-US" dirty="0"/>
+              <a:t>	ADD 1 to </a:t>
+            </a:r>
+            <a:r>
+              <a:rPr lang="en-US" dirty="0" err="1"/>
+              <a:t>volumen_vaso</a:t>
+            </a:r>
+            <a:endParaRPr lang="en-US" dirty="0"/>
+          </a:p>
+          <a:p>
+            <a:pPr marL="0" indent="0">
+              <a:buNone/>
+            </a:pPr>
+            <a:r>
+              <a:rPr lang="en-US" dirty="0"/>
+              <a:t>END REPEAT</a:t>
+            </a:r>
+          </a:p>
+          <a:p>
+            <a:pPr marL="0" indent="0">
+              <a:buNone/>
+            </a:pPr>
+            <a:r>
+              <a:rPr lang="en-US" dirty="0"/>
+              <a:t>OUTPUT “El </a:t>
+            </a:r>
+            <a:r>
+              <a:rPr lang="en-US" dirty="0" err="1"/>
+              <a:t>vaso</a:t>
+            </a:r>
+            <a:r>
+              <a:rPr lang="en-US" dirty="0"/>
+              <a:t> </a:t>
+            </a:r>
+            <a:r>
+              <a:rPr lang="en-US" dirty="0" err="1"/>
+              <a:t>tiene</a:t>
+            </a:r>
+            <a:r>
+              <a:rPr lang="en-US" dirty="0"/>
+              <a:t>: “ + </a:t>
+            </a:r>
+            <a:r>
+              <a:rPr lang="en-US" dirty="0" err="1"/>
+              <a:t>volumen_vaso</a:t>
+            </a:r>
+            <a:r>
+              <a:rPr lang="en-US" dirty="0"/>
+              <a:t> + “</a:t>
+            </a:r>
+            <a:r>
+              <a:rPr lang="en-US" dirty="0" err="1"/>
+              <a:t>mililitros</a:t>
+            </a:r>
+            <a:r>
+              <a:rPr lang="en-US" dirty="0"/>
+              <a:t>”</a:t>
+            </a:r>
+          </a:p>
+        </p:txBody>
+      </p:sp>
+    </p:spTree>
+    <p:extLst>
+      <p:ext uri="{BB962C8B-B14F-4D97-AF65-F5344CB8AC3E}">
+        <p14:creationId xmlns:p14="http://schemas.microsoft.com/office/powerpoint/2010/main" val="2174225552"/>
+      </p:ext>
+    </p:extLst>
+  </p:cSld>
+  <p:clrMapOvr>
+    <a:masterClrMapping/>
+  </p:clrMapOvr>
+</p:sld>
+</file>
+
 <file path=ppt/slides/slide5.xml><?xml version="1.0" encoding="utf-8"?>
 <p:sld xmlns:a="http://schemas.openxmlformats.org/drawingml/2006/main" xmlns:r="http://schemas.openxmlformats.org/officeDocument/2006/relationships" xmlns:p="http://schemas.openxmlformats.org/presentationml/2006/main">
   <p:cSld>
@@ -18320,6 +19001,398 @@
 </file>
 
 <file path=ppt/slides/slide6.xml><?xml version="1.0" encoding="utf-8"?>
+<p:sld xmlns:a="http://schemas.openxmlformats.org/drawingml/2006/main" xmlns:r="http://schemas.openxmlformats.org/officeDocument/2006/relationships" xmlns:p="http://schemas.openxmlformats.org/presentationml/2006/main">
+  <p:cSld>
+    <p:spTree>
+      <p:nvGrpSpPr>
+        <p:cNvPr id="1" name=""/>
+        <p:cNvGrpSpPr/>
+        <p:nvPr/>
+      </p:nvGrpSpPr>
+      <p:grpSpPr>
+        <a:xfrm>
+          <a:off x="0" y="0"/>
+          <a:ext cx="0" cy="0"/>
+          <a:chOff x="0" y="0"/>
+          <a:chExt cx="0" cy="0"/>
+        </a:xfrm>
+      </p:grpSpPr>
+      <p:sp>
+        <p:nvSpPr>
+          <p:cNvPr id="3" name="Title 1">
+            <a:extLst>
+              <a:ext uri="{FF2B5EF4-FFF2-40B4-BE49-F238E27FC236}">
+                <a16:creationId xmlns:a16="http://schemas.microsoft.com/office/drawing/2014/main" id="{452CB2C8-1D8F-4303-B119-CF779468E66C}"/>
+              </a:ext>
+            </a:extLst>
+          </p:cNvPr>
+          <p:cNvSpPr txBox="1">
+            <a:spLocks/>
+          </p:cNvSpPr>
+          <p:nvPr/>
+        </p:nvSpPr>
+        <p:spPr>
+          <a:xfrm>
+            <a:off x="838200" y="203958"/>
+            <a:ext cx="11095382" cy="954157"/>
+          </a:xfrm>
+          <a:prstGeom prst="rect">
+            <a:avLst/>
+          </a:prstGeom>
+        </p:spPr>
+        <p:txBody>
+          <a:bodyPr/>
+          <a:lstStyle>
+            <a:lvl1pPr algn="l" defTabSz="914400" rtl="0" eaLnBrk="1" latinLnBrk="0" hangingPunct="1">
+              <a:lnSpc>
+                <a:spcPct val="90000"/>
+              </a:lnSpc>
+              <a:spcBef>
+                <a:spcPct val="0"/>
+              </a:spcBef>
+              <a:buNone/>
+              <a:defRPr sz="4400" b="1" kern="1200">
+                <a:solidFill>
+                  <a:schemeClr val="accent2"/>
+                </a:solidFill>
+                <a:latin typeface="Ubuntu" panose="020B0504030602030204" pitchFamily="34" charset="0"/>
+                <a:ea typeface="+mj-ea"/>
+                <a:cs typeface="Arial" panose="020B0604020202020204" pitchFamily="34" charset="0"/>
+              </a:defRPr>
+            </a:lvl1pPr>
+          </a:lstStyle>
+          <a:p>
+            <a:r>
+              <a:rPr lang="es-MX" dirty="0"/>
+              <a:t>Robot </a:t>
+            </a:r>
+            <a:r>
+              <a:rPr lang="es-MX" dirty="0" err="1"/>
+              <a:t>makes</a:t>
+            </a:r>
+            <a:r>
+              <a:rPr lang="es-MX" dirty="0"/>
+              <a:t> </a:t>
+            </a:r>
+            <a:r>
+              <a:rPr lang="es-MX" dirty="0" err="1"/>
+              <a:t>The</a:t>
+            </a:r>
+            <a:r>
+              <a:rPr lang="es-MX" dirty="0"/>
+              <a:t> </a:t>
+            </a:r>
+            <a:r>
+              <a:rPr lang="es-MX" dirty="0" err="1"/>
+              <a:t>Perfect</a:t>
+            </a:r>
+            <a:r>
+              <a:rPr lang="es-MX" dirty="0"/>
+              <a:t> Burger?</a:t>
+            </a:r>
+            <a:endParaRPr lang="en-US" dirty="0"/>
+          </a:p>
+        </p:txBody>
+      </p:sp>
+      <p:pic>
+        <p:nvPicPr>
+          <p:cNvPr id="4" name="Online Media 3" title="Restaurant's Robot Makes The Perfect Burger">
+            <a:hlinkClick r:id="" action="ppaction://media"/>
+            <a:extLst>
+              <a:ext uri="{FF2B5EF4-FFF2-40B4-BE49-F238E27FC236}">
+                <a16:creationId xmlns:a16="http://schemas.microsoft.com/office/drawing/2014/main" id="{4864C10B-820B-4A52-835E-0D5ADEBF95EF}"/>
+              </a:ext>
+            </a:extLst>
+          </p:cNvPr>
+          <p:cNvPicPr>
+            <a:picLocks noRot="1" noChangeAspect="1"/>
+          </p:cNvPicPr>
+          <p:nvPr>
+            <a:videoFile r:link="rId1"/>
+          </p:nvPr>
+        </p:nvPicPr>
+        <p:blipFill>
+          <a:blip r:embed="rId3"/>
+          <a:stretch>
+            <a:fillRect/>
+          </a:stretch>
+        </p:blipFill>
+        <p:spPr>
+          <a:xfrm>
+            <a:off x="1952171" y="1158115"/>
+            <a:ext cx="9205686" cy="5201213"/>
+          </a:xfrm>
+          <a:prstGeom prst="rect">
+            <a:avLst/>
+          </a:prstGeom>
+        </p:spPr>
+      </p:pic>
+    </p:spTree>
+    <p:extLst>
+      <p:ext uri="{BB962C8B-B14F-4D97-AF65-F5344CB8AC3E}">
+        <p14:creationId xmlns:p14="http://schemas.microsoft.com/office/powerpoint/2010/main" val="1158528105"/>
+      </p:ext>
+    </p:extLst>
+  </p:cSld>
+  <p:clrMapOvr>
+    <a:masterClrMapping/>
+  </p:clrMapOvr>
+  <p:timing>
+    <p:tnLst>
+      <p:par>
+        <p:cTn id="1" dur="indefinite" restart="never" nodeType="tmRoot">
+          <p:childTnLst>
+            <p:seq concurrent="1" nextAc="seek">
+              <p:cTn id="2" dur="indefinite" nodeType="mainSeq">
+                <p:childTnLst>
+                  <p:par>
+                    <p:cTn id="3" fill="hold">
+                      <p:stCondLst>
+                        <p:cond delay="indefinite"/>
+                      </p:stCondLst>
+                      <p:childTnLst>
+                        <p:par>
+                          <p:cTn id="4" fill="hold">
+                            <p:stCondLst>
+                              <p:cond delay="0"/>
+                            </p:stCondLst>
+                            <p:childTnLst>
+                              <p:par>
+                                <p:cTn id="5" presetID="1" presetClass="mediacall" presetSubtype="0" fill="hold" nodeType="clickEffect">
+                                  <p:stCondLst>
+                                    <p:cond delay="0"/>
+                                  </p:stCondLst>
+                                  <p:childTnLst>
+                                    <p:cmd type="call" cmd="playFrom(0.0)">
+                                      <p:cBhvr>
+                                        <p:cTn id="6" dur="1" fill="hold"/>
+                                        <p:tgtEl>
+                                          <p:spTgt spid="4"/>
+                                        </p:tgtEl>
+                                      </p:cBhvr>
+                                    </p:cmd>
+                                  </p:childTnLst>
+                                </p:cTn>
+                              </p:par>
+                            </p:childTnLst>
+                          </p:cTn>
+                        </p:par>
+                      </p:childTnLst>
+                    </p:cTn>
+                  </p:par>
+                </p:childTnLst>
+              </p:cTn>
+              <p:prevCondLst>
+                <p:cond evt="onPrev" delay="0">
+                  <p:tgtEl>
+                    <p:sldTgt/>
+                  </p:tgtEl>
+                </p:cond>
+              </p:prevCondLst>
+              <p:nextCondLst>
+                <p:cond evt="onNext" delay="0">
+                  <p:tgtEl>
+                    <p:sldTgt/>
+                  </p:tgtEl>
+                </p:cond>
+              </p:nextCondLst>
+            </p:seq>
+            <p:video>
+              <p:cMediaNode vol="80000">
+                <p:cTn id="7" fill="hold" display="0">
+                  <p:stCondLst>
+                    <p:cond delay="indefinite"/>
+                  </p:stCondLst>
+                </p:cTn>
+                <p:tgtEl>
+                  <p:spTgt spid="4"/>
+                </p:tgtEl>
+              </p:cMediaNode>
+            </p:video>
+            <p:seq concurrent="1" nextAc="seek">
+              <p:cTn id="8" restart="whenNotActive" fill="hold" evtFilter="cancelBubble" nodeType="interactiveSeq">
+                <p:stCondLst>
+                  <p:cond evt="onClick" delay="0">
+                    <p:tgtEl>
+                      <p:spTgt spid="4"/>
+                    </p:tgtEl>
+                  </p:cond>
+                </p:stCondLst>
+                <p:endSync evt="end" delay="0">
+                  <p:rtn val="all"/>
+                </p:endSync>
+                <p:childTnLst>
+                  <p:par>
+                    <p:cTn id="9" fill="hold">
+                      <p:stCondLst>
+                        <p:cond delay="0"/>
+                      </p:stCondLst>
+                      <p:childTnLst>
+                        <p:par>
+                          <p:cTn id="10" fill="hold">
+                            <p:stCondLst>
+                              <p:cond delay="0"/>
+                            </p:stCondLst>
+                            <p:childTnLst>
+                              <p:par>
+                                <p:cTn id="11" presetID="2" presetClass="mediacall" presetSubtype="0" fill="hold" nodeType="clickEffect">
+                                  <p:stCondLst>
+                                    <p:cond delay="0"/>
+                                  </p:stCondLst>
+                                  <p:childTnLst>
+                                    <p:cmd type="call" cmd="togglePause">
+                                      <p:cBhvr>
+                                        <p:cTn id="12" dur="1" fill="hold"/>
+                                        <p:tgtEl>
+                                          <p:spTgt spid="4"/>
+                                        </p:tgtEl>
+                                      </p:cBhvr>
+                                    </p:cmd>
+                                  </p:childTnLst>
+                                </p:cTn>
+                              </p:par>
+                            </p:childTnLst>
+                          </p:cTn>
+                        </p:par>
+                      </p:childTnLst>
+                    </p:cTn>
+                  </p:par>
+                </p:childTnLst>
+              </p:cTn>
+              <p:nextCondLst>
+                <p:cond evt="onClick" delay="0">
+                  <p:tgtEl>
+                    <p:spTgt spid="4"/>
+                  </p:tgtEl>
+                </p:cond>
+              </p:nextCondLst>
+            </p:seq>
+          </p:childTnLst>
+        </p:cTn>
+      </p:par>
+    </p:tnLst>
+  </p:timing>
+</p:sld>
+</file>
+
+<file path=ppt/slides/slide7.xml><?xml version="1.0" encoding="utf-8"?>
+<p:sld xmlns:a="http://schemas.openxmlformats.org/drawingml/2006/main" xmlns:r="http://schemas.openxmlformats.org/officeDocument/2006/relationships" xmlns:p="http://schemas.openxmlformats.org/presentationml/2006/main">
+  <p:cSld>
+    <p:spTree>
+      <p:nvGrpSpPr>
+        <p:cNvPr id="1" name=""/>
+        <p:cNvGrpSpPr/>
+        <p:nvPr/>
+      </p:nvGrpSpPr>
+      <p:grpSpPr>
+        <a:xfrm>
+          <a:off x="0" y="0"/>
+          <a:ext cx="0" cy="0"/>
+          <a:chOff x="0" y="0"/>
+          <a:chExt cx="0" cy="0"/>
+        </a:xfrm>
+      </p:grpSpPr>
+      <p:sp>
+        <p:nvSpPr>
+          <p:cNvPr id="2" name="Title 1">
+            <a:extLst>
+              <a:ext uri="{FF2B5EF4-FFF2-40B4-BE49-F238E27FC236}">
+                <a16:creationId xmlns:a16="http://schemas.microsoft.com/office/drawing/2014/main" id="{662F2E5D-8672-4E50-A242-70119F0527B5}"/>
+              </a:ext>
+            </a:extLst>
+          </p:cNvPr>
+          <p:cNvSpPr>
+            <a:spLocks noGrp="1"/>
+          </p:cNvSpPr>
+          <p:nvPr>
+            <p:ph type="title"/>
+          </p:nvPr>
+        </p:nvSpPr>
+        <p:spPr/>
+        <p:txBody>
+          <a:bodyPr>
+            <a:normAutofit fontScale="90000"/>
+          </a:bodyPr>
+          <a:lstStyle/>
+          <a:p>
+            <a:r>
+              <a:rPr lang="en-US" dirty="0"/>
+              <a:t>¿La Creator V1 Burger Maker sabe </a:t>
+            </a:r>
+            <a:r>
+              <a:rPr lang="en-US" dirty="0" err="1"/>
+              <a:t>cocinar</a:t>
+            </a:r>
+            <a:r>
+              <a:rPr lang="en-US" dirty="0"/>
+              <a:t>?</a:t>
+            </a:r>
+          </a:p>
+        </p:txBody>
+      </p:sp>
+      <p:pic>
+        <p:nvPicPr>
+          <p:cNvPr id="2050" name="Picture 2">
+            <a:extLst>
+              <a:ext uri="{FF2B5EF4-FFF2-40B4-BE49-F238E27FC236}">
+                <a16:creationId xmlns:a16="http://schemas.microsoft.com/office/drawing/2014/main" id="{F5932CA4-75A9-46AD-AE5A-EE753EB863EE}"/>
+              </a:ext>
+            </a:extLst>
+          </p:cNvPr>
+          <p:cNvPicPr>
+            <a:picLocks noGrp="1" noChangeAspect="1" noChangeArrowheads="1"/>
+          </p:cNvPicPr>
+          <p:nvPr>
+            <p:ph idx="1"/>
+          </p:nvPr>
+        </p:nvPicPr>
+        <p:blipFill>
+          <a:blip r:embed="rId2">
+            <a:extLst>
+              <a:ext uri="{28A0092B-C50C-407E-A947-70E740481C1C}">
+                <a14:useLocalDpi xmlns:a14="http://schemas.microsoft.com/office/drawing/2010/main" val="0"/>
+              </a:ext>
+            </a:extLst>
+          </a:blip>
+          <a:srcRect/>
+          <a:stretch>
+            <a:fillRect/>
+          </a:stretch>
+        </p:blipFill>
+        <p:spPr bwMode="auto">
+          <a:xfrm>
+            <a:off x="838200" y="1267732"/>
+            <a:ext cx="7527132" cy="5018088"/>
+          </a:xfrm>
+          <a:prstGeom prst="rect">
+            <a:avLst/>
+          </a:prstGeom>
+          <a:noFill/>
+          <a:extLst>
+            <a:ext uri="{909E8E84-426E-40DD-AFC4-6F175D3DCCD1}">
+              <a14:hiddenFill xmlns:a14="http://schemas.microsoft.com/office/drawing/2010/main">
+                <a:solidFill>
+                  <a:srgbClr val="FFFFFF"/>
+                </a:solidFill>
+              </a14:hiddenFill>
+            </a:ext>
+          </a:extLst>
+        </p:spPr>
+      </p:pic>
+    </p:spTree>
+    <p:extLst>
+      <p:ext uri="{BB962C8B-B14F-4D97-AF65-F5344CB8AC3E}">
+        <p14:creationId xmlns:p14="http://schemas.microsoft.com/office/powerpoint/2010/main" val="2945250489"/>
+      </p:ext>
+    </p:extLst>
+  </p:cSld>
+  <p:clrMapOvr>
+    <a:masterClrMapping/>
+  </p:clrMapOvr>
+</p:sld>
+</file>
+
+<file path=ppt/slides/slide8.xml><?xml version="1.0" encoding="utf-8"?>
 <p:sld xmlns:a="http://schemas.openxmlformats.org/drawingml/2006/main" xmlns:r="http://schemas.openxmlformats.org/officeDocument/2006/relationships" xmlns:p="http://schemas.openxmlformats.org/presentationml/2006/main">
   <p:cSld>
     <p:spTree>
@@ -19043,7 +20116,7 @@
 </p:sld>
 </file>
 
-<file path=ppt/slides/slide7.xml><?xml version="1.0" encoding="utf-8"?>
+<file path=ppt/slides/slide9.xml><?xml version="1.0" encoding="utf-8"?>
 <p:sld xmlns:a="http://schemas.openxmlformats.org/drawingml/2006/main" xmlns:r="http://schemas.openxmlformats.org/officeDocument/2006/relationships" xmlns:p="http://schemas.openxmlformats.org/presentationml/2006/main">
   <p:cSld>
     <p:spTree>
@@ -19939,709 +21012,6 @@
 </p:sld>
 </file>
 
-<file path=ppt/slides/slide8.xml><?xml version="1.0" encoding="utf-8"?>
-<p:sld xmlns:a="http://schemas.openxmlformats.org/drawingml/2006/main" xmlns:r="http://schemas.openxmlformats.org/officeDocument/2006/relationships" xmlns:p="http://schemas.openxmlformats.org/presentationml/2006/main">
-  <p:cSld>
-    <p:spTree>
-      <p:nvGrpSpPr>
-        <p:cNvPr id="1" name=""/>
-        <p:cNvGrpSpPr/>
-        <p:nvPr/>
-      </p:nvGrpSpPr>
-      <p:grpSpPr>
-        <a:xfrm>
-          <a:off x="0" y="0"/>
-          <a:ext cx="0" cy="0"/>
-          <a:chOff x="0" y="0"/>
-          <a:chExt cx="0" cy="0"/>
-        </a:xfrm>
-      </p:grpSpPr>
-      <p:sp>
-        <p:nvSpPr>
-          <p:cNvPr id="2" name="Title 1">
-            <a:extLst>
-              <a:ext uri="{FF2B5EF4-FFF2-40B4-BE49-F238E27FC236}">
-                <a16:creationId xmlns:a16="http://schemas.microsoft.com/office/drawing/2014/main" id="{4A5C6FCB-25E6-482A-B57D-42C7CF742006}"/>
-              </a:ext>
-            </a:extLst>
-          </p:cNvPr>
-          <p:cNvSpPr>
-            <a:spLocks noGrp="1"/>
-          </p:cNvSpPr>
-          <p:nvPr>
-            <p:ph type="title"/>
-          </p:nvPr>
-        </p:nvSpPr>
-        <p:spPr/>
-        <p:txBody>
-          <a:bodyPr/>
-          <a:lstStyle/>
-          <a:p>
-            <a:r>
-              <a:rPr lang="es-MX" dirty="0"/>
-              <a:t>Diseño de algoritmos</a:t>
-            </a:r>
-            <a:endParaRPr lang="en-US" dirty="0"/>
-          </a:p>
-        </p:txBody>
-      </p:sp>
-      <p:sp>
-        <p:nvSpPr>
-          <p:cNvPr id="3" name="Content Placeholder 2">
-            <a:extLst>
-              <a:ext uri="{FF2B5EF4-FFF2-40B4-BE49-F238E27FC236}">
-                <a16:creationId xmlns:a16="http://schemas.microsoft.com/office/drawing/2014/main" id="{B61A62DC-6504-480F-95F2-41A42B880CF6}"/>
-              </a:ext>
-            </a:extLst>
-          </p:cNvPr>
-          <p:cNvSpPr>
-            <a:spLocks noGrp="1"/>
-          </p:cNvSpPr>
-          <p:nvPr>
-            <p:ph idx="1"/>
-          </p:nvPr>
-        </p:nvSpPr>
-        <p:spPr>
-          <a:xfrm>
-            <a:off x="838199" y="1158114"/>
-            <a:ext cx="11095381" cy="5329771"/>
-          </a:xfrm>
-        </p:spPr>
-        <p:txBody>
-          <a:bodyPr>
-            <a:normAutofit/>
-          </a:bodyPr>
-          <a:lstStyle/>
-          <a:p>
-            <a:pPr marL="0" indent="0">
-              <a:buNone/>
-            </a:pPr>
-            <a:r>
-              <a:rPr lang="es-MX" sz="3600" dirty="0"/>
-              <a:t>La computadora no debe entender el algoritmo, mientras pueda ejecutarlo. </a:t>
-            </a:r>
-          </a:p>
-          <a:p>
-            <a:pPr marL="0" indent="0">
-              <a:buNone/>
-            </a:pPr>
-            <a:endParaRPr lang="es-MX" sz="3600" dirty="0"/>
-          </a:p>
-          <a:p>
-            <a:pPr marL="0" indent="0">
-              <a:buNone/>
-            </a:pPr>
-            <a:r>
-              <a:rPr lang="es-MX" sz="3600" dirty="0"/>
-              <a:t>Un buen </a:t>
-            </a:r>
-            <a:r>
-              <a:rPr lang="es-MX" sz="3600" b="1" dirty="0">
-                <a:solidFill>
-                  <a:schemeClr val="accent1"/>
-                </a:solidFill>
-              </a:rPr>
-              <a:t>programador</a:t>
-            </a:r>
-            <a:r>
-              <a:rPr lang="es-MX" sz="3600" dirty="0">
-                <a:solidFill>
-                  <a:schemeClr val="accent1"/>
-                </a:solidFill>
-              </a:rPr>
-              <a:t> </a:t>
-            </a:r>
-            <a:r>
-              <a:rPr lang="es-MX" sz="3600" dirty="0"/>
-              <a:t>debe dominar todos los aspectos y detalles del algoritmo para poderlo programar.</a:t>
-            </a:r>
-            <a:endParaRPr lang="en-US" sz="3600" dirty="0"/>
-          </a:p>
-          <a:p>
-            <a:pPr marL="0" indent="0">
-              <a:buNone/>
-            </a:pPr>
-            <a:endParaRPr lang="es-MX" sz="3600" dirty="0"/>
-          </a:p>
-          <a:p>
-            <a:pPr marL="0" indent="0">
-              <a:buNone/>
-            </a:pPr>
-            <a:r>
-              <a:rPr lang="es-MX" sz="3600" dirty="0"/>
-              <a:t>El trabajo de un programador es </a:t>
-            </a:r>
-            <a:r>
-              <a:rPr lang="es-MX" sz="3600" b="1" dirty="0">
-                <a:solidFill>
-                  <a:schemeClr val="accent1"/>
-                </a:solidFill>
-              </a:rPr>
-              <a:t>convertir las instrucciones de un algoritmo en código.</a:t>
-            </a:r>
-            <a:endParaRPr lang="es-MX" sz="3600" b="1" dirty="0"/>
-          </a:p>
-        </p:txBody>
-      </p:sp>
-    </p:spTree>
-    <p:extLst>
-      <p:ext uri="{BB962C8B-B14F-4D97-AF65-F5344CB8AC3E}">
-        <p14:creationId xmlns:p14="http://schemas.microsoft.com/office/powerpoint/2010/main" val="997814641"/>
-      </p:ext>
-    </p:extLst>
-  </p:cSld>
-  <p:clrMapOvr>
-    <a:masterClrMapping/>
-  </p:clrMapOvr>
-  <p:timing>
-    <p:tnLst>
-      <p:par>
-        <p:cTn id="1" dur="indefinite" restart="never" nodeType="tmRoot">
-          <p:childTnLst>
-            <p:seq concurrent="1" nextAc="seek">
-              <p:cTn id="2" dur="indefinite" nodeType="mainSeq">
-                <p:childTnLst>
-                  <p:par>
-                    <p:cTn id="3" fill="hold">
-                      <p:stCondLst>
-                        <p:cond delay="indefinite"/>
-                      </p:stCondLst>
-                      <p:childTnLst>
-                        <p:par>
-                          <p:cTn id="4" fill="hold">
-                            <p:stCondLst>
-                              <p:cond delay="0"/>
-                            </p:stCondLst>
-                            <p:childTnLst>
-                              <p:par>
-                                <p:cTn id="5" presetID="1" presetClass="entr" presetSubtype="0" fill="hold" nodeType="clickEffect">
-                                  <p:stCondLst>
-                                    <p:cond delay="0"/>
-                                  </p:stCondLst>
-                                  <p:childTnLst>
-                                    <p:set>
-                                      <p:cBhvr>
-                                        <p:cTn id="6" dur="1" fill="hold">
-                                          <p:stCondLst>
-                                            <p:cond delay="0"/>
-                                          </p:stCondLst>
-                                        </p:cTn>
-                                        <p:tgtEl>
-                                          <p:spTgt spid="3">
-                                            <p:txEl>
-                                              <p:pRg st="0" end="0"/>
-                                            </p:txEl>
-                                          </p:spTgt>
-                                        </p:tgtEl>
-                                        <p:attrNameLst>
-                                          <p:attrName>style.visibility</p:attrName>
-                                        </p:attrNameLst>
-                                      </p:cBhvr>
-                                      <p:to>
-                                        <p:strVal val="visible"/>
-                                      </p:to>
-                                    </p:set>
-                                  </p:childTnLst>
-                                </p:cTn>
-                              </p:par>
-                            </p:childTnLst>
-                          </p:cTn>
-                        </p:par>
-                      </p:childTnLst>
-                    </p:cTn>
-                  </p:par>
-                  <p:par>
-                    <p:cTn id="7" fill="hold">
-                      <p:stCondLst>
-                        <p:cond delay="indefinite"/>
-                      </p:stCondLst>
-                      <p:childTnLst>
-                        <p:par>
-                          <p:cTn id="8" fill="hold">
-                            <p:stCondLst>
-                              <p:cond delay="0"/>
-                            </p:stCondLst>
-                            <p:childTnLst>
-                              <p:par>
-                                <p:cTn id="9" presetID="1" presetClass="entr" presetSubtype="0" fill="hold" nodeType="clickEffect">
-                                  <p:stCondLst>
-                                    <p:cond delay="0"/>
-                                  </p:stCondLst>
-                                  <p:childTnLst>
-                                    <p:set>
-                                      <p:cBhvr>
-                                        <p:cTn id="10" dur="1" fill="hold">
-                                          <p:stCondLst>
-                                            <p:cond delay="0"/>
-                                          </p:stCondLst>
-                                        </p:cTn>
-                                        <p:tgtEl>
-                                          <p:spTgt spid="3">
-                                            <p:txEl>
-                                              <p:pRg st="2" end="2"/>
-                                            </p:txEl>
-                                          </p:spTgt>
-                                        </p:tgtEl>
-                                        <p:attrNameLst>
-                                          <p:attrName>style.visibility</p:attrName>
-                                        </p:attrNameLst>
-                                      </p:cBhvr>
-                                      <p:to>
-                                        <p:strVal val="visible"/>
-                                      </p:to>
-                                    </p:set>
-                                  </p:childTnLst>
-                                </p:cTn>
-                              </p:par>
-                            </p:childTnLst>
-                          </p:cTn>
-                        </p:par>
-                      </p:childTnLst>
-                    </p:cTn>
-                  </p:par>
-                  <p:par>
-                    <p:cTn id="11" fill="hold">
-                      <p:stCondLst>
-                        <p:cond delay="indefinite"/>
-                      </p:stCondLst>
-                      <p:childTnLst>
-                        <p:par>
-                          <p:cTn id="12" fill="hold">
-                            <p:stCondLst>
-                              <p:cond delay="0"/>
-                            </p:stCondLst>
-                            <p:childTnLst>
-                              <p:par>
-                                <p:cTn id="13" presetID="1" presetClass="entr" presetSubtype="0" fill="hold" nodeType="clickEffect">
-                                  <p:stCondLst>
-                                    <p:cond delay="0"/>
-                                  </p:stCondLst>
-                                  <p:childTnLst>
-                                    <p:set>
-                                      <p:cBhvr>
-                                        <p:cTn id="14" dur="1" fill="hold">
-                                          <p:stCondLst>
-                                            <p:cond delay="0"/>
-                                          </p:stCondLst>
-                                        </p:cTn>
-                                        <p:tgtEl>
-                                          <p:spTgt spid="3">
-                                            <p:txEl>
-                                              <p:pRg st="4" end="4"/>
-                                            </p:txEl>
-                                          </p:spTgt>
-                                        </p:tgtEl>
-                                        <p:attrNameLst>
-                                          <p:attrName>style.visibility</p:attrName>
-                                        </p:attrNameLst>
-                                      </p:cBhvr>
-                                      <p:to>
-                                        <p:strVal val="visible"/>
-                                      </p:to>
-                                    </p:set>
-                                  </p:childTnLst>
-                                </p:cTn>
-                              </p:par>
-                            </p:childTnLst>
-                          </p:cTn>
-                        </p:par>
-                      </p:childTnLst>
-                    </p:cTn>
-                  </p:par>
-                </p:childTnLst>
-              </p:cTn>
-              <p:prevCondLst>
-                <p:cond evt="onPrev" delay="0">
-                  <p:tgtEl>
-                    <p:sldTgt/>
-                  </p:tgtEl>
-                </p:cond>
-              </p:prevCondLst>
-              <p:nextCondLst>
-                <p:cond evt="onNext" delay="0">
-                  <p:tgtEl>
-                    <p:sldTgt/>
-                  </p:tgtEl>
-                </p:cond>
-              </p:nextCondLst>
-            </p:seq>
-          </p:childTnLst>
-        </p:cTn>
-      </p:par>
-    </p:tnLst>
-  </p:timing>
-</p:sld>
-</file>
-
-<file path=ppt/slides/slide9.xml><?xml version="1.0" encoding="utf-8"?>
-<p:sld xmlns:a="http://schemas.openxmlformats.org/drawingml/2006/main" xmlns:r="http://schemas.openxmlformats.org/officeDocument/2006/relationships" xmlns:p="http://schemas.openxmlformats.org/presentationml/2006/main">
-  <p:cSld>
-    <p:spTree>
-      <p:nvGrpSpPr>
-        <p:cNvPr id="1" name=""/>
-        <p:cNvGrpSpPr/>
-        <p:nvPr/>
-      </p:nvGrpSpPr>
-      <p:grpSpPr>
-        <a:xfrm>
-          <a:off x="0" y="0"/>
-          <a:ext cx="0" cy="0"/>
-          <a:chOff x="0" y="0"/>
-          <a:chExt cx="0" cy="0"/>
-        </a:xfrm>
-      </p:grpSpPr>
-      <p:pic>
-        <p:nvPicPr>
-          <p:cNvPr id="1026" name="Picture 2" descr="Image result for creativo">
-            <a:extLst>
-              <a:ext uri="{FF2B5EF4-FFF2-40B4-BE49-F238E27FC236}">
-                <a16:creationId xmlns:a16="http://schemas.microsoft.com/office/drawing/2014/main" id="{22536C4F-6F7F-4804-923F-95A1D46255EF}"/>
-              </a:ext>
-            </a:extLst>
-          </p:cNvPr>
-          <p:cNvPicPr>
-            <a:picLocks noChangeAspect="1" noChangeArrowheads="1"/>
-          </p:cNvPicPr>
-          <p:nvPr/>
-        </p:nvPicPr>
-        <p:blipFill rotWithShape="1">
-          <a:blip r:embed="rId2">
-            <a:extLst>
-              <a:ext uri="{28A0092B-C50C-407E-A947-70E740481C1C}">
-                <a14:useLocalDpi xmlns:a14="http://schemas.microsoft.com/office/drawing/2010/main" val="0"/>
-              </a:ext>
-            </a:extLst>
-          </a:blip>
-          <a:srcRect l="44019" t="9941" r="14999" b="14454"/>
-          <a:stretch/>
-        </p:blipFill>
-        <p:spPr bwMode="auto">
-          <a:xfrm flipH="1">
-            <a:off x="751116" y="1360713"/>
-            <a:ext cx="4996541" cy="4376057"/>
-          </a:xfrm>
-          <a:prstGeom prst="rect">
-            <a:avLst/>
-          </a:prstGeom>
-          <a:noFill/>
-          <a:extLst>
-            <a:ext uri="{909E8E84-426E-40DD-AFC4-6F175D3DCCD1}">
-              <a14:hiddenFill xmlns:a14="http://schemas.microsoft.com/office/drawing/2010/main">
-                <a:solidFill>
-                  <a:srgbClr val="FFFFFF"/>
-                </a:solidFill>
-              </a14:hiddenFill>
-            </a:ext>
-          </a:extLst>
-        </p:spPr>
-      </p:pic>
-      <p:sp>
-        <p:nvSpPr>
-          <p:cNvPr id="4" name="Title 1">
-            <a:extLst>
-              <a:ext uri="{FF2B5EF4-FFF2-40B4-BE49-F238E27FC236}">
-                <a16:creationId xmlns:a16="http://schemas.microsoft.com/office/drawing/2014/main" id="{7D4EDFB4-267B-47D0-B6F9-542BD156FA16}"/>
-              </a:ext>
-            </a:extLst>
-          </p:cNvPr>
-          <p:cNvSpPr txBox="1">
-            <a:spLocks/>
-          </p:cNvSpPr>
-          <p:nvPr/>
-        </p:nvSpPr>
-        <p:spPr>
-          <a:xfrm>
-            <a:off x="5889170" y="192537"/>
-            <a:ext cx="6302829" cy="3236463"/>
-          </a:xfrm>
-          <a:prstGeom prst="rect">
-            <a:avLst/>
-          </a:prstGeom>
-        </p:spPr>
-        <p:txBody>
-          <a:bodyPr/>
-          <a:lstStyle>
-            <a:lvl1pPr algn="l" defTabSz="914400" rtl="0" eaLnBrk="1" latinLnBrk="0" hangingPunct="1">
-              <a:lnSpc>
-                <a:spcPct val="90000"/>
-              </a:lnSpc>
-              <a:spcBef>
-                <a:spcPct val="0"/>
-              </a:spcBef>
-              <a:buNone/>
-              <a:defRPr sz="4400" b="1" kern="1200">
-                <a:solidFill>
-                  <a:schemeClr val="accent2"/>
-                </a:solidFill>
-                <a:latin typeface="Ubuntu" panose="020B0504030602030204" pitchFamily="34" charset="0"/>
-                <a:ea typeface="+mj-ea"/>
-                <a:cs typeface="Arial" panose="020B0604020202020204" pitchFamily="34" charset="0"/>
-              </a:defRPr>
-            </a:lvl1pPr>
-          </a:lstStyle>
-          <a:p>
-            <a:pPr algn="ctr"/>
-            <a:r>
-              <a:rPr lang="es-MX" sz="5400" i="1" dirty="0"/>
-              <a:t>Diseñar un algoritmo es trabajo altamente creativo</a:t>
-            </a:r>
-            <a:endParaRPr lang="en-US" sz="5400" i="1" dirty="0"/>
-          </a:p>
-        </p:txBody>
-      </p:sp>
-      <p:sp>
-        <p:nvSpPr>
-          <p:cNvPr id="5" name="Title 1">
-            <a:extLst>
-              <a:ext uri="{FF2B5EF4-FFF2-40B4-BE49-F238E27FC236}">
-                <a16:creationId xmlns:a16="http://schemas.microsoft.com/office/drawing/2014/main" id="{CC4C4BA6-34AC-4EF9-8375-5FA141498484}"/>
-              </a:ext>
-            </a:extLst>
-          </p:cNvPr>
-          <p:cNvSpPr txBox="1">
-            <a:spLocks/>
-          </p:cNvSpPr>
-          <p:nvPr/>
-        </p:nvSpPr>
-        <p:spPr>
-          <a:xfrm>
-            <a:off x="5638799" y="3429000"/>
-            <a:ext cx="6444343" cy="3236463"/>
-          </a:xfrm>
-          <a:prstGeom prst="rect">
-            <a:avLst/>
-          </a:prstGeom>
-        </p:spPr>
-        <p:txBody>
-          <a:bodyPr/>
-          <a:lstStyle>
-            <a:lvl1pPr algn="l" defTabSz="914400" rtl="0" eaLnBrk="1" latinLnBrk="0" hangingPunct="1">
-              <a:lnSpc>
-                <a:spcPct val="90000"/>
-              </a:lnSpc>
-              <a:spcBef>
-                <a:spcPct val="0"/>
-              </a:spcBef>
-              <a:buNone/>
-              <a:defRPr sz="4400" b="1" kern="1200">
-                <a:solidFill>
-                  <a:schemeClr val="accent2"/>
-                </a:solidFill>
-                <a:latin typeface="Ubuntu" panose="020B0504030602030204" pitchFamily="34" charset="0"/>
-                <a:ea typeface="+mj-ea"/>
-                <a:cs typeface="Arial" panose="020B0604020202020204" pitchFamily="34" charset="0"/>
-              </a:defRPr>
-            </a:lvl1pPr>
-          </a:lstStyle>
-          <a:p>
-            <a:pPr algn="ctr"/>
-            <a:endParaRPr lang="en-US" sz="5400" i="1" dirty="0">
-              <a:solidFill>
-                <a:schemeClr val="accent1"/>
-              </a:solidFill>
-            </a:endParaRPr>
-          </a:p>
-        </p:txBody>
-      </p:sp>
-      <p:sp>
-        <p:nvSpPr>
-          <p:cNvPr id="6" name="Title 1">
-            <a:extLst>
-              <a:ext uri="{FF2B5EF4-FFF2-40B4-BE49-F238E27FC236}">
-                <a16:creationId xmlns:a16="http://schemas.microsoft.com/office/drawing/2014/main" id="{59C04B33-709A-4588-A750-17794F1A21F9}"/>
-              </a:ext>
-            </a:extLst>
-          </p:cNvPr>
-          <p:cNvSpPr txBox="1">
-            <a:spLocks/>
-          </p:cNvSpPr>
-          <p:nvPr/>
-        </p:nvSpPr>
-        <p:spPr>
-          <a:xfrm>
-            <a:off x="5834741" y="4078737"/>
-            <a:ext cx="6302829" cy="2779263"/>
-          </a:xfrm>
-          <a:prstGeom prst="rect">
-            <a:avLst/>
-          </a:prstGeom>
-        </p:spPr>
-        <p:txBody>
-          <a:bodyPr/>
-          <a:lstStyle>
-            <a:lvl1pPr algn="l" defTabSz="914400" rtl="0" eaLnBrk="1" latinLnBrk="0" hangingPunct="1">
-              <a:lnSpc>
-                <a:spcPct val="90000"/>
-              </a:lnSpc>
-              <a:spcBef>
-                <a:spcPct val="0"/>
-              </a:spcBef>
-              <a:buNone/>
-              <a:defRPr sz="4400" b="1" kern="1200">
-                <a:solidFill>
-                  <a:schemeClr val="accent2"/>
-                </a:solidFill>
-                <a:latin typeface="Ubuntu" panose="020B0504030602030204" pitchFamily="34" charset="0"/>
-                <a:ea typeface="+mj-ea"/>
-                <a:cs typeface="Arial" panose="020B0604020202020204" pitchFamily="34" charset="0"/>
-              </a:defRPr>
-            </a:lvl1pPr>
-          </a:lstStyle>
-          <a:p>
-            <a:pPr algn="ctr"/>
-            <a:r>
-              <a:rPr lang="es-MX" sz="4800" i="1" dirty="0">
-                <a:solidFill>
-                  <a:schemeClr val="accent1"/>
-                </a:solidFill>
-              </a:rPr>
-              <a:t>¡Es detallar algo complicado de una forma lógica y sencilla!</a:t>
-            </a:r>
-            <a:endParaRPr lang="en-US" sz="4800" i="1" dirty="0">
-              <a:solidFill>
-                <a:schemeClr val="accent1"/>
-              </a:solidFill>
-            </a:endParaRPr>
-          </a:p>
-        </p:txBody>
-      </p:sp>
-    </p:spTree>
-    <p:extLst>
-      <p:ext uri="{BB962C8B-B14F-4D97-AF65-F5344CB8AC3E}">
-        <p14:creationId xmlns:p14="http://schemas.microsoft.com/office/powerpoint/2010/main" val="3206956812"/>
-      </p:ext>
-    </p:extLst>
-  </p:cSld>
-  <p:clrMapOvr>
-    <a:masterClrMapping/>
-  </p:clrMapOvr>
-  <p:timing>
-    <p:tnLst>
-      <p:par>
-        <p:cTn id="1" dur="indefinite" restart="never" nodeType="tmRoot">
-          <p:childTnLst>
-            <p:seq concurrent="1" nextAc="seek">
-              <p:cTn id="2" dur="indefinite" nodeType="mainSeq">
-                <p:childTnLst>
-                  <p:par>
-                    <p:cTn id="3" fill="hold">
-                      <p:stCondLst>
-                        <p:cond delay="indefinite"/>
-                      </p:stCondLst>
-                      <p:childTnLst>
-                        <p:par>
-                          <p:cTn id="4" fill="hold">
-                            <p:stCondLst>
-                              <p:cond delay="0"/>
-                            </p:stCondLst>
-                            <p:childTnLst>
-                              <p:par>
-                                <p:cTn id="5" presetID="2" presetClass="entr" presetSubtype="4" fill="hold" grpId="0" nodeType="clickEffect">
-                                  <p:stCondLst>
-                                    <p:cond delay="0"/>
-                                  </p:stCondLst>
-                                  <p:childTnLst>
-                                    <p:set>
-                                      <p:cBhvr>
-                                        <p:cTn id="6" dur="1" fill="hold">
-                                          <p:stCondLst>
-                                            <p:cond delay="0"/>
-                                          </p:stCondLst>
-                                        </p:cTn>
-                                        <p:tgtEl>
-                                          <p:spTgt spid="6"/>
-                                        </p:tgtEl>
-                                        <p:attrNameLst>
-                                          <p:attrName>style.visibility</p:attrName>
-                                        </p:attrNameLst>
-                                      </p:cBhvr>
-                                      <p:to>
-                                        <p:strVal val="visible"/>
-                                      </p:to>
-                                    </p:set>
-                                    <p:anim calcmode="lin" valueType="num">
-                                      <p:cBhvr additive="base">
-                                        <p:cTn id="7" dur="500" fill="hold"/>
-                                        <p:tgtEl>
-                                          <p:spTgt spid="6"/>
-                                        </p:tgtEl>
-                                        <p:attrNameLst>
-                                          <p:attrName>ppt_x</p:attrName>
-                                        </p:attrNameLst>
-                                      </p:cBhvr>
-                                      <p:tavLst>
-                                        <p:tav tm="0">
-                                          <p:val>
-                                            <p:strVal val="#ppt_x"/>
-                                          </p:val>
-                                        </p:tav>
-                                        <p:tav tm="100000">
-                                          <p:val>
-                                            <p:strVal val="#ppt_x"/>
-                                          </p:val>
-                                        </p:tav>
-                                      </p:tavLst>
-                                    </p:anim>
-                                    <p:anim calcmode="lin" valueType="num">
-                                      <p:cBhvr additive="base">
-                                        <p:cTn id="8" dur="500" fill="hold"/>
-                                        <p:tgtEl>
-                                          <p:spTgt spid="6"/>
-                                        </p:tgtEl>
-                                        <p:attrNameLst>
-                                          <p:attrName>ppt_y</p:attrName>
-                                        </p:attrNameLst>
-                                      </p:cBhvr>
-                                      <p:tavLst>
-                                        <p:tav tm="0">
-                                          <p:val>
-                                            <p:strVal val="1+#ppt_h/2"/>
-                                          </p:val>
-                                        </p:tav>
-                                        <p:tav tm="100000">
-                                          <p:val>
-                                            <p:strVal val="#ppt_y"/>
-                                          </p:val>
-                                        </p:tav>
-                                      </p:tavLst>
-                                    </p:anim>
-                                  </p:childTnLst>
-                                </p:cTn>
-                              </p:par>
-                            </p:childTnLst>
-                          </p:cTn>
-                        </p:par>
-                      </p:childTnLst>
-                    </p:cTn>
-                  </p:par>
-                </p:childTnLst>
-              </p:cTn>
-              <p:prevCondLst>
-                <p:cond evt="onPrev" delay="0">
-                  <p:tgtEl>
-                    <p:sldTgt/>
-                  </p:tgtEl>
-                </p:cond>
-              </p:prevCondLst>
-              <p:nextCondLst>
-                <p:cond evt="onNext" delay="0">
-                  <p:tgtEl>
-                    <p:sldTgt/>
-                  </p:tgtEl>
-                </p:cond>
-              </p:nextCondLst>
-            </p:seq>
-          </p:childTnLst>
-        </p:cTn>
-      </p:par>
-    </p:tnLst>
-    <p:bldLst>
-      <p:bldP spid="6" grpId="0"/>
-    </p:bldLst>
-  </p:timing>
-</p:sld>
-</file>
-
 <file path=ppt/theme/theme1.xml><?xml version="1.0" encoding="utf-8"?>
 <a:theme xmlns:a="http://schemas.openxmlformats.org/drawingml/2006/main" name="OEAR_theme">
   <a:themeElements>
